--- a/pvaluePleasure.pptx
+++ b/pvaluePleasure.pptx
@@ -9,6 +9,9 @@
     <p:sldId id="259" r:id="rId3"/>
     <p:sldId id="257" r:id="rId4"/>
     <p:sldId id="258" r:id="rId5"/>
+    <p:sldId id="260" r:id="rId6"/>
+    <p:sldId id="261" r:id="rId7"/>
+    <p:sldId id="262" r:id="rId8"/>
   </p:sldIdLst>
   <p:sldSz cx="12192000" cy="6858000"/>
   <p:notesSz cx="6858000" cy="9144000"/>
@@ -107,6 +110,11 @@
       </a:defRPr>
     </a:lvl9pPr>
   </p:defaultTextStyle>
+  <p:extLst>
+    <p:ext uri="{EFAFB233-063F-42B5-8137-9DF3F51BA10A}">
+      <p15:sldGuideLst xmlns:p15="http://schemas.microsoft.com/office/powerpoint/2012/main"/>
+    </p:ext>
+  </p:extLst>
 </p:presentation>
 </file>
 
@@ -257,7 +265,7 @@
           <a:p>
             <a:fld id="{FD721C7B-8852-D94C-BEE8-A7644C328CC3}" type="datetimeFigureOut">
               <a:rPr lang="en-US" smtClean="0"/>
-              <a:t>1/24/22</a:t>
+              <a:t>1/25/2022</a:t>
             </a:fld>
             <a:endParaRPr lang="en-US"/>
           </a:p>
@@ -455,7 +463,7 @@
           <a:p>
             <a:fld id="{FD721C7B-8852-D94C-BEE8-A7644C328CC3}" type="datetimeFigureOut">
               <a:rPr lang="en-US" smtClean="0"/>
-              <a:t>1/24/22</a:t>
+              <a:t>1/25/2022</a:t>
             </a:fld>
             <a:endParaRPr lang="en-US"/>
           </a:p>
@@ -663,7 +671,7 @@
           <a:p>
             <a:fld id="{FD721C7B-8852-D94C-BEE8-A7644C328CC3}" type="datetimeFigureOut">
               <a:rPr lang="en-US" smtClean="0"/>
-              <a:t>1/24/22</a:t>
+              <a:t>1/25/2022</a:t>
             </a:fld>
             <a:endParaRPr lang="en-US"/>
           </a:p>
@@ -861,7 +869,7 @@
           <a:p>
             <a:fld id="{FD721C7B-8852-D94C-BEE8-A7644C328CC3}" type="datetimeFigureOut">
               <a:rPr lang="en-US" smtClean="0"/>
-              <a:t>1/24/22</a:t>
+              <a:t>1/25/2022</a:t>
             </a:fld>
             <a:endParaRPr lang="en-US"/>
           </a:p>
@@ -1136,7 +1144,7 @@
           <a:p>
             <a:fld id="{FD721C7B-8852-D94C-BEE8-A7644C328CC3}" type="datetimeFigureOut">
               <a:rPr lang="en-US" smtClean="0"/>
-              <a:t>1/24/22</a:t>
+              <a:t>1/25/2022</a:t>
             </a:fld>
             <a:endParaRPr lang="en-US"/>
           </a:p>
@@ -1401,7 +1409,7 @@
           <a:p>
             <a:fld id="{FD721C7B-8852-D94C-BEE8-A7644C328CC3}" type="datetimeFigureOut">
               <a:rPr lang="en-US" smtClean="0"/>
-              <a:t>1/24/22</a:t>
+              <a:t>1/25/2022</a:t>
             </a:fld>
             <a:endParaRPr lang="en-US"/>
           </a:p>
@@ -1813,7 +1821,7 @@
           <a:p>
             <a:fld id="{FD721C7B-8852-D94C-BEE8-A7644C328CC3}" type="datetimeFigureOut">
               <a:rPr lang="en-US" smtClean="0"/>
-              <a:t>1/24/22</a:t>
+              <a:t>1/25/2022</a:t>
             </a:fld>
             <a:endParaRPr lang="en-US"/>
           </a:p>
@@ -1954,7 +1962,7 @@
           <a:p>
             <a:fld id="{FD721C7B-8852-D94C-BEE8-A7644C328CC3}" type="datetimeFigureOut">
               <a:rPr lang="en-US" smtClean="0"/>
-              <a:t>1/24/22</a:t>
+              <a:t>1/25/2022</a:t>
             </a:fld>
             <a:endParaRPr lang="en-US"/>
           </a:p>
@@ -2067,7 +2075,7 @@
           <a:p>
             <a:fld id="{FD721C7B-8852-D94C-BEE8-A7644C328CC3}" type="datetimeFigureOut">
               <a:rPr lang="en-US" smtClean="0"/>
-              <a:t>1/24/22</a:t>
+              <a:t>1/25/2022</a:t>
             </a:fld>
             <a:endParaRPr lang="en-US"/>
           </a:p>
@@ -2378,7 +2386,7 @@
           <a:p>
             <a:fld id="{FD721C7B-8852-D94C-BEE8-A7644C328CC3}" type="datetimeFigureOut">
               <a:rPr lang="en-US" smtClean="0"/>
-              <a:t>1/24/22</a:t>
+              <a:t>1/25/2022</a:t>
             </a:fld>
             <a:endParaRPr lang="en-US"/>
           </a:p>
@@ -2666,7 +2674,7 @@
           <a:p>
             <a:fld id="{FD721C7B-8852-D94C-BEE8-A7644C328CC3}" type="datetimeFigureOut">
               <a:rPr lang="en-US" smtClean="0"/>
-              <a:t>1/24/22</a:t>
+              <a:t>1/25/2022</a:t>
             </a:fld>
             <a:endParaRPr lang="en-US"/>
           </a:p>
@@ -2907,7 +2915,7 @@
           <a:p>
             <a:fld id="{FD721C7B-8852-D94C-BEE8-A7644C328CC3}" type="datetimeFigureOut">
               <a:rPr lang="en-US" smtClean="0"/>
-              <a:t>1/24/22</a:t>
+              <a:t>1/25/2022</a:t>
             </a:fld>
             <a:endParaRPr lang="en-US"/>
           </a:p>
@@ -3617,6 +3625,21 @@
             </a:r>
           </a:p>
           <a:p>
+            <a:r>
+              <a:rPr lang="en-US" dirty="0"/>
+              <a:t>What is the action?</a:t>
+            </a:r>
+          </a:p>
+          <a:p>
+            <a:r>
+              <a:rPr lang="en-US" dirty="0"/>
+              <a:t>When does it end?</a:t>
+            </a:r>
+          </a:p>
+          <a:p>
+            <a:endParaRPr lang="en-US" dirty="0"/>
+          </a:p>
+          <a:p>
             <a:endParaRPr lang="en-US" dirty="0"/>
           </a:p>
         </p:txBody>
@@ -3650,6 +3673,484 @@
     <p:extLst>
       <p:ext uri="{BB962C8B-B14F-4D97-AF65-F5344CB8AC3E}">
         <p14:creationId xmlns:p14="http://schemas.microsoft.com/office/powerpoint/2010/main" val="3558072086"/>
+      </p:ext>
+    </p:extLst>
+  </p:cSld>
+  <p:clrMapOvr>
+    <a:masterClrMapping/>
+  </p:clrMapOvr>
+</p:sld>
+</file>
+
+<file path=ppt/slides/slide5.xml><?xml version="1.0" encoding="utf-8"?>
+<p:sld xmlns:a="http://schemas.openxmlformats.org/drawingml/2006/main" xmlns:r="http://schemas.openxmlformats.org/officeDocument/2006/relationships" xmlns:p="http://schemas.openxmlformats.org/presentationml/2006/main">
+  <p:cSld>
+    <p:spTree>
+      <p:nvGrpSpPr>
+        <p:cNvPr id="1" name=""/>
+        <p:cNvGrpSpPr/>
+        <p:nvPr/>
+      </p:nvGrpSpPr>
+      <p:grpSpPr>
+        <a:xfrm>
+          <a:off x="0" y="0"/>
+          <a:ext cx="0" cy="0"/>
+          <a:chOff x="0" y="0"/>
+          <a:chExt cx="0" cy="0"/>
+        </a:xfrm>
+      </p:grpSpPr>
+      <p:sp>
+        <p:nvSpPr>
+          <p:cNvPr id="2" name="Title 1">
+            <a:extLst>
+              <a:ext uri="{FF2B5EF4-FFF2-40B4-BE49-F238E27FC236}">
+                <a16:creationId xmlns:a16="http://schemas.microsoft.com/office/drawing/2014/main" id="{DBCB46F9-2D3E-4132-97E0-8293A0A41CB5}"/>
+              </a:ext>
+            </a:extLst>
+          </p:cNvPr>
+          <p:cNvSpPr>
+            <a:spLocks noGrp="1"/>
+          </p:cNvSpPr>
+          <p:nvPr>
+            <p:ph type="title"/>
+          </p:nvPr>
+        </p:nvSpPr>
+        <p:spPr/>
+        <p:txBody>
+          <a:bodyPr/>
+          <a:lstStyle/>
+          <a:p>
+            <a:r>
+              <a:rPr lang="en-US" dirty="0"/>
+              <a:t>Never Volunteer Significance</a:t>
+            </a:r>
+          </a:p>
+        </p:txBody>
+      </p:sp>
+      <p:sp>
+        <p:nvSpPr>
+          <p:cNvPr id="3" name="Content Placeholder 2">
+            <a:extLst>
+              <a:ext uri="{FF2B5EF4-FFF2-40B4-BE49-F238E27FC236}">
+                <a16:creationId xmlns:a16="http://schemas.microsoft.com/office/drawing/2014/main" id="{DDC7A2C3-CCA5-4878-8DAA-21C592AB07FD}"/>
+              </a:ext>
+            </a:extLst>
+          </p:cNvPr>
+          <p:cNvSpPr>
+            <a:spLocks noGrp="1"/>
+          </p:cNvSpPr>
+          <p:nvPr>
+            <p:ph sz="half" idx="1"/>
+          </p:nvPr>
+        </p:nvSpPr>
+        <p:spPr/>
+        <p:txBody>
+          <a:bodyPr/>
+          <a:lstStyle/>
+          <a:p>
+            <a:r>
+              <a:rPr lang="en-US" dirty="0"/>
+              <a:t>What they think</a:t>
+            </a:r>
+          </a:p>
+          <a:p>
+            <a:pPr lvl="1"/>
+            <a:r>
+              <a:rPr lang="en-US" dirty="0"/>
+              <a:t>Everything is a true experiment</a:t>
+            </a:r>
+          </a:p>
+          <a:p>
+            <a:pPr lvl="1"/>
+            <a:r>
+              <a:rPr lang="en-US" dirty="0"/>
+              <a:t>We can extrapolate to all populations for all time</a:t>
+            </a:r>
+          </a:p>
+          <a:p>
+            <a:pPr lvl="1"/>
+            <a:r>
+              <a:rPr lang="en-US" dirty="0"/>
+              <a:t>It’s the truth</a:t>
+            </a:r>
+          </a:p>
+          <a:p>
+            <a:pPr lvl="1"/>
+            <a:endParaRPr lang="en-US" dirty="0"/>
+          </a:p>
+        </p:txBody>
+      </p:sp>
+      <p:sp>
+        <p:nvSpPr>
+          <p:cNvPr id="4" name="Content Placeholder 3">
+            <a:extLst>
+              <a:ext uri="{FF2B5EF4-FFF2-40B4-BE49-F238E27FC236}">
+                <a16:creationId xmlns:a16="http://schemas.microsoft.com/office/drawing/2014/main" id="{A6815D36-9E90-4629-B36A-363CED4E32AB}"/>
+              </a:ext>
+            </a:extLst>
+          </p:cNvPr>
+          <p:cNvSpPr>
+            <a:spLocks noGrp="1"/>
+          </p:cNvSpPr>
+          <p:nvPr>
+            <p:ph sz="half" idx="2"/>
+          </p:nvPr>
+        </p:nvSpPr>
+        <p:spPr/>
+        <p:txBody>
+          <a:bodyPr/>
+          <a:lstStyle/>
+          <a:p>
+            <a:r>
+              <a:rPr lang="en-US" dirty="0"/>
+              <a:t>Where the education begins</a:t>
+            </a:r>
+          </a:p>
+          <a:p>
+            <a:pPr lvl="1"/>
+            <a:r>
+              <a:rPr lang="en-US" dirty="0"/>
+              <a:t>Even controlled experiments have noise… data is messy</a:t>
+            </a:r>
+          </a:p>
+          <a:p>
+            <a:pPr lvl="1"/>
+            <a:r>
+              <a:rPr lang="en-US" dirty="0"/>
+              <a:t>Different sample on a different day could test differently</a:t>
+            </a:r>
+          </a:p>
+          <a:p>
+            <a:pPr lvl="1"/>
+            <a:r>
+              <a:rPr lang="en-US" dirty="0"/>
+              <a:t>This is an imaginary world built by assumptions</a:t>
+            </a:r>
+          </a:p>
+        </p:txBody>
+      </p:sp>
+    </p:spTree>
+    <p:extLst>
+      <p:ext uri="{BB962C8B-B14F-4D97-AF65-F5344CB8AC3E}">
+        <p14:creationId xmlns:p14="http://schemas.microsoft.com/office/powerpoint/2010/main" val="3458277274"/>
+      </p:ext>
+    </p:extLst>
+  </p:cSld>
+  <p:clrMapOvr>
+    <a:masterClrMapping/>
+  </p:clrMapOvr>
+</p:sld>
+</file>
+
+<file path=ppt/slides/slide6.xml><?xml version="1.0" encoding="utf-8"?>
+<p:sld xmlns:a="http://schemas.openxmlformats.org/drawingml/2006/main" xmlns:r="http://schemas.openxmlformats.org/officeDocument/2006/relationships" xmlns:p="http://schemas.openxmlformats.org/presentationml/2006/main">
+  <p:cSld>
+    <p:spTree>
+      <p:nvGrpSpPr>
+        <p:cNvPr id="1" name=""/>
+        <p:cNvGrpSpPr/>
+        <p:nvPr/>
+      </p:nvGrpSpPr>
+      <p:grpSpPr>
+        <a:xfrm>
+          <a:off x="0" y="0"/>
+          <a:ext cx="0" cy="0"/>
+          <a:chOff x="0" y="0"/>
+          <a:chExt cx="0" cy="0"/>
+        </a:xfrm>
+      </p:grpSpPr>
+      <p:sp>
+        <p:nvSpPr>
+          <p:cNvPr id="2" name="Title 1">
+            <a:extLst>
+              <a:ext uri="{FF2B5EF4-FFF2-40B4-BE49-F238E27FC236}">
+                <a16:creationId xmlns:a16="http://schemas.microsoft.com/office/drawing/2014/main" id="{741D1940-0C84-4E2B-B62B-C458B77EA70B}"/>
+              </a:ext>
+            </a:extLst>
+          </p:cNvPr>
+          <p:cNvSpPr>
+            <a:spLocks noGrp="1"/>
+          </p:cNvSpPr>
+          <p:nvPr>
+            <p:ph type="title"/>
+          </p:nvPr>
+        </p:nvSpPr>
+        <p:spPr/>
+        <p:txBody>
+          <a:bodyPr/>
+          <a:lstStyle/>
+          <a:p>
+            <a:r>
+              <a:rPr lang="en-US" dirty="0"/>
+              <a:t>What is the action?</a:t>
+            </a:r>
+          </a:p>
+        </p:txBody>
+      </p:sp>
+      <p:sp>
+        <p:nvSpPr>
+          <p:cNvPr id="5" name="Rectangle: Rounded Corners 4">
+            <a:extLst>
+              <a:ext uri="{FF2B5EF4-FFF2-40B4-BE49-F238E27FC236}">
+                <a16:creationId xmlns:a16="http://schemas.microsoft.com/office/drawing/2014/main" id="{FA7A270F-EB0F-497E-949E-63B79060B7B4}"/>
+              </a:ext>
+            </a:extLst>
+          </p:cNvPr>
+          <p:cNvSpPr/>
+          <p:nvPr/>
+        </p:nvSpPr>
+        <p:spPr>
+          <a:xfrm>
+            <a:off x="965854" y="1690688"/>
+            <a:ext cx="10260291" cy="2187019"/>
+          </a:xfrm>
+          <a:prstGeom prst="roundRect">
+            <a:avLst/>
+          </a:prstGeom>
+          <a:noFill/>
+          <a:ln w="38100">
+            <a:solidFill>
+              <a:schemeClr val="tx1"/>
+            </a:solidFill>
+          </a:ln>
+        </p:spPr>
+        <p:style>
+          <a:lnRef idx="2">
+            <a:schemeClr val="accent1">
+              <a:shade val="50000"/>
+            </a:schemeClr>
+          </a:lnRef>
+          <a:fillRef idx="1">
+            <a:schemeClr val="accent1"/>
+          </a:fillRef>
+          <a:effectRef idx="0">
+            <a:schemeClr val="accent1"/>
+          </a:effectRef>
+          <a:fontRef idx="minor">
+            <a:schemeClr val="lt1"/>
+          </a:fontRef>
+        </p:style>
+        <p:txBody>
+          <a:bodyPr rtlCol="0" anchor="ctr"/>
+          <a:lstStyle/>
+          <a:p>
+            <a:pPr algn="ctr"/>
+            <a:endParaRPr lang="en-US"/>
+          </a:p>
+        </p:txBody>
+      </p:sp>
+      <p:sp>
+        <p:nvSpPr>
+          <p:cNvPr id="6" name="Rectangle: Rounded Corners 5">
+            <a:extLst>
+              <a:ext uri="{FF2B5EF4-FFF2-40B4-BE49-F238E27FC236}">
+                <a16:creationId xmlns:a16="http://schemas.microsoft.com/office/drawing/2014/main" id="{27073AC9-25A1-4FB6-869E-2137C3556CF2}"/>
+              </a:ext>
+            </a:extLst>
+          </p:cNvPr>
+          <p:cNvSpPr/>
+          <p:nvPr/>
+        </p:nvSpPr>
+        <p:spPr>
+          <a:xfrm>
+            <a:off x="965855" y="4109760"/>
+            <a:ext cx="10260291" cy="2187019"/>
+          </a:xfrm>
+          <a:prstGeom prst="roundRect">
+            <a:avLst/>
+          </a:prstGeom>
+          <a:noFill/>
+          <a:ln w="38100">
+            <a:solidFill>
+              <a:schemeClr val="tx1"/>
+            </a:solidFill>
+          </a:ln>
+        </p:spPr>
+        <p:style>
+          <a:lnRef idx="2">
+            <a:schemeClr val="accent1">
+              <a:shade val="50000"/>
+            </a:schemeClr>
+          </a:lnRef>
+          <a:fillRef idx="1">
+            <a:schemeClr val="accent1"/>
+          </a:fillRef>
+          <a:effectRef idx="0">
+            <a:schemeClr val="accent1"/>
+          </a:effectRef>
+          <a:fontRef idx="minor">
+            <a:schemeClr val="lt1"/>
+          </a:fontRef>
+        </p:style>
+        <p:txBody>
+          <a:bodyPr rtlCol="0" anchor="ctr"/>
+          <a:lstStyle/>
+          <a:p>
+            <a:pPr algn="ctr"/>
+            <a:endParaRPr lang="en-US"/>
+          </a:p>
+        </p:txBody>
+      </p:sp>
+      <p:sp>
+        <p:nvSpPr>
+          <p:cNvPr id="7" name="TextBox 6">
+            <a:extLst>
+              <a:ext uri="{FF2B5EF4-FFF2-40B4-BE49-F238E27FC236}">
+                <a16:creationId xmlns:a16="http://schemas.microsoft.com/office/drawing/2014/main" id="{14AAD87D-9606-4E88-BF9E-30FED6D3109B}"/>
+              </a:ext>
+            </a:extLst>
+          </p:cNvPr>
+          <p:cNvSpPr txBox="1"/>
+          <p:nvPr/>
+        </p:nvSpPr>
+        <p:spPr>
+          <a:xfrm>
+            <a:off x="3619893" y="2102177"/>
+            <a:ext cx="2337847" cy="646331"/>
+          </a:xfrm>
+          <a:prstGeom prst="rect">
+            <a:avLst/>
+          </a:prstGeom>
+          <a:noFill/>
+        </p:spPr>
+        <p:txBody>
+          <a:bodyPr wrap="square" rtlCol="0">
+            <a:spAutoFit/>
+          </a:bodyPr>
+          <a:lstStyle/>
+          <a:p>
+            <a:r>
+              <a:rPr lang="en-US" dirty="0"/>
+              <a:t>Can you look at my data?</a:t>
+            </a:r>
+          </a:p>
+        </p:txBody>
+      </p:sp>
+      <p:sp>
+        <p:nvSpPr>
+          <p:cNvPr id="9" name="TextBox 8">
+            <a:extLst>
+              <a:ext uri="{FF2B5EF4-FFF2-40B4-BE49-F238E27FC236}">
+                <a16:creationId xmlns:a16="http://schemas.microsoft.com/office/drawing/2014/main" id="{B1B50056-FA91-461F-ACA9-6599DF545752}"/>
+              </a:ext>
+            </a:extLst>
+          </p:cNvPr>
+          <p:cNvSpPr txBox="1"/>
+          <p:nvPr/>
+        </p:nvSpPr>
+        <p:spPr>
+          <a:xfrm>
+            <a:off x="8248454" y="2102177"/>
+            <a:ext cx="2337847" cy="369332"/>
+          </a:xfrm>
+          <a:prstGeom prst="rect">
+            <a:avLst/>
+          </a:prstGeom>
+          <a:noFill/>
+        </p:spPr>
+        <p:txBody>
+          <a:bodyPr wrap="square" rtlCol="0">
+            <a:spAutoFit/>
+          </a:bodyPr>
+          <a:lstStyle/>
+          <a:p>
+            <a:r>
+              <a:rPr lang="en-US" dirty="0"/>
+              <a:t>So we need to </a:t>
+            </a:r>
+          </a:p>
+        </p:txBody>
+      </p:sp>
+    </p:spTree>
+    <p:extLst>
+      <p:ext uri="{BB962C8B-B14F-4D97-AF65-F5344CB8AC3E}">
+        <p14:creationId xmlns:p14="http://schemas.microsoft.com/office/powerpoint/2010/main" val="593091387"/>
+      </p:ext>
+    </p:extLst>
+  </p:cSld>
+  <p:clrMapOvr>
+    <a:masterClrMapping/>
+  </p:clrMapOvr>
+</p:sld>
+</file>
+
+<file path=ppt/slides/slide7.xml><?xml version="1.0" encoding="utf-8"?>
+<p:sld xmlns:a="http://schemas.openxmlformats.org/drawingml/2006/main" xmlns:r="http://schemas.openxmlformats.org/officeDocument/2006/relationships" xmlns:p="http://schemas.openxmlformats.org/presentationml/2006/main">
+  <p:cSld>
+    <p:spTree>
+      <p:nvGrpSpPr>
+        <p:cNvPr id="1" name=""/>
+        <p:cNvGrpSpPr/>
+        <p:nvPr/>
+      </p:nvGrpSpPr>
+      <p:grpSpPr>
+        <a:xfrm>
+          <a:off x="0" y="0"/>
+          <a:ext cx="0" cy="0"/>
+          <a:chOff x="0" y="0"/>
+          <a:chExt cx="0" cy="0"/>
+        </a:xfrm>
+      </p:grpSpPr>
+      <p:sp>
+        <p:nvSpPr>
+          <p:cNvPr id="2" name="Title 1">
+            <a:extLst>
+              <a:ext uri="{FF2B5EF4-FFF2-40B4-BE49-F238E27FC236}">
+                <a16:creationId xmlns:a16="http://schemas.microsoft.com/office/drawing/2014/main" id="{11EC6896-1B17-44C3-B1CE-10A4E7DEB44B}"/>
+              </a:ext>
+            </a:extLst>
+          </p:cNvPr>
+          <p:cNvSpPr>
+            <a:spLocks noGrp="1"/>
+          </p:cNvSpPr>
+          <p:nvPr>
+            <p:ph type="title"/>
+          </p:nvPr>
+        </p:nvSpPr>
+        <p:spPr/>
+        <p:txBody>
+          <a:bodyPr/>
+          <a:lstStyle/>
+          <a:p>
+            <a:r>
+              <a:rPr lang="en-US" dirty="0"/>
+              <a:t>When Does it end?</a:t>
+            </a:r>
+          </a:p>
+        </p:txBody>
+      </p:sp>
+      <p:sp>
+        <p:nvSpPr>
+          <p:cNvPr id="3" name="Content Placeholder 2">
+            <a:extLst>
+              <a:ext uri="{FF2B5EF4-FFF2-40B4-BE49-F238E27FC236}">
+                <a16:creationId xmlns:a16="http://schemas.microsoft.com/office/drawing/2014/main" id="{481E7F79-4AC5-4FC3-9F43-7587DC233C5C}"/>
+              </a:ext>
+            </a:extLst>
+          </p:cNvPr>
+          <p:cNvSpPr>
+            <a:spLocks noGrp="1"/>
+          </p:cNvSpPr>
+          <p:nvPr>
+            <p:ph sz="half" idx="1"/>
+          </p:nvPr>
+        </p:nvSpPr>
+        <p:spPr/>
+        <p:txBody>
+          <a:bodyPr/>
+          <a:lstStyle/>
+          <a:p>
+            <a:r>
+              <a:rPr lang="en-US" dirty="0"/>
+              <a:t>Add crisp-dm model here</a:t>
+            </a:r>
+          </a:p>
+        </p:txBody>
+      </p:sp>
+    </p:spTree>
+    <p:extLst>
+      <p:ext uri="{BB962C8B-B14F-4D97-AF65-F5344CB8AC3E}">
+        <p14:creationId xmlns:p14="http://schemas.microsoft.com/office/powerpoint/2010/main" val="1026799814"/>
       </p:ext>
     </p:extLst>
   </p:cSld>

--- a/pvaluePleasure.pptx
+++ b/pvaluePleasure.pptx
@@ -5324,7 +5324,7 @@
           <a:p>
             <a:fld id="{1BC1FA94-E0E6-44AB-AE9C-552FD1C03498}" type="datetimeFigureOut">
               <a:rPr lang="en-US" smtClean="0"/>
-              <a:t>1/31/2022</a:t>
+              <a:t>2/1/2022</a:t>
             </a:fld>
             <a:endParaRPr lang="en-US"/>
           </a:p>
@@ -5637,7 +5637,7 @@
           <a:p>
             <a:r>
               <a:rPr lang="en-US" dirty="0"/>
-              <a:t>The first line Fahrenheit 451 is “It was a pleasure to burn”. Ironically, this is a banned book about banning books. In Fahrenheit 451 books were banned to limit free thinking and opinions from society to create less conflict. Many of us have used p-values and “significance” in the same way. Whether it be to reduce conflict, imposter syndrome, or just not being prepared we look back at our collusion with guilt. With my age I have become “grumpy” with my practice at time I don’t budge when leaders want p-values because they used to use SAS…. True story. </a:t>
+              <a:t>I am Ben Barnard and my talk is “It was a pleasure to p-value.” The first line of Fahrenheit 451 is “It was a pleasure to burn”. Ironically, this is a banned book about banning books. In Fahrenheit 451 books were banned to limit free thinking and opinions from society to create less conflict. Many of us have used p-values and “significance” in the same way. Whether it be to reduce conflict, imposter syndrome, or just not being prepared. Many times, we look back at our collusion with guilt.  I have become “grumpy” with my practice, and at times I don’t budge when leaders want p-values just because, “they previously used SAS in their career”…. True story. Trigger warning, I might say some things that many will not agree with.</a:t>
             </a:r>
           </a:p>
         </p:txBody>
@@ -5741,7 +5741,7 @@
             </a:pPr>
             <a:r>
               <a:rPr lang="en-US" dirty="0"/>
-              <a:t>Mike introduced me, but a little bit about my philosophy. I was trained as a statistician, but I practice data science. Like everybody else that thinks they are an expert (I am not an expert I just like to hear myself talk.) I am going to spend a useless amount of time to define a space for what I hope includes what I do so I can call myself a data scientist. Please be nice to me after the presentation. I like the intro to the book “Statistical Rethinking” by Richard </a:t>
+              <a:t>Mike introduced me, and I do have a PhD somewhere. A little bit about my philosophy. I was trained as a statistician, but I practice data science. Like everybody else that thinks they are an expert. (I am not an expert I just like to hear myself talk.) I am going to spend a useless amount of time to define a space for what I hope includes what I do so I can call myself a data scientist. Please be nice to me after the presentation. I like the intro to the book “Statistical Rethinking” by Richard </a:t>
             </a:r>
             <a:r>
               <a:rPr lang="en-US" dirty="0" err="1"/>
@@ -5749,7 +5749,7 @@
             </a:r>
             <a:r>
               <a:rPr lang="en-US" dirty="0"/>
-              <a:t>. Be nice to me it’s a Bayesian book. I am not trying to insight a riot. The author compares the models we build to golems from the story “golem of Prague”. Model in this case should be viewed very broadly, and more like a structured idea as opposed to an algorithm. Anybody who uses Statistics or even algorithms that people might try to argue as not statistics create golems to build an imaginary/fake world. We can describe this world in assumptions, priors, loss functions, etc. A Statistician uses golems to create imaginary worlds to estimate error. A Data Scientist uses golems to create imaginary worlds to understand real world problems. I will stop there before I am the mob comes for me. </a:t>
+              <a:t>. Be nice to me because it is a Bayesian book. I am not trying to insight a riot, but I think many of you might like this part. The author compares the models we build to the golem from the story “golem of Prague”. Model in this case should be viewed very broadly, and more like a structured idea as opposed to an algorithm. Anybody who uses Statistics or even algorithms that people might try to argue as not statistics create golems to build an imaginary/fake world. We can describe this world in assumptions, priors, loss functions, etc. A Statistician uses golems to create imaginary worlds to estimate error. A Data Scientist uses golems to create imaginary worlds to understand real world problems. I didn’t say solve. I will stop there before the mob comes for me. </a:t>
             </a:r>
           </a:p>
           <a:p>
@@ -5876,11 +5876,8 @@
             </a:pPr>
             <a:r>
               <a:rPr lang="en-US" dirty="0"/>
-              <a:t>You walk into a meeting with senior leadership, and they are listening to the presenter about an analysis the presenter performed. One of the leaders asks, "Is that statistically significant?" Immediately you wonder if there was a power analysis. The presenter says, "Absolutely, at the 0.05 level we were statistically significant. We had 100,000 participants." Hand to your head you begin brainstorming how to educate the leadership and analysts on use of significance testing, test design, and tying the hypothesis to practical significance. We discuss the tools we use to educate leadership and how we design significance tests to have value to the business problem.</a:t>
+              <a:t>Let’s move on to what I advertised I would be talking about. You walk into a meeting with senior leadership, and they are listening to the presenter about an analysis the presenter performed. I have been volunteered for many meetings I didn’t need to be in or shouldn’t need to be in. One of the leaders asks, "Is that statistically significant?" Immediately you wonder if there was a power analysis. The presenter says, "Absolutely, at the 0.05 level we were statistically significant. We had 100,000 participants." Hand to your head you begin brainstorming how to educate the leadership and analysts on use of significance testing, test design, and tying the hypothesis to practical significance. Maybe not brainstorming but wishing you didn’t get involved because you might be asked to step on someone's toes. </a:t>
             </a:r>
-          </a:p>
-          <a:p>
-            <a:endParaRPr lang="en-US" dirty="0"/>
           </a:p>
         </p:txBody>
       </p:sp>
@@ -5966,7 +5963,7 @@
           <a:p>
             <a:r>
               <a:rPr lang="en-US" dirty="0"/>
-              <a:t>Some key points I want to talk about are don’t ever volunteer significance (for those who have young children don’t ever talk about p-value), be actionable, and create partners. This list by no means is exhaustive these were just the topics I chose to speak about.</a:t>
+              <a:t>Some key points I want to talk about are don’t ever volunteer significance (for those who have young children don’t ever talk about p-value), be actionable, and create partners. This list by no means is exhaustive, and  these were just the topics I chose to speak about. You will also notice I won’t really talk about them, but that’s how it works.</a:t>
             </a:r>
           </a:p>
         </p:txBody>
@@ -6053,7 +6050,7 @@
           <a:p>
             <a:r>
               <a:rPr lang="en-US" dirty="0"/>
-              <a:t>My biggest pet peeve is setting alpha at the 0.05 level. I was in a heavily regulated environment. Every decision you make should have a reason an because everybody else is doing it is not a good reason. Outside of a clinical environment a lot of data science teams do not perform power analyses, and most don’t understand that alpha doesn’t have to be set. You could be trying to find your alpha if you aren’t sure what it should be. Sometimes for resource constraints your sample size is set, and the business needs to understand the risks around the alpha or power. Significance tests should really be used for designed experiments. I don’t mean designed benchtop work. I mean if you didn’t plan out your analysis before you looked at the data you shouldn’t be running tests because they don’t mean anything. Leaders that aren’t from a statistical world tend to think everything is a true experiment, you run one test and now they can extrapolate to all populations for all time, and worst of all it is the truth. Remember from before data scientist and statisticians both use golems to create imaginary worlds. We are automatically not dealing with the truth. I avoid testing unless a test is warranted, and when it is design, design, design. If you depend on a golem to decide for you, you need to understand the risk of being wrong. Build your presentations around that you created an imaginary world, discuss the repeatability of your tests, warn against biases and other issues with sampling.</a:t>
+              <a:t>My biggest pet peeve is setting alpha at the 0.05 level. I am probably supposed to talk about significance, but I can make anything significant. I worked in a heavily regulated environment. Every decision you make should have a reason and because everybody else is doing it is not a good reason. Outside of a clinical environment a lot of data science teams do not perform power analyses, and most don’t understand that alpha doesn’t have to be set. I have seen a lot of teams that should be doing some sort of simulations that aren’t. You could be trying to find your alpha if you aren’t sure what it should be. Sometimes for resource constraints your sample size is set, and the business needs to understand the risks around the alpha or power. Significance tests should really be used for designed experiments. I don’t mean designed benchtop work. I mean if you didn’t plan out your analysis before you looked at the data you shouldn’t be running tests because they don’t mean anything. Leaders that aren’t from a statistical world tend to think everything is a true experiment, you run one test and now they can extrapolate to all populations for all time, and worst of all it is the truth. Remember from before data scientist and statisticians both use golems to create imaginary worlds. We are automatically not dealing with the truth. I avoid testing unless a test is warranted, and when it is design, design, design. If you depend on a golem to decide for you, you need to understand the risk of being wrong. Build your presentations around that you created an imaginary world, discuss the repeatability of your tests, warn against biases and other issues with sampling.</a:t>
             </a:r>
           </a:p>
         </p:txBody>
@@ -6323,7 +6320,7 @@
           <a:noFill/>
           <a:extLst>
             <a:ext uri="{909E8E84-426E-40dd-AFC4-6F175D3DCCD1}">
-              <a14:hiddenFill xmlns="" xmlns:a14="http://schemas.microsoft.com/office/drawing/2010/main">
+              <a14:hiddenFill xmlns:a14="http://schemas.microsoft.com/office/drawing/2010/main" xmlns="">
                 <a:solidFill>
                   <a:srgbClr val="FFFFFF"/>
                 </a:solidFill>
@@ -6383,7 +6380,7 @@
             </a:ln>
             <a:extLst>
               <a:ext uri="{91240B29-F687-4f45-9708-019B960494DF}">
-                <a14:hiddenLine xmlns="" xmlns:a14="http://schemas.microsoft.com/office/drawing/2010/main" w="9525">
+                <a14:hiddenLine xmlns:a14="http://schemas.microsoft.com/office/drawing/2010/main" xmlns="" w="9525">
                   <a:solidFill>
                     <a:srgbClr val="000000"/>
                   </a:solidFill>
@@ -6473,7 +6470,7 @@
             </a:ln>
             <a:extLst>
               <a:ext uri="{91240B29-F687-4f45-9708-019B960494DF}">
-                <a14:hiddenLine xmlns="" xmlns:a14="http://schemas.microsoft.com/office/drawing/2010/main" w="9525">
+                <a14:hiddenLine xmlns:a14="http://schemas.microsoft.com/office/drawing/2010/main" xmlns="" w="9525">
                   <a:solidFill>
                     <a:srgbClr val="000000"/>
                   </a:solidFill>
@@ -6563,7 +6560,7 @@
             </a:ln>
             <a:extLst>
               <a:ext uri="{91240B29-F687-4f45-9708-019B960494DF}">
-                <a14:hiddenLine xmlns="" xmlns:a14="http://schemas.microsoft.com/office/drawing/2010/main" w="9525">
+                <a14:hiddenLine xmlns:a14="http://schemas.microsoft.com/office/drawing/2010/main" xmlns="" w="9525">
                   <a:solidFill>
                     <a:srgbClr val="000000"/>
                   </a:solidFill>
@@ -6597,7 +6594,7 @@
             </a:ln>
             <a:extLst>
               <a:ext uri="{91240B29-F687-4f45-9708-019B960494DF}">
-                <a14:hiddenLine xmlns="" xmlns:a14="http://schemas.microsoft.com/office/drawing/2010/main" w="9525">
+                <a14:hiddenLine xmlns:a14="http://schemas.microsoft.com/office/drawing/2010/main" xmlns="" w="9525">
                   <a:solidFill>
                     <a:srgbClr val="000000"/>
                   </a:solidFill>
@@ -6687,7 +6684,7 @@
             </a:ln>
             <a:extLst>
               <a:ext uri="{91240B29-F687-4f45-9708-019B960494DF}">
-                <a14:hiddenLine xmlns="" xmlns:a14="http://schemas.microsoft.com/office/drawing/2010/main" w="9525">
+                <a14:hiddenLine xmlns:a14="http://schemas.microsoft.com/office/drawing/2010/main" xmlns="" w="9525">
                   <a:solidFill>
                     <a:srgbClr val="000000"/>
                   </a:solidFill>
@@ -6749,7 +6746,7 @@
             </a:ln>
             <a:extLst>
               <a:ext uri="{91240B29-F687-4f45-9708-019B960494DF}">
-                <a14:hiddenLine xmlns="" xmlns:a14="http://schemas.microsoft.com/office/drawing/2010/main" w="9525">
+                <a14:hiddenLine xmlns:a14="http://schemas.microsoft.com/office/drawing/2010/main" xmlns="" w="9525">
                   <a:solidFill>
                     <a:srgbClr val="000000"/>
                   </a:solidFill>
@@ -6811,7 +6808,7 @@
             </a:ln>
             <a:extLst>
               <a:ext uri="{91240B29-F687-4f45-9708-019B960494DF}">
-                <a14:hiddenLine xmlns="" xmlns:a14="http://schemas.microsoft.com/office/drawing/2010/main" w="9525">
+                <a14:hiddenLine xmlns:a14="http://schemas.microsoft.com/office/drawing/2010/main" xmlns="" w="9525">
                   <a:solidFill>
                     <a:srgbClr val="000000"/>
                   </a:solidFill>
@@ -6901,7 +6898,7 @@
             </a:ln>
             <a:extLst>
               <a:ext uri="{91240B29-F687-4f45-9708-019B960494DF}">
-                <a14:hiddenLine xmlns="" xmlns:a14="http://schemas.microsoft.com/office/drawing/2010/main" w="9525">
+                <a14:hiddenLine xmlns:a14="http://schemas.microsoft.com/office/drawing/2010/main" xmlns="" w="9525">
                   <a:solidFill>
                     <a:srgbClr val="000000"/>
                   </a:solidFill>
@@ -6963,7 +6960,7 @@
             </a:ln>
             <a:extLst>
               <a:ext uri="{91240B29-F687-4f45-9708-019B960494DF}">
-                <a14:hiddenLine xmlns="" xmlns:a14="http://schemas.microsoft.com/office/drawing/2010/main" w="9525">
+                <a14:hiddenLine xmlns:a14="http://schemas.microsoft.com/office/drawing/2010/main" xmlns="" w="9525">
                   <a:solidFill>
                     <a:srgbClr val="000000"/>
                   </a:solidFill>
@@ -7025,7 +7022,7 @@
             </a:ln>
             <a:extLst>
               <a:ext uri="{91240B29-F687-4f45-9708-019B960494DF}">
-                <a14:hiddenLine xmlns="" xmlns:a14="http://schemas.microsoft.com/office/drawing/2010/main" w="9525">
+                <a14:hiddenLine xmlns:a14="http://schemas.microsoft.com/office/drawing/2010/main" xmlns="" w="9525">
                   <a:solidFill>
                     <a:srgbClr val="000000"/>
                   </a:solidFill>
@@ -7115,7 +7112,7 @@
             </a:ln>
             <a:extLst>
               <a:ext uri="{91240B29-F687-4f45-9708-019B960494DF}">
-                <a14:hiddenLine xmlns="" xmlns:a14="http://schemas.microsoft.com/office/drawing/2010/main" w="9525">
+                <a14:hiddenLine xmlns:a14="http://schemas.microsoft.com/office/drawing/2010/main" xmlns="" w="9525">
                   <a:solidFill>
                     <a:srgbClr val="000000"/>
                   </a:solidFill>
@@ -7205,7 +7202,7 @@
             </a:ln>
             <a:extLst>
               <a:ext uri="{91240B29-F687-4f45-9708-019B960494DF}">
-                <a14:hiddenLine xmlns="" xmlns:a14="http://schemas.microsoft.com/office/drawing/2010/main" w="9525">
+                <a14:hiddenLine xmlns:a14="http://schemas.microsoft.com/office/drawing/2010/main" xmlns="" w="9525">
                   <a:solidFill>
                     <a:srgbClr val="000000"/>
                   </a:solidFill>
@@ -7267,7 +7264,7 @@
             </a:ln>
             <a:extLst>
               <a:ext uri="{91240B29-F687-4f45-9708-019B960494DF}">
-                <a14:hiddenLine xmlns="" xmlns:a14="http://schemas.microsoft.com/office/drawing/2010/main" w="9525">
+                <a14:hiddenLine xmlns:a14="http://schemas.microsoft.com/office/drawing/2010/main" xmlns="" w="9525">
                   <a:solidFill>
                     <a:srgbClr val="000000"/>
                   </a:solidFill>
@@ -7377,7 +7374,7 @@
             </a:ln>
             <a:extLst>
               <a:ext uri="{91240B29-F687-4f45-9708-019B960494DF}">
-                <a14:hiddenLine xmlns="" xmlns:a14="http://schemas.microsoft.com/office/drawing/2010/main" w="9525">
+                <a14:hiddenLine xmlns:a14="http://schemas.microsoft.com/office/drawing/2010/main" xmlns="" w="9525">
                   <a:solidFill>
                     <a:srgbClr val="000000"/>
                   </a:solidFill>
@@ -7439,7 +7436,7 @@
             </a:ln>
             <a:extLst>
               <a:ext uri="{91240B29-F687-4f45-9708-019B960494DF}">
-                <a14:hiddenLine xmlns="" xmlns:a14="http://schemas.microsoft.com/office/drawing/2010/main" w="9525">
+                <a14:hiddenLine xmlns:a14="http://schemas.microsoft.com/office/drawing/2010/main" xmlns="" w="9525">
                   <a:solidFill>
                     <a:srgbClr val="000000"/>
                   </a:solidFill>
@@ -7529,7 +7526,7 @@
             </a:ln>
             <a:extLst>
               <a:ext uri="{91240B29-F687-4f45-9708-019B960494DF}">
-                <a14:hiddenLine xmlns="" xmlns:a14="http://schemas.microsoft.com/office/drawing/2010/main" w="9525">
+                <a14:hiddenLine xmlns:a14="http://schemas.microsoft.com/office/drawing/2010/main" xmlns="" w="9525">
                   <a:solidFill>
                     <a:srgbClr val="000000"/>
                   </a:solidFill>
@@ -7619,7 +7616,7 @@
             </a:ln>
             <a:extLst>
               <a:ext uri="{91240B29-F687-4f45-9708-019B960494DF}">
-                <a14:hiddenLine xmlns="" xmlns:a14="http://schemas.microsoft.com/office/drawing/2010/main" w="9525">
+                <a14:hiddenLine xmlns:a14="http://schemas.microsoft.com/office/drawing/2010/main" xmlns="" w="9525">
                   <a:solidFill>
                     <a:srgbClr val="000000"/>
                   </a:solidFill>
@@ -7681,7 +7678,7 @@
             </a:ln>
             <a:extLst>
               <a:ext uri="{91240B29-F687-4f45-9708-019B960494DF}">
-                <a14:hiddenLine xmlns="" xmlns:a14="http://schemas.microsoft.com/office/drawing/2010/main" w="9525">
+                <a14:hiddenLine xmlns:a14="http://schemas.microsoft.com/office/drawing/2010/main" xmlns="" w="9525">
                   <a:solidFill>
                     <a:srgbClr val="000000"/>
                   </a:solidFill>
@@ -7771,7 +7768,7 @@
             </a:ln>
             <a:extLst>
               <a:ext uri="{91240B29-F687-4f45-9708-019B960494DF}">
-                <a14:hiddenLine xmlns="" xmlns:a14="http://schemas.microsoft.com/office/drawing/2010/main" w="9525">
+                <a14:hiddenLine xmlns:a14="http://schemas.microsoft.com/office/drawing/2010/main" xmlns="" w="9525">
                   <a:solidFill>
                     <a:srgbClr val="000000"/>
                   </a:solidFill>
@@ -7861,7 +7858,7 @@
             </a:ln>
             <a:extLst>
               <a:ext uri="{91240B29-F687-4f45-9708-019B960494DF}">
-                <a14:hiddenLine xmlns="" xmlns:a14="http://schemas.microsoft.com/office/drawing/2010/main" w="9525">
+                <a14:hiddenLine xmlns:a14="http://schemas.microsoft.com/office/drawing/2010/main" xmlns="" w="9525">
                   <a:solidFill>
                     <a:srgbClr val="000000"/>
                   </a:solidFill>
@@ -7917,7 +7914,7 @@
             </a:ln>
             <a:extLst>
               <a:ext uri="{91240B29-F687-4f45-9708-019B960494DF}">
-                <a14:hiddenLine xmlns="" xmlns:a14="http://schemas.microsoft.com/office/drawing/2010/main" w="9525">
+                <a14:hiddenLine xmlns:a14="http://schemas.microsoft.com/office/drawing/2010/main" xmlns="" w="9525">
                   <a:solidFill>
                     <a:srgbClr val="000000"/>
                   </a:solidFill>
@@ -8007,7 +8004,7 @@
             </a:ln>
             <a:extLst>
               <a:ext uri="{91240B29-F687-4f45-9708-019B960494DF}">
-                <a14:hiddenLine xmlns="" xmlns:a14="http://schemas.microsoft.com/office/drawing/2010/main" w="9525">
+                <a14:hiddenLine xmlns:a14="http://schemas.microsoft.com/office/drawing/2010/main" xmlns="" w="9525">
                   <a:solidFill>
                     <a:srgbClr val="000000"/>
                   </a:solidFill>
@@ -8063,7 +8060,7 @@
             </a:ln>
             <a:extLst>
               <a:ext uri="{91240B29-F687-4f45-9708-019B960494DF}">
-                <a14:hiddenLine xmlns="" xmlns:a14="http://schemas.microsoft.com/office/drawing/2010/main" w="9525">
+                <a14:hiddenLine xmlns:a14="http://schemas.microsoft.com/office/drawing/2010/main" xmlns="" w="9525">
                   <a:solidFill>
                     <a:srgbClr val="000000"/>
                   </a:solidFill>
@@ -8153,7 +8150,7 @@
             </a:ln>
             <a:extLst>
               <a:ext uri="{91240B29-F687-4f45-9708-019B960494DF}">
-                <a14:hiddenLine xmlns="" xmlns:a14="http://schemas.microsoft.com/office/drawing/2010/main" w="9525">
+                <a14:hiddenLine xmlns:a14="http://schemas.microsoft.com/office/drawing/2010/main" xmlns="" w="9525">
                   <a:solidFill>
                     <a:srgbClr val="000000"/>
                   </a:solidFill>
@@ -8221,7 +8218,7 @@
             </a:ln>
             <a:extLst>
               <a:ext uri="{91240B29-F687-4f45-9708-019B960494DF}">
-                <a14:hiddenLine xmlns="" xmlns:a14="http://schemas.microsoft.com/office/drawing/2010/main" w="9525">
+                <a14:hiddenLine xmlns:a14="http://schemas.microsoft.com/office/drawing/2010/main" xmlns="" w="9525">
                   <a:solidFill>
                     <a:srgbClr val="000000"/>
                   </a:solidFill>
@@ -8311,7 +8308,7 @@
             </a:ln>
             <a:extLst>
               <a:ext uri="{91240B29-F687-4f45-9708-019B960494DF}">
-                <a14:hiddenLine xmlns="" xmlns:a14="http://schemas.microsoft.com/office/drawing/2010/main" w="9525">
+                <a14:hiddenLine xmlns:a14="http://schemas.microsoft.com/office/drawing/2010/main" xmlns="" w="9525">
                   <a:solidFill>
                     <a:srgbClr val="000000"/>
                   </a:solidFill>
@@ -8379,7 +8376,7 @@
             </a:ln>
             <a:extLst>
               <a:ext uri="{91240B29-F687-4f45-9708-019B960494DF}">
-                <a14:hiddenLine xmlns="" xmlns:a14="http://schemas.microsoft.com/office/drawing/2010/main" w="9525">
+                <a14:hiddenLine xmlns:a14="http://schemas.microsoft.com/office/drawing/2010/main" xmlns="" w="9525">
                   <a:solidFill>
                     <a:srgbClr val="000000"/>
                   </a:solidFill>
@@ -8469,7 +8466,7 @@
             </a:ln>
             <a:extLst>
               <a:ext uri="{91240B29-F687-4f45-9708-019B960494DF}">
-                <a14:hiddenLine xmlns="" xmlns:a14="http://schemas.microsoft.com/office/drawing/2010/main" w="9525">
+                <a14:hiddenLine xmlns:a14="http://schemas.microsoft.com/office/drawing/2010/main" xmlns="" w="9525">
                   <a:solidFill>
                     <a:srgbClr val="000000"/>
                   </a:solidFill>
@@ -8503,7 +8500,7 @@
             </a:ln>
             <a:extLst>
               <a:ext uri="{91240B29-F687-4f45-9708-019B960494DF}">
-                <a14:hiddenLine xmlns="" xmlns:a14="http://schemas.microsoft.com/office/drawing/2010/main" w="9525">
+                <a14:hiddenLine xmlns:a14="http://schemas.microsoft.com/office/drawing/2010/main" xmlns="" w="9525">
                   <a:solidFill>
                     <a:srgbClr val="000000"/>
                   </a:solidFill>
@@ -8593,7 +8590,7 @@
             </a:ln>
             <a:extLst>
               <a:ext uri="{91240B29-F687-4f45-9708-019B960494DF}">
-                <a14:hiddenLine xmlns="" xmlns:a14="http://schemas.microsoft.com/office/drawing/2010/main" w="9525">
+                <a14:hiddenLine xmlns:a14="http://schemas.microsoft.com/office/drawing/2010/main" xmlns="" w="9525">
                   <a:solidFill>
                     <a:srgbClr val="000000"/>
                   </a:solidFill>
@@ -8655,7 +8652,7 @@
             </a:ln>
             <a:extLst>
               <a:ext uri="{91240B29-F687-4f45-9708-019B960494DF}">
-                <a14:hiddenLine xmlns="" xmlns:a14="http://schemas.microsoft.com/office/drawing/2010/main" w="9525">
+                <a14:hiddenLine xmlns:a14="http://schemas.microsoft.com/office/drawing/2010/main" xmlns="" w="9525">
                   <a:solidFill>
                     <a:srgbClr val="000000"/>
                   </a:solidFill>
@@ -8717,7 +8714,7 @@
             </a:ln>
             <a:extLst>
               <a:ext uri="{91240B29-F687-4f45-9708-019B960494DF}">
-                <a14:hiddenLine xmlns="" xmlns:a14="http://schemas.microsoft.com/office/drawing/2010/main" w="9525">
+                <a14:hiddenLine xmlns:a14="http://schemas.microsoft.com/office/drawing/2010/main" xmlns="" w="9525">
                   <a:solidFill>
                     <a:srgbClr val="000000"/>
                   </a:solidFill>
@@ -8807,7 +8804,7 @@
             </a:ln>
             <a:extLst>
               <a:ext uri="{91240B29-F687-4f45-9708-019B960494DF}">
-                <a14:hiddenLine xmlns="" xmlns:a14="http://schemas.microsoft.com/office/drawing/2010/main" w="9525">
+                <a14:hiddenLine xmlns:a14="http://schemas.microsoft.com/office/drawing/2010/main" xmlns="" w="9525">
                   <a:solidFill>
                     <a:srgbClr val="000000"/>
                   </a:solidFill>
@@ -8875,7 +8872,7 @@
             </a:ln>
             <a:extLst>
               <a:ext uri="{91240B29-F687-4f45-9708-019B960494DF}">
-                <a14:hiddenLine xmlns="" xmlns:a14="http://schemas.microsoft.com/office/drawing/2010/main" w="9525">
+                <a14:hiddenLine xmlns:a14="http://schemas.microsoft.com/office/drawing/2010/main" xmlns="" w="9525">
                   <a:solidFill>
                     <a:srgbClr val="000000"/>
                   </a:solidFill>
@@ -8937,7 +8934,7 @@
             </a:ln>
             <a:extLst>
               <a:ext uri="{91240B29-F687-4f45-9708-019B960494DF}">
-                <a14:hiddenLine xmlns="" xmlns:a14="http://schemas.microsoft.com/office/drawing/2010/main" w="9525">
+                <a14:hiddenLine xmlns:a14="http://schemas.microsoft.com/office/drawing/2010/main" xmlns="" w="9525">
                   <a:solidFill>
                     <a:srgbClr val="000000"/>
                   </a:solidFill>
@@ -9027,7 +9024,7 @@
             </a:ln>
             <a:extLst>
               <a:ext uri="{91240B29-F687-4f45-9708-019B960494DF}">
-                <a14:hiddenLine xmlns="" xmlns:a14="http://schemas.microsoft.com/office/drawing/2010/main" w="9525">
+                <a14:hiddenLine xmlns:a14="http://schemas.microsoft.com/office/drawing/2010/main" xmlns="" w="9525">
                   <a:solidFill>
                     <a:srgbClr val="000000"/>
                   </a:solidFill>
@@ -9089,7 +9086,7 @@
             </a:ln>
             <a:extLst>
               <a:ext uri="{91240B29-F687-4f45-9708-019B960494DF}">
-                <a14:hiddenLine xmlns="" xmlns:a14="http://schemas.microsoft.com/office/drawing/2010/main" w="9525">
+                <a14:hiddenLine xmlns:a14="http://schemas.microsoft.com/office/drawing/2010/main" xmlns="" w="9525">
                   <a:solidFill>
                     <a:srgbClr val="000000"/>
                   </a:solidFill>
@@ -9179,7 +9176,7 @@
             </a:ln>
             <a:extLst>
               <a:ext uri="{91240B29-F687-4f45-9708-019B960494DF}">
-                <a14:hiddenLine xmlns="" xmlns:a14="http://schemas.microsoft.com/office/drawing/2010/main" w="9525">
+                <a14:hiddenLine xmlns:a14="http://schemas.microsoft.com/office/drawing/2010/main" xmlns="" w="9525">
                   <a:solidFill>
                     <a:srgbClr val="000000"/>
                   </a:solidFill>
@@ -9241,7 +9238,7 @@
             </a:ln>
             <a:extLst>
               <a:ext uri="{91240B29-F687-4f45-9708-019B960494DF}">
-                <a14:hiddenLine xmlns="" xmlns:a14="http://schemas.microsoft.com/office/drawing/2010/main" w="9525">
+                <a14:hiddenLine xmlns:a14="http://schemas.microsoft.com/office/drawing/2010/main" xmlns="" w="9525">
                   <a:solidFill>
                     <a:srgbClr val="000000"/>
                   </a:solidFill>
@@ -9331,7 +9328,7 @@
             </a:ln>
             <a:extLst>
               <a:ext uri="{91240B29-F687-4f45-9708-019B960494DF}">
-                <a14:hiddenLine xmlns="" xmlns:a14="http://schemas.microsoft.com/office/drawing/2010/main" w="9525">
+                <a14:hiddenLine xmlns:a14="http://schemas.microsoft.com/office/drawing/2010/main" xmlns="" w="9525">
                   <a:solidFill>
                     <a:srgbClr val="000000"/>
                   </a:solidFill>
@@ -9365,7 +9362,7 @@
             </a:ln>
             <a:extLst>
               <a:ext uri="{91240B29-F687-4f45-9708-019B960494DF}">
-                <a14:hiddenLine xmlns="" xmlns:a14="http://schemas.microsoft.com/office/drawing/2010/main" w="9525">
+                <a14:hiddenLine xmlns:a14="http://schemas.microsoft.com/office/drawing/2010/main" xmlns="" w="9525">
                   <a:solidFill>
                     <a:srgbClr val="000000"/>
                   </a:solidFill>
@@ -9430,7 +9427,7 @@
             </a:ln>
             <a:extLst>
               <a:ext uri="{91240B29-F687-4f45-9708-019B960494DF}">
-                <a14:hiddenLine xmlns="" xmlns:a14="http://schemas.microsoft.com/office/drawing/2010/main" w="9525">
+                <a14:hiddenLine xmlns:a14="http://schemas.microsoft.com/office/drawing/2010/main" xmlns="" w="9525">
                   <a:solidFill>
                     <a:srgbClr val="000000"/>
                   </a:solidFill>
@@ -9520,7 +9517,7 @@
             </a:ln>
             <a:extLst>
               <a:ext uri="{91240B29-F687-4f45-9708-019B960494DF}">
-                <a14:hiddenLine xmlns="" xmlns:a14="http://schemas.microsoft.com/office/drawing/2010/main" w="9525">
+                <a14:hiddenLine xmlns:a14="http://schemas.microsoft.com/office/drawing/2010/main" xmlns="" w="9525">
                   <a:solidFill>
                     <a:srgbClr val="000000"/>
                   </a:solidFill>
@@ -9582,7 +9579,7 @@
             </a:ln>
             <a:extLst>
               <a:ext uri="{91240B29-F687-4f45-9708-019B960494DF}">
-                <a14:hiddenLine xmlns="" xmlns:a14="http://schemas.microsoft.com/office/drawing/2010/main" w="9525">
+                <a14:hiddenLine xmlns:a14="http://schemas.microsoft.com/office/drawing/2010/main" xmlns="" w="9525">
                   <a:solidFill>
                     <a:srgbClr val="000000"/>
                   </a:solidFill>
@@ -9672,7 +9669,7 @@
             </a:ln>
             <a:extLst>
               <a:ext uri="{91240B29-F687-4f45-9708-019B960494DF}">
-                <a14:hiddenLine xmlns="" xmlns:a14="http://schemas.microsoft.com/office/drawing/2010/main" w="9525">
+                <a14:hiddenLine xmlns:a14="http://schemas.microsoft.com/office/drawing/2010/main" xmlns="" w="9525">
                   <a:solidFill>
                     <a:srgbClr val="000000"/>
                   </a:solidFill>
@@ -9762,7 +9759,7 @@
             </a:ln>
             <a:extLst>
               <a:ext uri="{91240B29-F687-4f45-9708-019B960494DF}">
-                <a14:hiddenLine xmlns="" xmlns:a14="http://schemas.microsoft.com/office/drawing/2010/main" w="9525">
+                <a14:hiddenLine xmlns:a14="http://schemas.microsoft.com/office/drawing/2010/main" xmlns="" w="9525">
                   <a:solidFill>
                     <a:srgbClr val="000000"/>
                   </a:solidFill>
@@ -9827,7 +9824,7 @@
             </a:ln>
             <a:extLst>
               <a:ext uri="{91240B29-F687-4f45-9708-019B960494DF}">
-                <a14:hiddenLine xmlns="" xmlns:a14="http://schemas.microsoft.com/office/drawing/2010/main" w="9525">
+                <a14:hiddenLine xmlns:a14="http://schemas.microsoft.com/office/drawing/2010/main" xmlns="" w="9525">
                   <a:solidFill>
                     <a:srgbClr val="000000"/>
                   </a:solidFill>
@@ -9889,7 +9886,7 @@
             </a:ln>
             <a:extLst>
               <a:ext uri="{91240B29-F687-4f45-9708-019B960494DF}">
-                <a14:hiddenLine xmlns="" xmlns:a14="http://schemas.microsoft.com/office/drawing/2010/main" w="9525">
+                <a14:hiddenLine xmlns:a14="http://schemas.microsoft.com/office/drawing/2010/main" xmlns="" w="9525">
                   <a:solidFill>
                     <a:srgbClr val="000000"/>
                   </a:solidFill>
@@ -9979,7 +9976,7 @@
             </a:ln>
             <a:extLst>
               <a:ext uri="{91240B29-F687-4f45-9708-019B960494DF}">
-                <a14:hiddenLine xmlns="" xmlns:a14="http://schemas.microsoft.com/office/drawing/2010/main" w="9525">
+                <a14:hiddenLine xmlns:a14="http://schemas.microsoft.com/office/drawing/2010/main" xmlns="" w="9525">
                   <a:solidFill>
                     <a:srgbClr val="000000"/>
                   </a:solidFill>
@@ -10069,7 +10066,7 @@
             </a:ln>
             <a:extLst>
               <a:ext uri="{91240B29-F687-4f45-9708-019B960494DF}">
-                <a14:hiddenLine xmlns="" xmlns:a14="http://schemas.microsoft.com/office/drawing/2010/main" w="9525">
+                <a14:hiddenLine xmlns:a14="http://schemas.microsoft.com/office/drawing/2010/main" xmlns="" w="9525">
                   <a:solidFill>
                     <a:srgbClr val="000000"/>
                   </a:solidFill>
@@ -10131,7 +10128,7 @@
             </a:ln>
             <a:extLst>
               <a:ext uri="{91240B29-F687-4f45-9708-019B960494DF}">
-                <a14:hiddenLine xmlns="" xmlns:a14="http://schemas.microsoft.com/office/drawing/2010/main" w="9525">
+                <a14:hiddenLine xmlns:a14="http://schemas.microsoft.com/office/drawing/2010/main" xmlns="" w="9525">
                   <a:solidFill>
                     <a:srgbClr val="000000"/>
                   </a:solidFill>
@@ -10251,7 +10248,7 @@
             </a:ln>
             <a:extLst>
               <a:ext uri="{91240B29-F687-4f45-9708-019B960494DF}">
-                <a14:hiddenLine xmlns="" xmlns:a14="http://schemas.microsoft.com/office/drawing/2010/main" w="9525">
+                <a14:hiddenLine xmlns:a14="http://schemas.microsoft.com/office/drawing/2010/main" xmlns="" w="9525">
                   <a:solidFill>
                     <a:srgbClr val="000000"/>
                   </a:solidFill>
@@ -10319,7 +10316,7 @@
             </a:ln>
             <a:extLst>
               <a:ext uri="{91240B29-F687-4f45-9708-019B960494DF}">
-                <a14:hiddenLine xmlns="" xmlns:a14="http://schemas.microsoft.com/office/drawing/2010/main" w="9525">
+                <a14:hiddenLine xmlns:a14="http://schemas.microsoft.com/office/drawing/2010/main" xmlns="" w="9525">
                   <a:solidFill>
                     <a:srgbClr val="000000"/>
                   </a:solidFill>
@@ -10409,7 +10406,7 @@
             </a:ln>
             <a:extLst>
               <a:ext uri="{91240B29-F687-4f45-9708-019B960494DF}">
-                <a14:hiddenLine xmlns="" xmlns:a14="http://schemas.microsoft.com/office/drawing/2010/main" w="9525">
+                <a14:hiddenLine xmlns:a14="http://schemas.microsoft.com/office/drawing/2010/main" xmlns="" w="9525">
                   <a:solidFill>
                     <a:srgbClr val="000000"/>
                   </a:solidFill>
@@ -10549,7 +10546,7 @@
           <a:p>
             <a:fld id="{FD721C7B-8852-D94C-BEE8-A7644C328CC3}" type="datetimeFigureOut">
               <a:rPr lang="en-US" smtClean="0"/>
-              <a:t>1/31/2022</a:t>
+              <a:t>2/1/2022</a:t>
             </a:fld>
             <a:endParaRPr lang="en-US"/>
           </a:p>
@@ -10816,7 +10813,7 @@
           <a:p>
             <a:fld id="{FD721C7B-8852-D94C-BEE8-A7644C328CC3}" type="datetimeFigureOut">
               <a:rPr lang="en-US" smtClean="0"/>
-              <a:t>1/31/2022</a:t>
+              <a:t>2/1/2022</a:t>
             </a:fld>
             <a:endParaRPr lang="en-US"/>
           </a:p>
@@ -11012,7 +11009,7 @@
           <a:p>
             <a:fld id="{FD721C7B-8852-D94C-BEE8-A7644C328CC3}" type="datetimeFigureOut">
               <a:rPr lang="en-US" smtClean="0"/>
-              <a:t>1/31/2022</a:t>
+              <a:t>2/1/2022</a:t>
             </a:fld>
             <a:endParaRPr lang="en-US"/>
           </a:p>
@@ -11275,7 +11272,7 @@
           <a:p>
             <a:fld id="{FD721C7B-8852-D94C-BEE8-A7644C328CC3}" type="datetimeFigureOut">
               <a:rPr lang="en-US" smtClean="0"/>
-              <a:t>1/31/2022</a:t>
+              <a:t>2/1/2022</a:t>
             </a:fld>
             <a:endParaRPr lang="en-US"/>
           </a:p>
@@ -11709,7 +11706,7 @@
           <a:p>
             <a:fld id="{FD721C7B-8852-D94C-BEE8-A7644C328CC3}" type="datetimeFigureOut">
               <a:rPr lang="en-US" smtClean="0"/>
-              <a:t>1/31/2022</a:t>
+              <a:t>2/1/2022</a:t>
             </a:fld>
             <a:endParaRPr lang="en-US"/>
           </a:p>
@@ -12255,7 +12252,7 @@
           <a:p>
             <a:fld id="{FD721C7B-8852-D94C-BEE8-A7644C328CC3}" type="datetimeFigureOut">
               <a:rPr lang="en-US" smtClean="0"/>
-              <a:t>1/31/2022</a:t>
+              <a:t>2/1/2022</a:t>
             </a:fld>
             <a:endParaRPr lang="en-US"/>
           </a:p>
@@ -12975,7 +12972,7 @@
           <a:p>
             <a:fld id="{FD721C7B-8852-D94C-BEE8-A7644C328CC3}" type="datetimeFigureOut">
               <a:rPr lang="en-US" smtClean="0"/>
-              <a:t>1/31/2022</a:t>
+              <a:t>2/1/2022</a:t>
             </a:fld>
             <a:endParaRPr lang="en-US"/>
           </a:p>
@@ -13145,7 +13142,7 @@
           <a:p>
             <a:fld id="{FD721C7B-8852-D94C-BEE8-A7644C328CC3}" type="datetimeFigureOut">
               <a:rPr lang="en-US" smtClean="0"/>
-              <a:t>1/31/2022</a:t>
+              <a:t>2/1/2022</a:t>
             </a:fld>
             <a:endParaRPr lang="en-US"/>
           </a:p>
@@ -13325,7 +13322,7 @@
           <a:p>
             <a:fld id="{FD721C7B-8852-D94C-BEE8-A7644C328CC3}" type="datetimeFigureOut">
               <a:rPr lang="en-US" smtClean="0"/>
-              <a:t>1/31/2022</a:t>
+              <a:t>2/1/2022</a:t>
             </a:fld>
             <a:endParaRPr lang="en-US"/>
           </a:p>
@@ -13495,7 +13492,7 @@
           <a:p>
             <a:fld id="{FD721C7B-8852-D94C-BEE8-A7644C328CC3}" type="datetimeFigureOut">
               <a:rPr lang="en-US" smtClean="0"/>
-              <a:t>1/31/2022</a:t>
+              <a:t>2/1/2022</a:t>
             </a:fld>
             <a:endParaRPr lang="en-US"/>
           </a:p>
@@ -13745,7 +13742,7 @@
           <a:p>
             <a:fld id="{FD721C7B-8852-D94C-BEE8-A7644C328CC3}" type="datetimeFigureOut">
               <a:rPr lang="en-US" smtClean="0"/>
-              <a:t>1/31/2022</a:t>
+              <a:t>2/1/2022</a:t>
             </a:fld>
             <a:endParaRPr lang="en-US"/>
           </a:p>
@@ -13977,7 +13974,7 @@
           <a:p>
             <a:fld id="{FD721C7B-8852-D94C-BEE8-A7644C328CC3}" type="datetimeFigureOut">
               <a:rPr lang="en-US" smtClean="0"/>
-              <a:t>1/31/2022</a:t>
+              <a:t>2/1/2022</a:t>
             </a:fld>
             <a:endParaRPr lang="en-US"/>
           </a:p>
@@ -14358,7 +14355,7 @@
           <a:p>
             <a:fld id="{FD721C7B-8852-D94C-BEE8-A7644C328CC3}" type="datetimeFigureOut">
               <a:rPr lang="en-US" smtClean="0"/>
-              <a:t>1/31/2022</a:t>
+              <a:t>2/1/2022</a:t>
             </a:fld>
             <a:endParaRPr lang="en-US"/>
           </a:p>
@@ -14476,7 +14473,7 @@
           <a:p>
             <a:fld id="{FD721C7B-8852-D94C-BEE8-A7644C328CC3}" type="datetimeFigureOut">
               <a:rPr lang="en-US" smtClean="0"/>
-              <a:t>1/31/2022</a:t>
+              <a:t>2/1/2022</a:t>
             </a:fld>
             <a:endParaRPr lang="en-US"/>
           </a:p>
@@ -14571,7 +14568,7 @@
           <a:p>
             <a:fld id="{FD721C7B-8852-D94C-BEE8-A7644C328CC3}" type="datetimeFigureOut">
               <a:rPr lang="en-US" smtClean="0"/>
-              <a:t>1/31/2022</a:t>
+              <a:t>2/1/2022</a:t>
             </a:fld>
             <a:endParaRPr lang="en-US"/>
           </a:p>
@@ -14820,7 +14817,7 @@
           <a:p>
             <a:fld id="{FD721C7B-8852-D94C-BEE8-A7644C328CC3}" type="datetimeFigureOut">
               <a:rPr lang="en-US" smtClean="0"/>
-              <a:t>1/31/2022</a:t>
+              <a:t>2/1/2022</a:t>
             </a:fld>
             <a:endParaRPr lang="en-US"/>
           </a:p>
@@ -15100,7 +15097,7 @@
           <a:p>
             <a:fld id="{FD721C7B-8852-D94C-BEE8-A7644C328CC3}" type="datetimeFigureOut">
               <a:rPr lang="en-US" smtClean="0"/>
-              <a:t>1/31/2022</a:t>
+              <a:t>2/1/2022</a:t>
             </a:fld>
             <a:endParaRPr lang="en-US"/>
           </a:p>
@@ -15216,7 +15213,7 @@
           <a:noFill/>
           <a:extLst>
             <a:ext uri="{909E8E84-426E-40dd-AFC4-6F175D3DCCD1}">
-              <a14:hiddenFill xmlns="" xmlns:a14="http://schemas.microsoft.com/office/drawing/2010/main">
+              <a14:hiddenFill xmlns:a14="http://schemas.microsoft.com/office/drawing/2010/main" xmlns="">
                 <a:solidFill>
                   <a:srgbClr val="FFFFFF"/>
                 </a:solidFill>
@@ -15290,7 +15287,7 @@
               </a:ln>
               <a:extLst>
                 <a:ext uri="{91240B29-F687-4f45-9708-019B960494DF}">
-                  <a14:hiddenLine xmlns="" xmlns:a14="http://schemas.microsoft.com/office/drawing/2010/main" w="9525">
+                  <a14:hiddenLine xmlns:a14="http://schemas.microsoft.com/office/drawing/2010/main" xmlns="" w="9525">
                     <a:solidFill>
                       <a:srgbClr val="000000"/>
                     </a:solidFill>
@@ -15380,7 +15377,7 @@
               </a:ln>
               <a:extLst>
                 <a:ext uri="{91240B29-F687-4f45-9708-019B960494DF}">
-                  <a14:hiddenLine xmlns="" xmlns:a14="http://schemas.microsoft.com/office/drawing/2010/main" w="9525">
+                  <a14:hiddenLine xmlns:a14="http://schemas.microsoft.com/office/drawing/2010/main" xmlns="" w="9525">
                     <a:solidFill>
                       <a:srgbClr val="000000"/>
                     </a:solidFill>
@@ -15470,7 +15467,7 @@
               </a:ln>
               <a:extLst>
                 <a:ext uri="{91240B29-F687-4f45-9708-019B960494DF}">
-                  <a14:hiddenLine xmlns="" xmlns:a14="http://schemas.microsoft.com/office/drawing/2010/main" w="9525">
+                  <a14:hiddenLine xmlns:a14="http://schemas.microsoft.com/office/drawing/2010/main" xmlns="" w="9525">
                     <a:solidFill>
                       <a:srgbClr val="000000"/>
                     </a:solidFill>
@@ -15532,7 +15529,7 @@
               </a:ln>
               <a:extLst>
                 <a:ext uri="{91240B29-F687-4f45-9708-019B960494DF}">
-                  <a14:hiddenLine xmlns="" xmlns:a14="http://schemas.microsoft.com/office/drawing/2010/main" w="9525">
+                  <a14:hiddenLine xmlns:a14="http://schemas.microsoft.com/office/drawing/2010/main" xmlns="" w="9525">
                     <a:solidFill>
                       <a:srgbClr val="000000"/>
                     </a:solidFill>
@@ -15622,7 +15619,7 @@
               </a:ln>
               <a:extLst>
                 <a:ext uri="{91240B29-F687-4f45-9708-019B960494DF}">
-                  <a14:hiddenLine xmlns="" xmlns:a14="http://schemas.microsoft.com/office/drawing/2010/main" w="9525">
+                  <a14:hiddenLine xmlns:a14="http://schemas.microsoft.com/office/drawing/2010/main" xmlns="" w="9525">
                     <a:solidFill>
                       <a:srgbClr val="000000"/>
                     </a:solidFill>
@@ -15684,7 +15681,7 @@
               </a:ln>
               <a:extLst>
                 <a:ext uri="{91240B29-F687-4f45-9708-019B960494DF}">
-                  <a14:hiddenLine xmlns="" xmlns:a14="http://schemas.microsoft.com/office/drawing/2010/main" w="9525">
+                  <a14:hiddenLine xmlns:a14="http://schemas.microsoft.com/office/drawing/2010/main" xmlns="" w="9525">
                     <a:solidFill>
                       <a:srgbClr val="000000"/>
                     </a:solidFill>
@@ -15746,7 +15743,7 @@
               </a:ln>
               <a:extLst>
                 <a:ext uri="{91240B29-F687-4f45-9708-019B960494DF}">
-                  <a14:hiddenLine xmlns="" xmlns:a14="http://schemas.microsoft.com/office/drawing/2010/main" w="9525">
+                  <a14:hiddenLine xmlns:a14="http://schemas.microsoft.com/office/drawing/2010/main" xmlns="" w="9525">
                     <a:solidFill>
                       <a:srgbClr val="000000"/>
                     </a:solidFill>
@@ -15836,7 +15833,7 @@
               </a:ln>
               <a:extLst>
                 <a:ext uri="{91240B29-F687-4f45-9708-019B960494DF}">
-                  <a14:hiddenLine xmlns="" xmlns:a14="http://schemas.microsoft.com/office/drawing/2010/main" w="9525">
+                  <a14:hiddenLine xmlns:a14="http://schemas.microsoft.com/office/drawing/2010/main" xmlns="" w="9525">
                     <a:solidFill>
                       <a:srgbClr val="000000"/>
                     </a:solidFill>
@@ -15926,7 +15923,7 @@
               </a:ln>
               <a:extLst>
                 <a:ext uri="{91240B29-F687-4f45-9708-019B960494DF}">
-                  <a14:hiddenLine xmlns="" xmlns:a14="http://schemas.microsoft.com/office/drawing/2010/main" w="9525">
+                  <a14:hiddenLine xmlns:a14="http://schemas.microsoft.com/office/drawing/2010/main" xmlns="" w="9525">
                     <a:solidFill>
                       <a:srgbClr val="000000"/>
                     </a:solidFill>
@@ -15988,7 +15985,7 @@
               </a:ln>
               <a:extLst>
                 <a:ext uri="{91240B29-F687-4f45-9708-019B960494DF}">
-                  <a14:hiddenLine xmlns="" xmlns:a14="http://schemas.microsoft.com/office/drawing/2010/main" w="9525">
+                  <a14:hiddenLine xmlns:a14="http://schemas.microsoft.com/office/drawing/2010/main" xmlns="" w="9525">
                     <a:solidFill>
                       <a:srgbClr val="000000"/>
                     </a:solidFill>
@@ -16098,7 +16095,7 @@
               </a:ln>
               <a:extLst>
                 <a:ext uri="{91240B29-F687-4f45-9708-019B960494DF}">
-                  <a14:hiddenLine xmlns="" xmlns:a14="http://schemas.microsoft.com/office/drawing/2010/main" w="9525">
+                  <a14:hiddenLine xmlns:a14="http://schemas.microsoft.com/office/drawing/2010/main" xmlns="" w="9525">
                     <a:solidFill>
                       <a:srgbClr val="000000"/>
                     </a:solidFill>
@@ -16182,7 +16179,7 @@
               </a:ln>
               <a:extLst>
                 <a:ext uri="{91240B29-F687-4f45-9708-019B960494DF}">
-                  <a14:hiddenLine xmlns="" xmlns:a14="http://schemas.microsoft.com/office/drawing/2010/main" w="9525">
+                  <a14:hiddenLine xmlns:a14="http://schemas.microsoft.com/office/drawing/2010/main" xmlns="" w="9525">
                     <a:solidFill>
                       <a:srgbClr val="000000"/>
                     </a:solidFill>
@@ -16244,7 +16241,7 @@
               </a:ln>
               <a:extLst>
                 <a:ext uri="{91240B29-F687-4f45-9708-019B960494DF}">
-                  <a14:hiddenLine xmlns="" xmlns:a14="http://schemas.microsoft.com/office/drawing/2010/main" w="9525">
+                  <a14:hiddenLine xmlns:a14="http://schemas.microsoft.com/office/drawing/2010/main" xmlns="" w="9525">
                     <a:solidFill>
                       <a:srgbClr val="000000"/>
                     </a:solidFill>
@@ -16306,7 +16303,7 @@
               </a:ln>
               <a:extLst>
                 <a:ext uri="{91240B29-F687-4f45-9708-019B960494DF}">
-                  <a14:hiddenLine xmlns="" xmlns:a14="http://schemas.microsoft.com/office/drawing/2010/main" w="9525">
+                  <a14:hiddenLine xmlns:a14="http://schemas.microsoft.com/office/drawing/2010/main" xmlns="" w="9525">
                     <a:solidFill>
                       <a:srgbClr val="000000"/>
                     </a:solidFill>
@@ -16396,7 +16393,7 @@
               </a:ln>
               <a:extLst>
                 <a:ext uri="{91240B29-F687-4f45-9708-019B960494DF}">
-                  <a14:hiddenLine xmlns="" xmlns:a14="http://schemas.microsoft.com/office/drawing/2010/main" w="9525">
+                  <a14:hiddenLine xmlns:a14="http://schemas.microsoft.com/office/drawing/2010/main" xmlns="" w="9525">
                     <a:solidFill>
                       <a:srgbClr val="000000"/>
                     </a:solidFill>
@@ -16430,7 +16427,7 @@
               </a:ln>
               <a:extLst>
                 <a:ext uri="{91240B29-F687-4f45-9708-019B960494DF}">
-                  <a14:hiddenLine xmlns="" xmlns:a14="http://schemas.microsoft.com/office/drawing/2010/main" w="9525">
+                  <a14:hiddenLine xmlns:a14="http://schemas.microsoft.com/office/drawing/2010/main" xmlns="" w="9525">
                     <a:solidFill>
                       <a:srgbClr val="000000"/>
                     </a:solidFill>
@@ -16495,7 +16492,7 @@
               </a:ln>
               <a:extLst>
                 <a:ext uri="{91240B29-F687-4f45-9708-019B960494DF}">
-                  <a14:hiddenLine xmlns="" xmlns:a14="http://schemas.microsoft.com/office/drawing/2010/main" w="9525">
+                  <a14:hiddenLine xmlns:a14="http://schemas.microsoft.com/office/drawing/2010/main" xmlns="" w="9525">
                     <a:solidFill>
                       <a:srgbClr val="000000"/>
                     </a:solidFill>
@@ -16585,7 +16582,7 @@
               </a:ln>
               <a:extLst>
                 <a:ext uri="{91240B29-F687-4f45-9708-019B960494DF}">
-                  <a14:hiddenLine xmlns="" xmlns:a14="http://schemas.microsoft.com/office/drawing/2010/main" w="9525">
+                  <a14:hiddenLine xmlns:a14="http://schemas.microsoft.com/office/drawing/2010/main" xmlns="" w="9525">
                     <a:solidFill>
                       <a:srgbClr val="000000"/>
                     </a:solidFill>
@@ -16647,7 +16644,7 @@
               </a:ln>
               <a:extLst>
                 <a:ext uri="{91240B29-F687-4f45-9708-019B960494DF}">
-                  <a14:hiddenLine xmlns="" xmlns:a14="http://schemas.microsoft.com/office/drawing/2010/main" w="9525">
+                  <a14:hiddenLine xmlns:a14="http://schemas.microsoft.com/office/drawing/2010/main" xmlns="" w="9525">
                     <a:solidFill>
                       <a:srgbClr val="000000"/>
                     </a:solidFill>
@@ -16737,7 +16734,7 @@
               </a:ln>
               <a:extLst>
                 <a:ext uri="{91240B29-F687-4f45-9708-019B960494DF}">
-                  <a14:hiddenLine xmlns="" xmlns:a14="http://schemas.microsoft.com/office/drawing/2010/main" w="9525">
+                  <a14:hiddenLine xmlns:a14="http://schemas.microsoft.com/office/drawing/2010/main" xmlns="" w="9525">
                     <a:solidFill>
                       <a:srgbClr val="000000"/>
                     </a:solidFill>
@@ -16802,7 +16799,7 @@
               </a:ln>
               <a:extLst>
                 <a:ext uri="{91240B29-F687-4f45-9708-019B960494DF}">
-                  <a14:hiddenLine xmlns="" xmlns:a14="http://schemas.microsoft.com/office/drawing/2010/main" w="9525">
+                  <a14:hiddenLine xmlns:a14="http://schemas.microsoft.com/office/drawing/2010/main" xmlns="" w="9525">
                     <a:solidFill>
                       <a:srgbClr val="000000"/>
                     </a:solidFill>
@@ -16864,7 +16861,7 @@
               </a:ln>
               <a:extLst>
                 <a:ext uri="{91240B29-F687-4f45-9708-019B960494DF}">
-                  <a14:hiddenLine xmlns="" xmlns:a14="http://schemas.microsoft.com/office/drawing/2010/main" w="9525">
+                  <a14:hiddenLine xmlns:a14="http://schemas.microsoft.com/office/drawing/2010/main" xmlns="" w="9525">
                     <a:solidFill>
                       <a:srgbClr val="000000"/>
                     </a:solidFill>
@@ -16954,7 +16951,7 @@
               </a:ln>
               <a:extLst>
                 <a:ext uri="{91240B29-F687-4f45-9708-019B960494DF}">
-                  <a14:hiddenLine xmlns="" xmlns:a14="http://schemas.microsoft.com/office/drawing/2010/main" w="9525">
+                  <a14:hiddenLine xmlns:a14="http://schemas.microsoft.com/office/drawing/2010/main" xmlns="" w="9525">
                     <a:solidFill>
                       <a:srgbClr val="000000"/>
                     </a:solidFill>
@@ -17044,7 +17041,7 @@
               </a:ln>
               <a:extLst>
                 <a:ext uri="{91240B29-F687-4f45-9708-019B960494DF}">
-                  <a14:hiddenLine xmlns="" xmlns:a14="http://schemas.microsoft.com/office/drawing/2010/main" w="9525">
+                  <a14:hiddenLine xmlns:a14="http://schemas.microsoft.com/office/drawing/2010/main" xmlns="" w="9525">
                     <a:solidFill>
                       <a:srgbClr val="000000"/>
                     </a:solidFill>
@@ -17109,7 +17106,7 @@
               </a:ln>
               <a:extLst>
                 <a:ext uri="{91240B29-F687-4f45-9708-019B960494DF}">
-                  <a14:hiddenLine xmlns="" xmlns:a14="http://schemas.microsoft.com/office/drawing/2010/main" w="9525">
+                  <a14:hiddenLine xmlns:a14="http://schemas.microsoft.com/office/drawing/2010/main" xmlns="" w="9525">
                     <a:solidFill>
                       <a:srgbClr val="000000"/>
                     </a:solidFill>
@@ -17229,7 +17226,7 @@
               </a:ln>
               <a:extLst>
                 <a:ext uri="{91240B29-F687-4f45-9708-019B960494DF}">
-                  <a14:hiddenLine xmlns="" xmlns:a14="http://schemas.microsoft.com/office/drawing/2010/main" w="9525">
+                  <a14:hiddenLine xmlns:a14="http://schemas.microsoft.com/office/drawing/2010/main" xmlns="" w="9525">
                     <a:solidFill>
                       <a:srgbClr val="000000"/>
                     </a:solidFill>
@@ -17327,7 +17324,7 @@
               </a:ln>
               <a:extLst>
                 <a:ext uri="{91240B29-F687-4f45-9708-019B960494DF}">
-                  <a14:hiddenLine xmlns="" xmlns:a14="http://schemas.microsoft.com/office/drawing/2010/main" w="9525">
+                  <a14:hiddenLine xmlns:a14="http://schemas.microsoft.com/office/drawing/2010/main" xmlns="" w="9525">
                     <a:solidFill>
                       <a:srgbClr val="000000"/>
                     </a:solidFill>
@@ -17442,7 +17439,7 @@
               </a:ln>
               <a:extLst>
                 <a:ext uri="{91240B29-F687-4f45-9708-019B960494DF}">
-                  <a14:hiddenLine xmlns="" xmlns:a14="http://schemas.microsoft.com/office/drawing/2010/main" w="9525">
+                  <a14:hiddenLine xmlns:a14="http://schemas.microsoft.com/office/drawing/2010/main" xmlns="" w="9525">
                     <a:solidFill>
                       <a:srgbClr val="000000"/>
                     </a:solidFill>
@@ -17532,7 +17529,7 @@
               </a:ln>
               <a:extLst>
                 <a:ext uri="{91240B29-F687-4f45-9708-019B960494DF}">
-                  <a14:hiddenLine xmlns="" xmlns:a14="http://schemas.microsoft.com/office/drawing/2010/main" w="9525">
+                  <a14:hiddenLine xmlns:a14="http://schemas.microsoft.com/office/drawing/2010/main" xmlns="" w="9525">
                     <a:solidFill>
                       <a:srgbClr val="000000"/>
                     </a:solidFill>
@@ -17597,7 +17594,7 @@
               </a:ln>
               <a:extLst>
                 <a:ext uri="{91240B29-F687-4f45-9708-019B960494DF}">
-                  <a14:hiddenLine xmlns="" xmlns:a14="http://schemas.microsoft.com/office/drawing/2010/main" w="9525">
+                  <a14:hiddenLine xmlns:a14="http://schemas.microsoft.com/office/drawing/2010/main" xmlns="" w="9525">
                     <a:solidFill>
                       <a:srgbClr val="000000"/>
                     </a:solidFill>
@@ -17687,7 +17684,7 @@
               </a:ln>
               <a:extLst>
                 <a:ext uri="{91240B29-F687-4f45-9708-019B960494DF}">
-                  <a14:hiddenLine xmlns="" xmlns:a14="http://schemas.microsoft.com/office/drawing/2010/main" w="9525">
+                  <a14:hiddenLine xmlns:a14="http://schemas.microsoft.com/office/drawing/2010/main" xmlns="" w="9525">
                     <a:solidFill>
                       <a:srgbClr val="000000"/>
                     </a:solidFill>
@@ -17755,7 +17752,7 @@
               </a:ln>
               <a:extLst>
                 <a:ext uri="{91240B29-F687-4f45-9708-019B960494DF}">
-                  <a14:hiddenLine xmlns="" xmlns:a14="http://schemas.microsoft.com/office/drawing/2010/main" w="9525">
+                  <a14:hiddenLine xmlns:a14="http://schemas.microsoft.com/office/drawing/2010/main" xmlns="" w="9525">
                     <a:solidFill>
                       <a:srgbClr val="000000"/>
                     </a:solidFill>
@@ -17845,7 +17842,7 @@
               </a:ln>
               <a:extLst>
                 <a:ext uri="{91240B29-F687-4f45-9708-019B960494DF}">
-                  <a14:hiddenLine xmlns="" xmlns:a14="http://schemas.microsoft.com/office/drawing/2010/main" w="9525">
+                  <a14:hiddenLine xmlns:a14="http://schemas.microsoft.com/office/drawing/2010/main" xmlns="" w="9525">
                     <a:solidFill>
                       <a:srgbClr val="000000"/>
                     </a:solidFill>
@@ -17913,7 +17910,7 @@
               </a:ln>
               <a:extLst>
                 <a:ext uri="{91240B29-F687-4f45-9708-019B960494DF}">
-                  <a14:hiddenLine xmlns="" xmlns:a14="http://schemas.microsoft.com/office/drawing/2010/main" w="9525">
+                  <a14:hiddenLine xmlns:a14="http://schemas.microsoft.com/office/drawing/2010/main" xmlns="" w="9525">
                     <a:solidFill>
                       <a:srgbClr val="000000"/>
                     </a:solidFill>
@@ -18003,7 +18000,7 @@
               </a:ln>
               <a:extLst>
                 <a:ext uri="{91240B29-F687-4f45-9708-019B960494DF}">
-                  <a14:hiddenLine xmlns="" xmlns:a14="http://schemas.microsoft.com/office/drawing/2010/main" w="9525">
+                  <a14:hiddenLine xmlns:a14="http://schemas.microsoft.com/office/drawing/2010/main" xmlns="" w="9525">
                     <a:solidFill>
                       <a:srgbClr val="000000"/>
                     </a:solidFill>
@@ -18037,7 +18034,7 @@
               </a:ln>
               <a:extLst>
                 <a:ext uri="{91240B29-F687-4f45-9708-019B960494DF}">
-                  <a14:hiddenLine xmlns="" xmlns:a14="http://schemas.microsoft.com/office/drawing/2010/main" w="9525">
+                  <a14:hiddenLine xmlns:a14="http://schemas.microsoft.com/office/drawing/2010/main" xmlns="" w="9525">
                     <a:solidFill>
                       <a:srgbClr val="000000"/>
                     </a:solidFill>
@@ -18177,7 +18174,7 @@
           <a:p>
             <a:fld id="{FD721C7B-8852-D94C-BEE8-A7644C328CC3}" type="datetimeFigureOut">
               <a:rPr lang="en-US" smtClean="0"/>
-              <a:t>1/31/2022</a:t>
+              <a:t>2/1/2022</a:t>
             </a:fld>
             <a:endParaRPr lang="en-US"/>
           </a:p>
@@ -18767,7 +18764,7 @@
             <a:noFill/>
             <a:extLst>
               <a:ext uri="{909E8E84-426E-40dd-AFC4-6F175D3DCCD1}">
-                <a14:hiddenFill xmlns:a14="http://schemas.microsoft.com/office/drawing/2010/main" xmlns:p14="http://schemas.microsoft.com/office/powerpoint/2010/main" xmlns:a16="http://schemas.microsoft.com/office/drawing/2014/main" xmlns="">
+                <a14:hiddenFill xmlns="" xmlns:a16="http://schemas.microsoft.com/office/drawing/2014/main" xmlns:p14="http://schemas.microsoft.com/office/powerpoint/2010/main" xmlns:a14="http://schemas.microsoft.com/office/drawing/2010/main">
                   <a:solidFill>
                     <a:srgbClr val="FFFFFF"/>
                   </a:solidFill>
@@ -21118,7 +21115,7 @@
             </a:ln>
             <a:extLst>
               <a:ext uri="{91240B29-F687-4f45-9708-019B960494DF}">
-                <a14:hiddenLine xmlns:a14="http://schemas.microsoft.com/office/drawing/2010/main" xmlns:dgm="http://schemas.openxmlformats.org/drawingml/2006/diagram" xmlns:p14="http://schemas.microsoft.com/office/powerpoint/2010/main" xmlns:a16="http://schemas.microsoft.com/office/drawing/2014/main" xmlns="" w="9525">
+                <a14:hiddenLine xmlns="" xmlns:a16="http://schemas.microsoft.com/office/drawing/2014/main" xmlns:p14="http://schemas.microsoft.com/office/powerpoint/2010/main" xmlns:dgm="http://schemas.openxmlformats.org/drawingml/2006/diagram" xmlns:a14="http://schemas.microsoft.com/office/drawing/2010/main" w="9525">
                   <a:solidFill>
                     <a:srgbClr val="000000"/>
                   </a:solidFill>
@@ -21223,7 +21220,7 @@
             </a:ln>
             <a:extLst>
               <a:ext uri="{91240B29-F687-4f45-9708-019B960494DF}">
-                <a14:hiddenLine xmlns:a14="http://schemas.microsoft.com/office/drawing/2010/main" xmlns:dgm="http://schemas.openxmlformats.org/drawingml/2006/diagram" xmlns:p14="http://schemas.microsoft.com/office/powerpoint/2010/main" xmlns:a16="http://schemas.microsoft.com/office/drawing/2014/main" xmlns="" w="9525">
+                <a14:hiddenLine xmlns="" xmlns:a16="http://schemas.microsoft.com/office/drawing/2014/main" xmlns:p14="http://schemas.microsoft.com/office/powerpoint/2010/main" xmlns:dgm="http://schemas.openxmlformats.org/drawingml/2006/diagram" xmlns:a14="http://schemas.microsoft.com/office/drawing/2010/main" w="9525">
                   <a:solidFill>
                     <a:srgbClr val="000000"/>
                   </a:solidFill>
@@ -21328,7 +21325,7 @@
             </a:ln>
             <a:extLst>
               <a:ext uri="{91240B29-F687-4f45-9708-019B960494DF}">
-                <a14:hiddenLine xmlns:a14="http://schemas.microsoft.com/office/drawing/2010/main" xmlns:dgm="http://schemas.openxmlformats.org/drawingml/2006/diagram" xmlns:p14="http://schemas.microsoft.com/office/powerpoint/2010/main" xmlns:a16="http://schemas.microsoft.com/office/drawing/2014/main" xmlns="" w="9525">
+                <a14:hiddenLine xmlns="" xmlns:a16="http://schemas.microsoft.com/office/drawing/2014/main" xmlns:p14="http://schemas.microsoft.com/office/powerpoint/2010/main" xmlns:dgm="http://schemas.openxmlformats.org/drawingml/2006/diagram" xmlns:a14="http://schemas.microsoft.com/office/drawing/2010/main" w="9525">
                   <a:solidFill>
                     <a:srgbClr val="000000"/>
                   </a:solidFill>
@@ -21405,7 +21402,7 @@
             </a:ln>
             <a:extLst>
               <a:ext uri="{91240B29-F687-4f45-9708-019B960494DF}">
-                <a14:hiddenLine xmlns:a14="http://schemas.microsoft.com/office/drawing/2010/main" xmlns:dgm="http://schemas.openxmlformats.org/drawingml/2006/diagram" xmlns:p14="http://schemas.microsoft.com/office/powerpoint/2010/main" xmlns:a16="http://schemas.microsoft.com/office/drawing/2014/main" xmlns="" w="9525">
+                <a14:hiddenLine xmlns="" xmlns:a16="http://schemas.microsoft.com/office/drawing/2014/main" xmlns:p14="http://schemas.microsoft.com/office/powerpoint/2010/main" xmlns:dgm="http://schemas.openxmlformats.org/drawingml/2006/diagram" xmlns:a14="http://schemas.microsoft.com/office/drawing/2010/main" w="9525">
                   <a:solidFill>
                     <a:srgbClr val="000000"/>
                   </a:solidFill>
@@ -21510,7 +21507,7 @@
             </a:ln>
             <a:extLst>
               <a:ext uri="{91240B29-F687-4f45-9708-019B960494DF}">
-                <a14:hiddenLine xmlns:a14="http://schemas.microsoft.com/office/drawing/2010/main" xmlns:dgm="http://schemas.openxmlformats.org/drawingml/2006/diagram" xmlns:p14="http://schemas.microsoft.com/office/powerpoint/2010/main" xmlns:a16="http://schemas.microsoft.com/office/drawing/2014/main" xmlns="" w="9525">
+                <a14:hiddenLine xmlns="" xmlns:a16="http://schemas.microsoft.com/office/drawing/2014/main" xmlns:p14="http://schemas.microsoft.com/office/powerpoint/2010/main" xmlns:dgm="http://schemas.openxmlformats.org/drawingml/2006/diagram" xmlns:a14="http://schemas.microsoft.com/office/drawing/2010/main" w="9525">
                   <a:solidFill>
                     <a:srgbClr val="000000"/>
                   </a:solidFill>
@@ -21587,7 +21584,7 @@
             </a:ln>
             <a:extLst>
               <a:ext uri="{91240B29-F687-4f45-9708-019B960494DF}">
-                <a14:hiddenLine xmlns:a14="http://schemas.microsoft.com/office/drawing/2010/main" xmlns:dgm="http://schemas.openxmlformats.org/drawingml/2006/diagram" xmlns:p14="http://schemas.microsoft.com/office/powerpoint/2010/main" xmlns:a16="http://schemas.microsoft.com/office/drawing/2014/main" xmlns="" w="9525">
+                <a14:hiddenLine xmlns="" xmlns:a16="http://schemas.microsoft.com/office/drawing/2014/main" xmlns:p14="http://schemas.microsoft.com/office/powerpoint/2010/main" xmlns:dgm="http://schemas.openxmlformats.org/drawingml/2006/diagram" xmlns:a14="http://schemas.microsoft.com/office/drawing/2010/main" w="9525">
                   <a:solidFill>
                     <a:srgbClr val="000000"/>
                   </a:solidFill>
@@ -21664,7 +21661,7 @@
             </a:ln>
             <a:extLst>
               <a:ext uri="{91240B29-F687-4f45-9708-019B960494DF}">
-                <a14:hiddenLine xmlns:a14="http://schemas.microsoft.com/office/drawing/2010/main" xmlns:dgm="http://schemas.openxmlformats.org/drawingml/2006/diagram" xmlns:p14="http://schemas.microsoft.com/office/powerpoint/2010/main" xmlns:a16="http://schemas.microsoft.com/office/drawing/2014/main" xmlns="" w="9525">
+                <a14:hiddenLine xmlns="" xmlns:a16="http://schemas.microsoft.com/office/drawing/2014/main" xmlns:p14="http://schemas.microsoft.com/office/powerpoint/2010/main" xmlns:dgm="http://schemas.openxmlformats.org/drawingml/2006/diagram" xmlns:a14="http://schemas.microsoft.com/office/drawing/2010/main" w="9525">
                   <a:solidFill>
                     <a:srgbClr val="000000"/>
                   </a:solidFill>
@@ -21769,7 +21766,7 @@
             </a:ln>
             <a:extLst>
               <a:ext uri="{91240B29-F687-4f45-9708-019B960494DF}">
-                <a14:hiddenLine xmlns:a14="http://schemas.microsoft.com/office/drawing/2010/main" xmlns:dgm="http://schemas.openxmlformats.org/drawingml/2006/diagram" xmlns:p14="http://schemas.microsoft.com/office/powerpoint/2010/main" xmlns:a16="http://schemas.microsoft.com/office/drawing/2014/main" xmlns="" w="9525">
+                <a14:hiddenLine xmlns="" xmlns:a16="http://schemas.microsoft.com/office/drawing/2014/main" xmlns:p14="http://schemas.microsoft.com/office/powerpoint/2010/main" xmlns:dgm="http://schemas.openxmlformats.org/drawingml/2006/diagram" xmlns:a14="http://schemas.microsoft.com/office/drawing/2010/main" w="9525">
                   <a:solidFill>
                     <a:srgbClr val="000000"/>
                   </a:solidFill>
@@ -21874,7 +21871,7 @@
             </a:ln>
             <a:extLst>
               <a:ext uri="{91240B29-F687-4f45-9708-019B960494DF}">
-                <a14:hiddenLine xmlns:a14="http://schemas.microsoft.com/office/drawing/2010/main" xmlns:dgm="http://schemas.openxmlformats.org/drawingml/2006/diagram" xmlns:p14="http://schemas.microsoft.com/office/powerpoint/2010/main" xmlns:a16="http://schemas.microsoft.com/office/drawing/2014/main" xmlns="" w="9525">
+                <a14:hiddenLine xmlns="" xmlns:a16="http://schemas.microsoft.com/office/drawing/2014/main" xmlns:p14="http://schemas.microsoft.com/office/powerpoint/2010/main" xmlns:dgm="http://schemas.openxmlformats.org/drawingml/2006/diagram" xmlns:a14="http://schemas.microsoft.com/office/drawing/2010/main" w="9525">
                   <a:solidFill>
                     <a:srgbClr val="000000"/>
                   </a:solidFill>
@@ -21951,7 +21948,7 @@
             </a:ln>
             <a:extLst>
               <a:ext uri="{91240B29-F687-4f45-9708-019B960494DF}">
-                <a14:hiddenLine xmlns:a14="http://schemas.microsoft.com/office/drawing/2010/main" xmlns:dgm="http://schemas.openxmlformats.org/drawingml/2006/diagram" xmlns:p14="http://schemas.microsoft.com/office/powerpoint/2010/main" xmlns:a16="http://schemas.microsoft.com/office/drawing/2014/main" xmlns="" w="9525">
+                <a14:hiddenLine xmlns="" xmlns:a16="http://schemas.microsoft.com/office/drawing/2014/main" xmlns:p14="http://schemas.microsoft.com/office/powerpoint/2010/main" xmlns:dgm="http://schemas.openxmlformats.org/drawingml/2006/diagram" xmlns:a14="http://schemas.microsoft.com/office/drawing/2010/main" w="9525">
                   <a:solidFill>
                     <a:srgbClr val="000000"/>
                   </a:solidFill>
@@ -22076,7 +22073,7 @@
             </a:ln>
             <a:extLst>
               <a:ext uri="{91240B29-F687-4f45-9708-019B960494DF}">
-                <a14:hiddenLine xmlns:a14="http://schemas.microsoft.com/office/drawing/2010/main" xmlns:dgm="http://schemas.openxmlformats.org/drawingml/2006/diagram" xmlns:p14="http://schemas.microsoft.com/office/powerpoint/2010/main" xmlns:a16="http://schemas.microsoft.com/office/drawing/2014/main" xmlns="" w="9525">
+                <a14:hiddenLine xmlns="" xmlns:a16="http://schemas.microsoft.com/office/drawing/2014/main" xmlns:p14="http://schemas.microsoft.com/office/powerpoint/2010/main" xmlns:dgm="http://schemas.openxmlformats.org/drawingml/2006/diagram" xmlns:a14="http://schemas.microsoft.com/office/drawing/2010/main" w="9525">
                   <a:solidFill>
                     <a:srgbClr val="000000"/>
                   </a:solidFill>
@@ -22190,7 +22187,7 @@
             </a:ln>
             <a:extLst>
               <a:ext uri="{91240B29-F687-4f45-9708-019B960494DF}">
-                <a14:hiddenLine xmlns:a14="http://schemas.microsoft.com/office/drawing/2010/main" xmlns:dgm="http://schemas.openxmlformats.org/drawingml/2006/diagram" xmlns:p14="http://schemas.microsoft.com/office/powerpoint/2010/main" xmlns:a16="http://schemas.microsoft.com/office/drawing/2014/main" xmlns="" w="9525">
+                <a14:hiddenLine xmlns="" xmlns:a16="http://schemas.microsoft.com/office/drawing/2014/main" xmlns:p14="http://schemas.microsoft.com/office/powerpoint/2010/main" xmlns:dgm="http://schemas.openxmlformats.org/drawingml/2006/diagram" xmlns:a14="http://schemas.microsoft.com/office/drawing/2010/main" w="9525">
                   <a:solidFill>
                     <a:srgbClr val="000000"/>
                   </a:solidFill>
@@ -22267,7 +22264,7 @@
             </a:ln>
             <a:extLst>
               <a:ext uri="{91240B29-F687-4f45-9708-019B960494DF}">
-                <a14:hiddenLine xmlns:a14="http://schemas.microsoft.com/office/drawing/2010/main" xmlns:dgm="http://schemas.openxmlformats.org/drawingml/2006/diagram" xmlns:p14="http://schemas.microsoft.com/office/powerpoint/2010/main" xmlns:a16="http://schemas.microsoft.com/office/drawing/2014/main" xmlns="" w="9525">
+                <a14:hiddenLine xmlns="" xmlns:a16="http://schemas.microsoft.com/office/drawing/2014/main" xmlns:p14="http://schemas.microsoft.com/office/powerpoint/2010/main" xmlns:dgm="http://schemas.openxmlformats.org/drawingml/2006/diagram" xmlns:a14="http://schemas.microsoft.com/office/drawing/2010/main" w="9525">
                   <a:solidFill>
                     <a:srgbClr val="000000"/>
                   </a:solidFill>
@@ -22344,7 +22341,7 @@
             </a:ln>
             <a:extLst>
               <a:ext uri="{91240B29-F687-4f45-9708-019B960494DF}">
-                <a14:hiddenLine xmlns:a14="http://schemas.microsoft.com/office/drawing/2010/main" xmlns:dgm="http://schemas.openxmlformats.org/drawingml/2006/diagram" xmlns:p14="http://schemas.microsoft.com/office/powerpoint/2010/main" xmlns:a16="http://schemas.microsoft.com/office/drawing/2014/main" xmlns="" w="9525">
+                <a14:hiddenLine xmlns="" xmlns:a16="http://schemas.microsoft.com/office/drawing/2014/main" xmlns:p14="http://schemas.microsoft.com/office/powerpoint/2010/main" xmlns:dgm="http://schemas.openxmlformats.org/drawingml/2006/diagram" xmlns:a14="http://schemas.microsoft.com/office/drawing/2010/main" w="9525">
                   <a:solidFill>
                     <a:srgbClr val="000000"/>
                   </a:solidFill>
@@ -22449,7 +22446,7 @@
             </a:ln>
             <a:extLst>
               <a:ext uri="{91240B29-F687-4f45-9708-019B960494DF}">
-                <a14:hiddenLine xmlns:a14="http://schemas.microsoft.com/office/drawing/2010/main" xmlns:dgm="http://schemas.openxmlformats.org/drawingml/2006/diagram" xmlns:p14="http://schemas.microsoft.com/office/powerpoint/2010/main" xmlns:a16="http://schemas.microsoft.com/office/drawing/2014/main" xmlns="" w="9525">
+                <a14:hiddenLine xmlns="" xmlns:a16="http://schemas.microsoft.com/office/drawing/2014/main" xmlns:p14="http://schemas.microsoft.com/office/powerpoint/2010/main" xmlns:dgm="http://schemas.openxmlformats.org/drawingml/2006/diagram" xmlns:a14="http://schemas.microsoft.com/office/drawing/2010/main" w="9525">
                   <a:solidFill>
                     <a:srgbClr val="000000"/>
                   </a:solidFill>
@@ -22498,7 +22495,7 @@
             </a:ln>
             <a:extLst>
               <a:ext uri="{91240B29-F687-4f45-9708-019B960494DF}">
-                <a14:hiddenLine xmlns:a14="http://schemas.microsoft.com/office/drawing/2010/main" xmlns:dgm="http://schemas.openxmlformats.org/drawingml/2006/diagram" xmlns:p14="http://schemas.microsoft.com/office/powerpoint/2010/main" xmlns:a16="http://schemas.microsoft.com/office/drawing/2014/main" xmlns="" w="9525">
+                <a14:hiddenLine xmlns="" xmlns:a16="http://schemas.microsoft.com/office/drawing/2014/main" xmlns:p14="http://schemas.microsoft.com/office/powerpoint/2010/main" xmlns:dgm="http://schemas.openxmlformats.org/drawingml/2006/diagram" xmlns:a14="http://schemas.microsoft.com/office/drawing/2010/main" w="9525">
                   <a:solidFill>
                     <a:srgbClr val="000000"/>
                   </a:solidFill>
@@ -22578,7 +22575,7 @@
             </a:ln>
             <a:extLst>
               <a:ext uri="{91240B29-F687-4f45-9708-019B960494DF}">
-                <a14:hiddenLine xmlns:a14="http://schemas.microsoft.com/office/drawing/2010/main" xmlns:dgm="http://schemas.openxmlformats.org/drawingml/2006/diagram" xmlns:p14="http://schemas.microsoft.com/office/powerpoint/2010/main" xmlns:a16="http://schemas.microsoft.com/office/drawing/2014/main" xmlns="" w="9525">
+                <a14:hiddenLine xmlns="" xmlns:a16="http://schemas.microsoft.com/office/drawing/2014/main" xmlns:p14="http://schemas.microsoft.com/office/powerpoint/2010/main" xmlns:dgm="http://schemas.openxmlformats.org/drawingml/2006/diagram" xmlns:a14="http://schemas.microsoft.com/office/drawing/2010/main" w="9525">
                   <a:solidFill>
                     <a:srgbClr val="000000"/>
                   </a:solidFill>
@@ -22683,7 +22680,7 @@
             </a:ln>
             <a:extLst>
               <a:ext uri="{91240B29-F687-4f45-9708-019B960494DF}">
-                <a14:hiddenLine xmlns:a14="http://schemas.microsoft.com/office/drawing/2010/main" xmlns:dgm="http://schemas.openxmlformats.org/drawingml/2006/diagram" xmlns:p14="http://schemas.microsoft.com/office/powerpoint/2010/main" xmlns:a16="http://schemas.microsoft.com/office/drawing/2014/main" xmlns="" w="9525">
+                <a14:hiddenLine xmlns="" xmlns:a16="http://schemas.microsoft.com/office/drawing/2014/main" xmlns:p14="http://schemas.microsoft.com/office/powerpoint/2010/main" xmlns:dgm="http://schemas.openxmlformats.org/drawingml/2006/diagram" xmlns:a14="http://schemas.microsoft.com/office/drawing/2010/main" w="9525">
                   <a:solidFill>
                     <a:srgbClr val="000000"/>
                   </a:solidFill>
@@ -22760,7 +22757,7 @@
             </a:ln>
             <a:extLst>
               <a:ext uri="{91240B29-F687-4f45-9708-019B960494DF}">
-                <a14:hiddenLine xmlns:a14="http://schemas.microsoft.com/office/drawing/2010/main" xmlns:dgm="http://schemas.openxmlformats.org/drawingml/2006/diagram" xmlns:p14="http://schemas.microsoft.com/office/powerpoint/2010/main" xmlns:a16="http://schemas.microsoft.com/office/drawing/2014/main" xmlns="" w="9525">
+                <a14:hiddenLine xmlns="" xmlns:a16="http://schemas.microsoft.com/office/drawing/2014/main" xmlns:p14="http://schemas.microsoft.com/office/powerpoint/2010/main" xmlns:dgm="http://schemas.openxmlformats.org/drawingml/2006/diagram" xmlns:a14="http://schemas.microsoft.com/office/drawing/2010/main" w="9525">
                   <a:solidFill>
                     <a:srgbClr val="000000"/>
                   </a:solidFill>
@@ -22865,7 +22862,7 @@
             </a:ln>
             <a:extLst>
               <a:ext uri="{91240B29-F687-4f45-9708-019B960494DF}">
-                <a14:hiddenLine xmlns:a14="http://schemas.microsoft.com/office/drawing/2010/main" xmlns:dgm="http://schemas.openxmlformats.org/drawingml/2006/diagram" xmlns:p14="http://schemas.microsoft.com/office/powerpoint/2010/main" xmlns:a16="http://schemas.microsoft.com/office/drawing/2014/main" xmlns="" w="9525">
+                <a14:hiddenLine xmlns="" xmlns:a16="http://schemas.microsoft.com/office/drawing/2014/main" xmlns:p14="http://schemas.microsoft.com/office/powerpoint/2010/main" xmlns:dgm="http://schemas.openxmlformats.org/drawingml/2006/diagram" xmlns:a14="http://schemas.microsoft.com/office/drawing/2010/main" w="9525">
                   <a:solidFill>
                     <a:srgbClr val="000000"/>
                   </a:solidFill>
@@ -22945,7 +22942,7 @@
             </a:ln>
             <a:extLst>
               <a:ext uri="{91240B29-F687-4f45-9708-019B960494DF}">
-                <a14:hiddenLine xmlns:a14="http://schemas.microsoft.com/office/drawing/2010/main" xmlns:dgm="http://schemas.openxmlformats.org/drawingml/2006/diagram" xmlns:p14="http://schemas.microsoft.com/office/powerpoint/2010/main" xmlns:a16="http://schemas.microsoft.com/office/drawing/2014/main" xmlns="" w="9525">
+                <a14:hiddenLine xmlns="" xmlns:a16="http://schemas.microsoft.com/office/drawing/2014/main" xmlns:p14="http://schemas.microsoft.com/office/powerpoint/2010/main" xmlns:dgm="http://schemas.openxmlformats.org/drawingml/2006/diagram" xmlns:a14="http://schemas.microsoft.com/office/drawing/2010/main" w="9525">
                   <a:solidFill>
                     <a:srgbClr val="000000"/>
                   </a:solidFill>
@@ -23022,7 +23019,7 @@
             </a:ln>
             <a:extLst>
               <a:ext uri="{91240B29-F687-4f45-9708-019B960494DF}">
-                <a14:hiddenLine xmlns:a14="http://schemas.microsoft.com/office/drawing/2010/main" xmlns:dgm="http://schemas.openxmlformats.org/drawingml/2006/diagram" xmlns:p14="http://schemas.microsoft.com/office/powerpoint/2010/main" xmlns:a16="http://schemas.microsoft.com/office/drawing/2014/main" xmlns="" w="9525">
+                <a14:hiddenLine xmlns="" xmlns:a16="http://schemas.microsoft.com/office/drawing/2014/main" xmlns:p14="http://schemas.microsoft.com/office/powerpoint/2010/main" xmlns:dgm="http://schemas.openxmlformats.org/drawingml/2006/diagram" xmlns:a14="http://schemas.microsoft.com/office/drawing/2010/main" w="9525">
                   <a:solidFill>
                     <a:srgbClr val="000000"/>
                   </a:solidFill>
@@ -23127,7 +23124,7 @@
             </a:ln>
             <a:extLst>
               <a:ext uri="{91240B29-F687-4f45-9708-019B960494DF}">
-                <a14:hiddenLine xmlns:a14="http://schemas.microsoft.com/office/drawing/2010/main" xmlns:dgm="http://schemas.openxmlformats.org/drawingml/2006/diagram" xmlns:p14="http://schemas.microsoft.com/office/powerpoint/2010/main" xmlns:a16="http://schemas.microsoft.com/office/drawing/2014/main" xmlns="" w="9525">
+                <a14:hiddenLine xmlns="" xmlns:a16="http://schemas.microsoft.com/office/drawing/2014/main" xmlns:p14="http://schemas.microsoft.com/office/powerpoint/2010/main" xmlns:dgm="http://schemas.openxmlformats.org/drawingml/2006/diagram" xmlns:a14="http://schemas.microsoft.com/office/drawing/2010/main" w="9525">
                   <a:solidFill>
                     <a:srgbClr val="000000"/>
                   </a:solidFill>
@@ -23232,7 +23229,7 @@
             </a:ln>
             <a:extLst>
               <a:ext uri="{91240B29-F687-4f45-9708-019B960494DF}">
-                <a14:hiddenLine xmlns:a14="http://schemas.microsoft.com/office/drawing/2010/main" xmlns:dgm="http://schemas.openxmlformats.org/drawingml/2006/diagram" xmlns:p14="http://schemas.microsoft.com/office/powerpoint/2010/main" xmlns:a16="http://schemas.microsoft.com/office/drawing/2014/main" xmlns="" w="9525">
+                <a14:hiddenLine xmlns="" xmlns:a16="http://schemas.microsoft.com/office/drawing/2014/main" xmlns:p14="http://schemas.microsoft.com/office/powerpoint/2010/main" xmlns:dgm="http://schemas.openxmlformats.org/drawingml/2006/diagram" xmlns:a14="http://schemas.microsoft.com/office/drawing/2010/main" w="9525">
                   <a:solidFill>
                     <a:srgbClr val="000000"/>
                   </a:solidFill>
@@ -23312,7 +23309,7 @@
             </a:ln>
             <a:extLst>
               <a:ext uri="{91240B29-F687-4f45-9708-019B960494DF}">
-                <a14:hiddenLine xmlns:a14="http://schemas.microsoft.com/office/drawing/2010/main" xmlns:dgm="http://schemas.openxmlformats.org/drawingml/2006/diagram" xmlns:p14="http://schemas.microsoft.com/office/powerpoint/2010/main" xmlns:a16="http://schemas.microsoft.com/office/drawing/2014/main" xmlns="" w="9525">
+                <a14:hiddenLine xmlns="" xmlns:a16="http://schemas.microsoft.com/office/drawing/2014/main" xmlns:p14="http://schemas.microsoft.com/office/powerpoint/2010/main" xmlns:dgm="http://schemas.openxmlformats.org/drawingml/2006/diagram" xmlns:a14="http://schemas.microsoft.com/office/drawing/2010/main" w="9525">
                   <a:solidFill>
                     <a:srgbClr val="000000"/>
                   </a:solidFill>
@@ -23447,7 +23444,7 @@
             </a:ln>
             <a:extLst>
               <a:ext uri="{91240B29-F687-4f45-9708-019B960494DF}">
-                <a14:hiddenLine xmlns:a14="http://schemas.microsoft.com/office/drawing/2010/main" xmlns:dgm="http://schemas.openxmlformats.org/drawingml/2006/diagram" xmlns:p14="http://schemas.microsoft.com/office/powerpoint/2010/main" xmlns:a16="http://schemas.microsoft.com/office/drawing/2014/main" xmlns="" w="9525">
+                <a14:hiddenLine xmlns="" xmlns:a16="http://schemas.microsoft.com/office/drawing/2014/main" xmlns:p14="http://schemas.microsoft.com/office/powerpoint/2010/main" xmlns:dgm="http://schemas.openxmlformats.org/drawingml/2006/diagram" xmlns:a14="http://schemas.microsoft.com/office/drawing/2010/main" w="9525">
                   <a:solidFill>
                     <a:srgbClr val="000000"/>
                   </a:solidFill>
@@ -23506,7 +23503,7 @@
           </a:prstGeom>
           <a:extLst>
             <a:ext uri="{909E8E84-426E-40dd-AFC4-6F175D3DCCD1}">
-              <a14:hiddenFill xmlns:a14="http://schemas.microsoft.com/office/drawing/2010/main" xmlns:dgm="http://schemas.openxmlformats.org/drawingml/2006/diagram" xmlns:p14="http://schemas.microsoft.com/office/powerpoint/2010/main" xmlns:a16="http://schemas.microsoft.com/office/drawing/2014/main" xmlns="">
+              <a14:hiddenFill xmlns="" xmlns:a16="http://schemas.microsoft.com/office/drawing/2014/main" xmlns:p14="http://schemas.microsoft.com/office/powerpoint/2010/main" xmlns:dgm="http://schemas.openxmlformats.org/drawingml/2006/diagram" xmlns:a14="http://schemas.microsoft.com/office/drawing/2010/main">
                 <a:solidFill>
                   <a:srgbClr val="FFFFFF"/>
                 </a:solidFill>
@@ -23665,7 +23662,7 @@
             </a:ln>
             <a:extLst>
               <a:ext uri="{91240B29-F687-4f45-9708-019B960494DF}">
-                <a14:hiddenLine xmlns:a14="http://schemas.microsoft.com/office/drawing/2010/main" xmlns:dgm="http://schemas.openxmlformats.org/drawingml/2006/diagram" xmlns:p14="http://schemas.microsoft.com/office/powerpoint/2010/main" xmlns:a16="http://schemas.microsoft.com/office/drawing/2014/main" xmlns="" w="9525">
+                <a14:hiddenLine xmlns="" xmlns:a16="http://schemas.microsoft.com/office/drawing/2014/main" xmlns:p14="http://schemas.microsoft.com/office/powerpoint/2010/main" xmlns:dgm="http://schemas.openxmlformats.org/drawingml/2006/diagram" xmlns:a14="http://schemas.microsoft.com/office/drawing/2010/main" w="9525">
                   <a:solidFill>
                     <a:srgbClr val="000000"/>
                   </a:solidFill>
@@ -23770,7 +23767,7 @@
             </a:ln>
             <a:extLst>
               <a:ext uri="{91240B29-F687-4f45-9708-019B960494DF}">
-                <a14:hiddenLine xmlns:a14="http://schemas.microsoft.com/office/drawing/2010/main" xmlns:dgm="http://schemas.openxmlformats.org/drawingml/2006/diagram" xmlns:p14="http://schemas.microsoft.com/office/powerpoint/2010/main" xmlns:a16="http://schemas.microsoft.com/office/drawing/2014/main" xmlns="" w="9525">
+                <a14:hiddenLine xmlns="" xmlns:a16="http://schemas.microsoft.com/office/drawing/2014/main" xmlns:p14="http://schemas.microsoft.com/office/powerpoint/2010/main" xmlns:dgm="http://schemas.openxmlformats.org/drawingml/2006/diagram" xmlns:a14="http://schemas.microsoft.com/office/drawing/2010/main" w="9525">
                   <a:solidFill>
                     <a:srgbClr val="000000"/>
                   </a:solidFill>
@@ -23875,7 +23872,7 @@
             </a:ln>
             <a:extLst>
               <a:ext uri="{91240B29-F687-4f45-9708-019B960494DF}">
-                <a14:hiddenLine xmlns:a14="http://schemas.microsoft.com/office/drawing/2010/main" xmlns:dgm="http://schemas.openxmlformats.org/drawingml/2006/diagram" xmlns:p14="http://schemas.microsoft.com/office/powerpoint/2010/main" xmlns:a16="http://schemas.microsoft.com/office/drawing/2014/main" xmlns="" w="9525">
+                <a14:hiddenLine xmlns="" xmlns:a16="http://schemas.microsoft.com/office/drawing/2014/main" xmlns:p14="http://schemas.microsoft.com/office/powerpoint/2010/main" xmlns:dgm="http://schemas.openxmlformats.org/drawingml/2006/diagram" xmlns:a14="http://schemas.microsoft.com/office/drawing/2010/main" w="9525">
                   <a:solidFill>
                     <a:srgbClr val="000000"/>
                   </a:solidFill>
@@ -23952,7 +23949,7 @@
             </a:ln>
             <a:extLst>
               <a:ext uri="{91240B29-F687-4f45-9708-019B960494DF}">
-                <a14:hiddenLine xmlns:a14="http://schemas.microsoft.com/office/drawing/2010/main" xmlns:dgm="http://schemas.openxmlformats.org/drawingml/2006/diagram" xmlns:p14="http://schemas.microsoft.com/office/powerpoint/2010/main" xmlns:a16="http://schemas.microsoft.com/office/drawing/2014/main" xmlns="" w="9525">
+                <a14:hiddenLine xmlns="" xmlns:a16="http://schemas.microsoft.com/office/drawing/2014/main" xmlns:p14="http://schemas.microsoft.com/office/powerpoint/2010/main" xmlns:dgm="http://schemas.openxmlformats.org/drawingml/2006/diagram" xmlns:a14="http://schemas.microsoft.com/office/drawing/2010/main" w="9525">
                   <a:solidFill>
                     <a:srgbClr val="000000"/>
                   </a:solidFill>
@@ -24057,7 +24054,7 @@
             </a:ln>
             <a:extLst>
               <a:ext uri="{91240B29-F687-4f45-9708-019B960494DF}">
-                <a14:hiddenLine xmlns:a14="http://schemas.microsoft.com/office/drawing/2010/main" xmlns:dgm="http://schemas.openxmlformats.org/drawingml/2006/diagram" xmlns:p14="http://schemas.microsoft.com/office/powerpoint/2010/main" xmlns:a16="http://schemas.microsoft.com/office/drawing/2014/main" xmlns="" w="9525">
+                <a14:hiddenLine xmlns="" xmlns:a16="http://schemas.microsoft.com/office/drawing/2014/main" xmlns:p14="http://schemas.microsoft.com/office/powerpoint/2010/main" xmlns:dgm="http://schemas.openxmlformats.org/drawingml/2006/diagram" xmlns:a14="http://schemas.microsoft.com/office/drawing/2010/main" w="9525">
                   <a:solidFill>
                     <a:srgbClr val="000000"/>
                   </a:solidFill>
@@ -24134,7 +24131,7 @@
             </a:ln>
             <a:extLst>
               <a:ext uri="{91240B29-F687-4f45-9708-019B960494DF}">
-                <a14:hiddenLine xmlns:a14="http://schemas.microsoft.com/office/drawing/2010/main" xmlns:dgm="http://schemas.openxmlformats.org/drawingml/2006/diagram" xmlns:p14="http://schemas.microsoft.com/office/powerpoint/2010/main" xmlns:a16="http://schemas.microsoft.com/office/drawing/2014/main" xmlns="" w="9525">
+                <a14:hiddenLine xmlns="" xmlns:a16="http://schemas.microsoft.com/office/drawing/2014/main" xmlns:p14="http://schemas.microsoft.com/office/powerpoint/2010/main" xmlns:dgm="http://schemas.openxmlformats.org/drawingml/2006/diagram" xmlns:a14="http://schemas.microsoft.com/office/drawing/2010/main" w="9525">
                   <a:solidFill>
                     <a:srgbClr val="000000"/>
                   </a:solidFill>
@@ -24211,7 +24208,7 @@
             </a:ln>
             <a:extLst>
               <a:ext uri="{91240B29-F687-4f45-9708-019B960494DF}">
-                <a14:hiddenLine xmlns:a14="http://schemas.microsoft.com/office/drawing/2010/main" xmlns:dgm="http://schemas.openxmlformats.org/drawingml/2006/diagram" xmlns:p14="http://schemas.microsoft.com/office/powerpoint/2010/main" xmlns:a16="http://schemas.microsoft.com/office/drawing/2014/main" xmlns="" w="9525">
+                <a14:hiddenLine xmlns="" xmlns:a16="http://schemas.microsoft.com/office/drawing/2014/main" xmlns:p14="http://schemas.microsoft.com/office/powerpoint/2010/main" xmlns:dgm="http://schemas.openxmlformats.org/drawingml/2006/diagram" xmlns:a14="http://schemas.microsoft.com/office/drawing/2010/main" w="9525">
                   <a:solidFill>
                     <a:srgbClr val="000000"/>
                   </a:solidFill>
@@ -24316,7 +24313,7 @@
             </a:ln>
             <a:extLst>
               <a:ext uri="{91240B29-F687-4f45-9708-019B960494DF}">
-                <a14:hiddenLine xmlns:a14="http://schemas.microsoft.com/office/drawing/2010/main" xmlns:dgm="http://schemas.openxmlformats.org/drawingml/2006/diagram" xmlns:p14="http://schemas.microsoft.com/office/powerpoint/2010/main" xmlns:a16="http://schemas.microsoft.com/office/drawing/2014/main" xmlns="" w="9525">
+                <a14:hiddenLine xmlns="" xmlns:a16="http://schemas.microsoft.com/office/drawing/2014/main" xmlns:p14="http://schemas.microsoft.com/office/powerpoint/2010/main" xmlns:dgm="http://schemas.openxmlformats.org/drawingml/2006/diagram" xmlns:a14="http://schemas.microsoft.com/office/drawing/2010/main" w="9525">
                   <a:solidFill>
                     <a:srgbClr val="000000"/>
                   </a:solidFill>
@@ -24421,7 +24418,7 @@
             </a:ln>
             <a:extLst>
               <a:ext uri="{91240B29-F687-4f45-9708-019B960494DF}">
-                <a14:hiddenLine xmlns:a14="http://schemas.microsoft.com/office/drawing/2010/main" xmlns:dgm="http://schemas.openxmlformats.org/drawingml/2006/diagram" xmlns:p14="http://schemas.microsoft.com/office/powerpoint/2010/main" xmlns:a16="http://schemas.microsoft.com/office/drawing/2014/main" xmlns="" w="9525">
+                <a14:hiddenLine xmlns="" xmlns:a16="http://schemas.microsoft.com/office/drawing/2014/main" xmlns:p14="http://schemas.microsoft.com/office/powerpoint/2010/main" xmlns:dgm="http://schemas.openxmlformats.org/drawingml/2006/diagram" xmlns:a14="http://schemas.microsoft.com/office/drawing/2010/main" w="9525">
                   <a:solidFill>
                     <a:srgbClr val="000000"/>
                   </a:solidFill>
@@ -24498,7 +24495,7 @@
             </a:ln>
             <a:extLst>
               <a:ext uri="{91240B29-F687-4f45-9708-019B960494DF}">
-                <a14:hiddenLine xmlns:a14="http://schemas.microsoft.com/office/drawing/2010/main" xmlns:dgm="http://schemas.openxmlformats.org/drawingml/2006/diagram" xmlns:p14="http://schemas.microsoft.com/office/powerpoint/2010/main" xmlns:a16="http://schemas.microsoft.com/office/drawing/2014/main" xmlns="" w="9525">
+                <a14:hiddenLine xmlns="" xmlns:a16="http://schemas.microsoft.com/office/drawing/2014/main" xmlns:p14="http://schemas.microsoft.com/office/powerpoint/2010/main" xmlns:dgm="http://schemas.openxmlformats.org/drawingml/2006/diagram" xmlns:a14="http://schemas.microsoft.com/office/drawing/2010/main" w="9525">
                   <a:solidFill>
                     <a:srgbClr val="000000"/>
                   </a:solidFill>
@@ -24623,7 +24620,7 @@
             </a:ln>
             <a:extLst>
               <a:ext uri="{91240B29-F687-4f45-9708-019B960494DF}">
-                <a14:hiddenLine xmlns:a14="http://schemas.microsoft.com/office/drawing/2010/main" xmlns:dgm="http://schemas.openxmlformats.org/drawingml/2006/diagram" xmlns:p14="http://schemas.microsoft.com/office/powerpoint/2010/main" xmlns:a16="http://schemas.microsoft.com/office/drawing/2014/main" xmlns="" w="9525">
+                <a14:hiddenLine xmlns="" xmlns:a16="http://schemas.microsoft.com/office/drawing/2014/main" xmlns:p14="http://schemas.microsoft.com/office/powerpoint/2010/main" xmlns:dgm="http://schemas.openxmlformats.org/drawingml/2006/diagram" xmlns:a14="http://schemas.microsoft.com/office/drawing/2010/main" w="9525">
                   <a:solidFill>
                     <a:srgbClr val="000000"/>
                   </a:solidFill>
@@ -24737,7 +24734,7 @@
             </a:ln>
             <a:extLst>
               <a:ext uri="{91240B29-F687-4f45-9708-019B960494DF}">
-                <a14:hiddenLine xmlns:a14="http://schemas.microsoft.com/office/drawing/2010/main" xmlns:dgm="http://schemas.openxmlformats.org/drawingml/2006/diagram" xmlns:p14="http://schemas.microsoft.com/office/powerpoint/2010/main" xmlns:a16="http://schemas.microsoft.com/office/drawing/2014/main" xmlns="" w="9525">
+                <a14:hiddenLine xmlns="" xmlns:a16="http://schemas.microsoft.com/office/drawing/2014/main" xmlns:p14="http://schemas.microsoft.com/office/powerpoint/2010/main" xmlns:dgm="http://schemas.openxmlformats.org/drawingml/2006/diagram" xmlns:a14="http://schemas.microsoft.com/office/drawing/2010/main" w="9525">
                   <a:solidFill>
                     <a:srgbClr val="000000"/>
                   </a:solidFill>
@@ -24814,7 +24811,7 @@
             </a:ln>
             <a:extLst>
               <a:ext uri="{91240B29-F687-4f45-9708-019B960494DF}">
-                <a14:hiddenLine xmlns:a14="http://schemas.microsoft.com/office/drawing/2010/main" xmlns:dgm="http://schemas.openxmlformats.org/drawingml/2006/diagram" xmlns:p14="http://schemas.microsoft.com/office/powerpoint/2010/main" xmlns:a16="http://schemas.microsoft.com/office/drawing/2014/main" xmlns="" w="9525">
+                <a14:hiddenLine xmlns="" xmlns:a16="http://schemas.microsoft.com/office/drawing/2014/main" xmlns:p14="http://schemas.microsoft.com/office/powerpoint/2010/main" xmlns:dgm="http://schemas.openxmlformats.org/drawingml/2006/diagram" xmlns:a14="http://schemas.microsoft.com/office/drawing/2010/main" w="9525">
                   <a:solidFill>
                     <a:srgbClr val="000000"/>
                   </a:solidFill>
@@ -24891,7 +24888,7 @@
             </a:ln>
             <a:extLst>
               <a:ext uri="{91240B29-F687-4f45-9708-019B960494DF}">
-                <a14:hiddenLine xmlns:a14="http://schemas.microsoft.com/office/drawing/2010/main" xmlns:dgm="http://schemas.openxmlformats.org/drawingml/2006/diagram" xmlns:p14="http://schemas.microsoft.com/office/powerpoint/2010/main" xmlns:a16="http://schemas.microsoft.com/office/drawing/2014/main" xmlns="" w="9525">
+                <a14:hiddenLine xmlns="" xmlns:a16="http://schemas.microsoft.com/office/drawing/2014/main" xmlns:p14="http://schemas.microsoft.com/office/powerpoint/2010/main" xmlns:dgm="http://schemas.openxmlformats.org/drawingml/2006/diagram" xmlns:a14="http://schemas.microsoft.com/office/drawing/2010/main" w="9525">
                   <a:solidFill>
                     <a:srgbClr val="000000"/>
                   </a:solidFill>
@@ -24996,7 +24993,7 @@
             </a:ln>
             <a:extLst>
               <a:ext uri="{91240B29-F687-4f45-9708-019B960494DF}">
-                <a14:hiddenLine xmlns:a14="http://schemas.microsoft.com/office/drawing/2010/main" xmlns:dgm="http://schemas.openxmlformats.org/drawingml/2006/diagram" xmlns:p14="http://schemas.microsoft.com/office/powerpoint/2010/main" xmlns:a16="http://schemas.microsoft.com/office/drawing/2014/main" xmlns="" w="9525">
+                <a14:hiddenLine xmlns="" xmlns:a16="http://schemas.microsoft.com/office/drawing/2014/main" xmlns:p14="http://schemas.microsoft.com/office/powerpoint/2010/main" xmlns:dgm="http://schemas.openxmlformats.org/drawingml/2006/diagram" xmlns:a14="http://schemas.microsoft.com/office/drawing/2010/main" w="9525">
                   <a:solidFill>
                     <a:srgbClr val="000000"/>
                   </a:solidFill>
@@ -25045,7 +25042,7 @@
             </a:ln>
             <a:extLst>
               <a:ext uri="{91240B29-F687-4f45-9708-019B960494DF}">
-                <a14:hiddenLine xmlns:a14="http://schemas.microsoft.com/office/drawing/2010/main" xmlns:dgm="http://schemas.openxmlformats.org/drawingml/2006/diagram" xmlns:p14="http://schemas.microsoft.com/office/powerpoint/2010/main" xmlns:a16="http://schemas.microsoft.com/office/drawing/2014/main" xmlns="" w="9525">
+                <a14:hiddenLine xmlns="" xmlns:a16="http://schemas.microsoft.com/office/drawing/2014/main" xmlns:p14="http://schemas.microsoft.com/office/powerpoint/2010/main" xmlns:dgm="http://schemas.openxmlformats.org/drawingml/2006/diagram" xmlns:a14="http://schemas.microsoft.com/office/drawing/2010/main" w="9525">
                   <a:solidFill>
                     <a:srgbClr val="000000"/>
                   </a:solidFill>
@@ -25125,7 +25122,7 @@
             </a:ln>
             <a:extLst>
               <a:ext uri="{91240B29-F687-4f45-9708-019B960494DF}">
-                <a14:hiddenLine xmlns:a14="http://schemas.microsoft.com/office/drawing/2010/main" xmlns:dgm="http://schemas.openxmlformats.org/drawingml/2006/diagram" xmlns:p14="http://schemas.microsoft.com/office/powerpoint/2010/main" xmlns:a16="http://schemas.microsoft.com/office/drawing/2014/main" xmlns="" w="9525">
+                <a14:hiddenLine xmlns="" xmlns:a16="http://schemas.microsoft.com/office/drawing/2014/main" xmlns:p14="http://schemas.microsoft.com/office/powerpoint/2010/main" xmlns:dgm="http://schemas.openxmlformats.org/drawingml/2006/diagram" xmlns:a14="http://schemas.microsoft.com/office/drawing/2010/main" w="9525">
                   <a:solidFill>
                     <a:srgbClr val="000000"/>
                   </a:solidFill>
@@ -25230,7 +25227,7 @@
             </a:ln>
             <a:extLst>
               <a:ext uri="{91240B29-F687-4f45-9708-019B960494DF}">
-                <a14:hiddenLine xmlns:a14="http://schemas.microsoft.com/office/drawing/2010/main" xmlns:dgm="http://schemas.openxmlformats.org/drawingml/2006/diagram" xmlns:p14="http://schemas.microsoft.com/office/powerpoint/2010/main" xmlns:a16="http://schemas.microsoft.com/office/drawing/2014/main" xmlns="" w="9525">
+                <a14:hiddenLine xmlns="" xmlns:a16="http://schemas.microsoft.com/office/drawing/2014/main" xmlns:p14="http://schemas.microsoft.com/office/powerpoint/2010/main" xmlns:dgm="http://schemas.openxmlformats.org/drawingml/2006/diagram" xmlns:a14="http://schemas.microsoft.com/office/drawing/2010/main" w="9525">
                   <a:solidFill>
                     <a:srgbClr val="000000"/>
                   </a:solidFill>
@@ -25307,7 +25304,7 @@
             </a:ln>
             <a:extLst>
               <a:ext uri="{91240B29-F687-4f45-9708-019B960494DF}">
-                <a14:hiddenLine xmlns:a14="http://schemas.microsoft.com/office/drawing/2010/main" xmlns:dgm="http://schemas.openxmlformats.org/drawingml/2006/diagram" xmlns:p14="http://schemas.microsoft.com/office/powerpoint/2010/main" xmlns:a16="http://schemas.microsoft.com/office/drawing/2014/main" xmlns="" w="9525">
+                <a14:hiddenLine xmlns="" xmlns:a16="http://schemas.microsoft.com/office/drawing/2014/main" xmlns:p14="http://schemas.microsoft.com/office/powerpoint/2010/main" xmlns:dgm="http://schemas.openxmlformats.org/drawingml/2006/diagram" xmlns:a14="http://schemas.microsoft.com/office/drawing/2010/main" w="9525">
                   <a:solidFill>
                     <a:srgbClr val="000000"/>
                   </a:solidFill>
@@ -25412,7 +25409,7 @@
             </a:ln>
             <a:extLst>
               <a:ext uri="{91240B29-F687-4f45-9708-019B960494DF}">
-                <a14:hiddenLine xmlns:a14="http://schemas.microsoft.com/office/drawing/2010/main" xmlns:dgm="http://schemas.openxmlformats.org/drawingml/2006/diagram" xmlns:p14="http://schemas.microsoft.com/office/powerpoint/2010/main" xmlns:a16="http://schemas.microsoft.com/office/drawing/2014/main" xmlns="" w="9525">
+                <a14:hiddenLine xmlns="" xmlns:a16="http://schemas.microsoft.com/office/drawing/2014/main" xmlns:p14="http://schemas.microsoft.com/office/powerpoint/2010/main" xmlns:dgm="http://schemas.openxmlformats.org/drawingml/2006/diagram" xmlns:a14="http://schemas.microsoft.com/office/drawing/2010/main" w="9525">
                   <a:solidFill>
                     <a:srgbClr val="000000"/>
                   </a:solidFill>
@@ -25492,7 +25489,7 @@
             </a:ln>
             <a:extLst>
               <a:ext uri="{91240B29-F687-4f45-9708-019B960494DF}">
-                <a14:hiddenLine xmlns:a14="http://schemas.microsoft.com/office/drawing/2010/main" xmlns:dgm="http://schemas.openxmlformats.org/drawingml/2006/diagram" xmlns:p14="http://schemas.microsoft.com/office/powerpoint/2010/main" xmlns:a16="http://schemas.microsoft.com/office/drawing/2014/main" xmlns="" w="9525">
+                <a14:hiddenLine xmlns="" xmlns:a16="http://schemas.microsoft.com/office/drawing/2014/main" xmlns:p14="http://schemas.microsoft.com/office/powerpoint/2010/main" xmlns:dgm="http://schemas.openxmlformats.org/drawingml/2006/diagram" xmlns:a14="http://schemas.microsoft.com/office/drawing/2010/main" w="9525">
                   <a:solidFill>
                     <a:srgbClr val="000000"/>
                   </a:solidFill>
@@ -25569,7 +25566,7 @@
             </a:ln>
             <a:extLst>
               <a:ext uri="{91240B29-F687-4f45-9708-019B960494DF}">
-                <a14:hiddenLine xmlns:a14="http://schemas.microsoft.com/office/drawing/2010/main" xmlns:dgm="http://schemas.openxmlformats.org/drawingml/2006/diagram" xmlns:p14="http://schemas.microsoft.com/office/powerpoint/2010/main" xmlns:a16="http://schemas.microsoft.com/office/drawing/2014/main" xmlns="" w="9525">
+                <a14:hiddenLine xmlns="" xmlns:a16="http://schemas.microsoft.com/office/drawing/2014/main" xmlns:p14="http://schemas.microsoft.com/office/powerpoint/2010/main" xmlns:dgm="http://schemas.openxmlformats.org/drawingml/2006/diagram" xmlns:a14="http://schemas.microsoft.com/office/drawing/2010/main" w="9525">
                   <a:solidFill>
                     <a:srgbClr val="000000"/>
                   </a:solidFill>
@@ -25674,7 +25671,7 @@
             </a:ln>
             <a:extLst>
               <a:ext uri="{91240B29-F687-4f45-9708-019B960494DF}">
-                <a14:hiddenLine xmlns:a14="http://schemas.microsoft.com/office/drawing/2010/main" xmlns:dgm="http://schemas.openxmlformats.org/drawingml/2006/diagram" xmlns:p14="http://schemas.microsoft.com/office/powerpoint/2010/main" xmlns:a16="http://schemas.microsoft.com/office/drawing/2014/main" xmlns="" w="9525">
+                <a14:hiddenLine xmlns="" xmlns:a16="http://schemas.microsoft.com/office/drawing/2014/main" xmlns:p14="http://schemas.microsoft.com/office/powerpoint/2010/main" xmlns:dgm="http://schemas.openxmlformats.org/drawingml/2006/diagram" xmlns:a14="http://schemas.microsoft.com/office/drawing/2010/main" w="9525">
                   <a:solidFill>
                     <a:srgbClr val="000000"/>
                   </a:solidFill>
@@ -25779,7 +25776,7 @@
             </a:ln>
             <a:extLst>
               <a:ext uri="{91240B29-F687-4f45-9708-019B960494DF}">
-                <a14:hiddenLine xmlns:a14="http://schemas.microsoft.com/office/drawing/2010/main" xmlns:dgm="http://schemas.openxmlformats.org/drawingml/2006/diagram" xmlns:p14="http://schemas.microsoft.com/office/powerpoint/2010/main" xmlns:a16="http://schemas.microsoft.com/office/drawing/2014/main" xmlns="" w="9525">
+                <a14:hiddenLine xmlns="" xmlns:a16="http://schemas.microsoft.com/office/drawing/2014/main" xmlns:p14="http://schemas.microsoft.com/office/powerpoint/2010/main" xmlns:dgm="http://schemas.openxmlformats.org/drawingml/2006/diagram" xmlns:a14="http://schemas.microsoft.com/office/drawing/2010/main" w="9525">
                   <a:solidFill>
                     <a:srgbClr val="000000"/>
                   </a:solidFill>
@@ -25859,7 +25856,7 @@
             </a:ln>
             <a:extLst>
               <a:ext uri="{91240B29-F687-4f45-9708-019B960494DF}">
-                <a14:hiddenLine xmlns:a14="http://schemas.microsoft.com/office/drawing/2010/main" xmlns:dgm="http://schemas.openxmlformats.org/drawingml/2006/diagram" xmlns:p14="http://schemas.microsoft.com/office/powerpoint/2010/main" xmlns:a16="http://schemas.microsoft.com/office/drawing/2014/main" xmlns="" w="9525">
+                <a14:hiddenLine xmlns="" xmlns:a16="http://schemas.microsoft.com/office/drawing/2014/main" xmlns:p14="http://schemas.microsoft.com/office/powerpoint/2010/main" xmlns:dgm="http://schemas.openxmlformats.org/drawingml/2006/diagram" xmlns:a14="http://schemas.microsoft.com/office/drawing/2010/main" w="9525">
                   <a:solidFill>
                     <a:srgbClr val="000000"/>
                   </a:solidFill>
@@ -25994,7 +25991,7 @@
             </a:ln>
             <a:extLst>
               <a:ext uri="{91240B29-F687-4f45-9708-019B960494DF}">
-                <a14:hiddenLine xmlns:a14="http://schemas.microsoft.com/office/drawing/2010/main" xmlns:dgm="http://schemas.openxmlformats.org/drawingml/2006/diagram" xmlns:p14="http://schemas.microsoft.com/office/powerpoint/2010/main" xmlns:a16="http://schemas.microsoft.com/office/drawing/2014/main" xmlns="" w="9525">
+                <a14:hiddenLine xmlns="" xmlns:a16="http://schemas.microsoft.com/office/drawing/2014/main" xmlns:p14="http://schemas.microsoft.com/office/powerpoint/2010/main" xmlns:dgm="http://schemas.openxmlformats.org/drawingml/2006/diagram" xmlns:a14="http://schemas.microsoft.com/office/drawing/2010/main" w="9525">
                   <a:solidFill>
                     <a:srgbClr val="000000"/>
                   </a:solidFill>
@@ -26055,7 +26052,7 @@
           <a:noFill/>
           <a:extLst>
             <a:ext uri="{909E8E84-426E-40dd-AFC4-6F175D3DCCD1}">
-              <a14:hiddenFill xmlns:a14="http://schemas.microsoft.com/office/drawing/2010/main" xmlns:dgm="http://schemas.openxmlformats.org/drawingml/2006/diagram" xmlns:p14="http://schemas.microsoft.com/office/powerpoint/2010/main" xmlns:a16="http://schemas.microsoft.com/office/drawing/2014/main" xmlns="">
+              <a14:hiddenFill xmlns="" xmlns:a16="http://schemas.microsoft.com/office/drawing/2014/main" xmlns:p14="http://schemas.microsoft.com/office/powerpoint/2010/main" xmlns:dgm="http://schemas.openxmlformats.org/drawingml/2006/diagram" xmlns:a14="http://schemas.microsoft.com/office/drawing/2010/main">
                 <a:solidFill>
                   <a:srgbClr val="FFFFFF"/>
                 </a:solidFill>
@@ -26238,7 +26235,7 @@
           <a:noFill/>
           <a:extLst>
             <a:ext uri="{909E8E84-426E-40dd-AFC4-6F175D3DCCD1}">
-              <a14:hiddenFill xmlns:a14="http://schemas.microsoft.com/office/drawing/2010/main" xmlns:a16="http://schemas.microsoft.com/office/drawing/2014/main" xmlns="">
+              <a14:hiddenFill xmlns="" xmlns:a16="http://schemas.microsoft.com/office/drawing/2014/main" xmlns:a14="http://schemas.microsoft.com/office/drawing/2010/main">
                 <a:solidFill>
                   <a:srgbClr val="FFFFFF"/>
                 </a:solidFill>
@@ -26330,7 +26327,7 @@
             </a:ln>
             <a:extLst>
               <a:ext uri="{91240B29-F687-4f45-9708-019B960494DF}">
-                <a14:hiddenLine xmlns:a14="http://schemas.microsoft.com/office/drawing/2010/main" xmlns:a16="http://schemas.microsoft.com/office/drawing/2014/main" xmlns="" w="9525">
+                <a14:hiddenLine xmlns="" xmlns:a16="http://schemas.microsoft.com/office/drawing/2014/main" xmlns:a14="http://schemas.microsoft.com/office/drawing/2010/main" w="9525">
                   <a:solidFill>
                     <a:srgbClr val="000000"/>
                   </a:solidFill>
@@ -26435,7 +26432,7 @@
             </a:ln>
             <a:extLst>
               <a:ext uri="{91240B29-F687-4f45-9708-019B960494DF}">
-                <a14:hiddenLine xmlns:a14="http://schemas.microsoft.com/office/drawing/2010/main" xmlns:a16="http://schemas.microsoft.com/office/drawing/2014/main" xmlns="" w="9525">
+                <a14:hiddenLine xmlns="" xmlns:a16="http://schemas.microsoft.com/office/drawing/2014/main" xmlns:a14="http://schemas.microsoft.com/office/drawing/2010/main" w="9525">
                   <a:solidFill>
                     <a:srgbClr val="000000"/>
                   </a:solidFill>
@@ -26540,7 +26537,7 @@
             </a:ln>
             <a:extLst>
               <a:ext uri="{91240B29-F687-4f45-9708-019B960494DF}">
-                <a14:hiddenLine xmlns:a14="http://schemas.microsoft.com/office/drawing/2010/main" xmlns:a16="http://schemas.microsoft.com/office/drawing/2014/main" xmlns="" w="9525">
+                <a14:hiddenLine xmlns="" xmlns:a16="http://schemas.microsoft.com/office/drawing/2014/main" xmlns:a14="http://schemas.microsoft.com/office/drawing/2010/main" w="9525">
                   <a:solidFill>
                     <a:srgbClr val="000000"/>
                   </a:solidFill>
@@ -26589,7 +26586,7 @@
             </a:ln>
             <a:extLst>
               <a:ext uri="{91240B29-F687-4f45-9708-019B960494DF}">
-                <a14:hiddenLine xmlns:a14="http://schemas.microsoft.com/office/drawing/2010/main" xmlns:a16="http://schemas.microsoft.com/office/drawing/2014/main" xmlns="" w="9525">
+                <a14:hiddenLine xmlns="" xmlns:a16="http://schemas.microsoft.com/office/drawing/2014/main" xmlns:a14="http://schemas.microsoft.com/office/drawing/2010/main" w="9525">
                   <a:solidFill>
                     <a:srgbClr val="000000"/>
                   </a:solidFill>
@@ -26694,7 +26691,7 @@
             </a:ln>
             <a:extLst>
               <a:ext uri="{91240B29-F687-4f45-9708-019B960494DF}">
-                <a14:hiddenLine xmlns:a14="http://schemas.microsoft.com/office/drawing/2010/main" xmlns:a16="http://schemas.microsoft.com/office/drawing/2014/main" xmlns="" w="9525">
+                <a14:hiddenLine xmlns="" xmlns:a16="http://schemas.microsoft.com/office/drawing/2014/main" xmlns:a14="http://schemas.microsoft.com/office/drawing/2010/main" w="9525">
                   <a:solidFill>
                     <a:srgbClr val="000000"/>
                   </a:solidFill>
@@ -26771,7 +26768,7 @@
             </a:ln>
             <a:extLst>
               <a:ext uri="{91240B29-F687-4f45-9708-019B960494DF}">
-                <a14:hiddenLine xmlns:a14="http://schemas.microsoft.com/office/drawing/2010/main" xmlns:a16="http://schemas.microsoft.com/office/drawing/2014/main" xmlns="" w="9525">
+                <a14:hiddenLine xmlns="" xmlns:a16="http://schemas.microsoft.com/office/drawing/2014/main" xmlns:a14="http://schemas.microsoft.com/office/drawing/2010/main" w="9525">
                   <a:solidFill>
                     <a:srgbClr val="000000"/>
                   </a:solidFill>
@@ -26848,7 +26845,7 @@
             </a:ln>
             <a:extLst>
               <a:ext uri="{91240B29-F687-4f45-9708-019B960494DF}">
-                <a14:hiddenLine xmlns:a14="http://schemas.microsoft.com/office/drawing/2010/main" xmlns:a16="http://schemas.microsoft.com/office/drawing/2014/main" xmlns="" w="9525">
+                <a14:hiddenLine xmlns="" xmlns:a16="http://schemas.microsoft.com/office/drawing/2014/main" xmlns:a14="http://schemas.microsoft.com/office/drawing/2010/main" w="9525">
                   <a:solidFill>
                     <a:srgbClr val="000000"/>
                   </a:solidFill>
@@ -26953,7 +26950,7 @@
             </a:ln>
             <a:extLst>
               <a:ext uri="{91240B29-F687-4f45-9708-019B960494DF}">
-                <a14:hiddenLine xmlns:a14="http://schemas.microsoft.com/office/drawing/2010/main" xmlns:a16="http://schemas.microsoft.com/office/drawing/2014/main" xmlns="" w="9525">
+                <a14:hiddenLine xmlns="" xmlns:a16="http://schemas.microsoft.com/office/drawing/2014/main" xmlns:a14="http://schemas.microsoft.com/office/drawing/2010/main" w="9525">
                   <a:solidFill>
                     <a:srgbClr val="000000"/>
                   </a:solidFill>
@@ -27030,7 +27027,7 @@
             </a:ln>
             <a:extLst>
               <a:ext uri="{91240B29-F687-4f45-9708-019B960494DF}">
-                <a14:hiddenLine xmlns:a14="http://schemas.microsoft.com/office/drawing/2010/main" xmlns:a16="http://schemas.microsoft.com/office/drawing/2014/main" xmlns="" w="9525">
+                <a14:hiddenLine xmlns="" xmlns:a16="http://schemas.microsoft.com/office/drawing/2014/main" xmlns:a14="http://schemas.microsoft.com/office/drawing/2010/main" w="9525">
                   <a:solidFill>
                     <a:srgbClr val="000000"/>
                   </a:solidFill>
@@ -27107,7 +27104,7 @@
             </a:ln>
             <a:extLst>
               <a:ext uri="{91240B29-F687-4f45-9708-019B960494DF}">
-                <a14:hiddenLine xmlns:a14="http://schemas.microsoft.com/office/drawing/2010/main" xmlns:a16="http://schemas.microsoft.com/office/drawing/2014/main" xmlns="" w="9525">
+                <a14:hiddenLine xmlns="" xmlns:a16="http://schemas.microsoft.com/office/drawing/2014/main" xmlns:a14="http://schemas.microsoft.com/office/drawing/2010/main" w="9525">
                   <a:solidFill>
                     <a:srgbClr val="000000"/>
                   </a:solidFill>
@@ -27212,7 +27209,7 @@
             </a:ln>
             <a:extLst>
               <a:ext uri="{91240B29-F687-4f45-9708-019B960494DF}">
-                <a14:hiddenLine xmlns:a14="http://schemas.microsoft.com/office/drawing/2010/main" xmlns:a16="http://schemas.microsoft.com/office/drawing/2014/main" xmlns="" w="9525">
+                <a14:hiddenLine xmlns="" xmlns:a16="http://schemas.microsoft.com/office/drawing/2014/main" xmlns:a14="http://schemas.microsoft.com/office/drawing/2010/main" w="9525">
                   <a:solidFill>
                     <a:srgbClr val="000000"/>
                   </a:solidFill>
@@ -27317,7 +27314,7 @@
             </a:ln>
             <a:extLst>
               <a:ext uri="{91240B29-F687-4f45-9708-019B960494DF}">
-                <a14:hiddenLine xmlns:a14="http://schemas.microsoft.com/office/drawing/2010/main" xmlns:a16="http://schemas.microsoft.com/office/drawing/2014/main" xmlns="" w="9525">
+                <a14:hiddenLine xmlns="" xmlns:a16="http://schemas.microsoft.com/office/drawing/2014/main" xmlns:a14="http://schemas.microsoft.com/office/drawing/2010/main" w="9525">
                   <a:solidFill>
                     <a:srgbClr val="000000"/>
                   </a:solidFill>
@@ -27394,7 +27391,7 @@
             </a:ln>
             <a:extLst>
               <a:ext uri="{91240B29-F687-4f45-9708-019B960494DF}">
-                <a14:hiddenLine xmlns:a14="http://schemas.microsoft.com/office/drawing/2010/main" xmlns:a16="http://schemas.microsoft.com/office/drawing/2014/main" xmlns="" w="9525">
+                <a14:hiddenLine xmlns="" xmlns:a16="http://schemas.microsoft.com/office/drawing/2014/main" xmlns:a14="http://schemas.microsoft.com/office/drawing/2010/main" w="9525">
                   <a:solidFill>
                     <a:srgbClr val="000000"/>
                   </a:solidFill>
@@ -27519,7 +27516,7 @@
             </a:ln>
             <a:extLst>
               <a:ext uri="{91240B29-F687-4f45-9708-019B960494DF}">
-                <a14:hiddenLine xmlns:a14="http://schemas.microsoft.com/office/drawing/2010/main" xmlns:a16="http://schemas.microsoft.com/office/drawing/2014/main" xmlns="" w="9525">
+                <a14:hiddenLine xmlns="" xmlns:a16="http://schemas.microsoft.com/office/drawing/2014/main" xmlns:a14="http://schemas.microsoft.com/office/drawing/2010/main" w="9525">
                   <a:solidFill>
                     <a:srgbClr val="000000"/>
                   </a:solidFill>
@@ -27596,7 +27593,7 @@
             </a:ln>
             <a:extLst>
               <a:ext uri="{91240B29-F687-4f45-9708-019B960494DF}">
-                <a14:hiddenLine xmlns:a14="http://schemas.microsoft.com/office/drawing/2010/main" xmlns:a16="http://schemas.microsoft.com/office/drawing/2014/main" xmlns="" w="9525">
+                <a14:hiddenLine xmlns="" xmlns:a16="http://schemas.microsoft.com/office/drawing/2014/main" xmlns:a14="http://schemas.microsoft.com/office/drawing/2010/main" w="9525">
                   <a:solidFill>
                     <a:srgbClr val="000000"/>
                   </a:solidFill>
@@ -27701,7 +27698,7 @@
             </a:ln>
             <a:extLst>
               <a:ext uri="{91240B29-F687-4f45-9708-019B960494DF}">
-                <a14:hiddenLine xmlns:a14="http://schemas.microsoft.com/office/drawing/2010/main" xmlns:a16="http://schemas.microsoft.com/office/drawing/2014/main" xmlns="" w="9525">
+                <a14:hiddenLine xmlns="" xmlns:a16="http://schemas.microsoft.com/office/drawing/2014/main" xmlns:a14="http://schemas.microsoft.com/office/drawing/2010/main" w="9525">
                   <a:solidFill>
                     <a:srgbClr val="000000"/>
                   </a:solidFill>
@@ -27806,7 +27803,7 @@
             </a:ln>
             <a:extLst>
               <a:ext uri="{91240B29-F687-4f45-9708-019B960494DF}">
-                <a14:hiddenLine xmlns:a14="http://schemas.microsoft.com/office/drawing/2010/main" xmlns:a16="http://schemas.microsoft.com/office/drawing/2014/main" xmlns="" w="9525">
+                <a14:hiddenLine xmlns="" xmlns:a16="http://schemas.microsoft.com/office/drawing/2014/main" xmlns:a14="http://schemas.microsoft.com/office/drawing/2010/main" w="9525">
                   <a:solidFill>
                     <a:srgbClr val="000000"/>
                   </a:solidFill>
@@ -27883,7 +27880,7 @@
             </a:ln>
             <a:extLst>
               <a:ext uri="{91240B29-F687-4f45-9708-019B960494DF}">
-                <a14:hiddenLine xmlns:a14="http://schemas.microsoft.com/office/drawing/2010/main" xmlns:a16="http://schemas.microsoft.com/office/drawing/2014/main" xmlns="" w="9525">
+                <a14:hiddenLine xmlns="" xmlns:a16="http://schemas.microsoft.com/office/drawing/2014/main" xmlns:a14="http://schemas.microsoft.com/office/drawing/2010/main" w="9525">
                   <a:solidFill>
                     <a:srgbClr val="000000"/>
                   </a:solidFill>
@@ -27988,7 +27985,7 @@
             </a:ln>
             <a:extLst>
               <a:ext uri="{91240B29-F687-4f45-9708-019B960494DF}">
-                <a14:hiddenLine xmlns:a14="http://schemas.microsoft.com/office/drawing/2010/main" xmlns:a16="http://schemas.microsoft.com/office/drawing/2014/main" xmlns="" w="9525">
+                <a14:hiddenLine xmlns="" xmlns:a16="http://schemas.microsoft.com/office/drawing/2014/main" xmlns:a14="http://schemas.microsoft.com/office/drawing/2010/main" w="9525">
                   <a:solidFill>
                     <a:srgbClr val="000000"/>
                   </a:solidFill>
@@ -28093,7 +28090,7 @@
             </a:ln>
             <a:extLst>
               <a:ext uri="{91240B29-F687-4f45-9708-019B960494DF}">
-                <a14:hiddenLine xmlns:a14="http://schemas.microsoft.com/office/drawing/2010/main" xmlns:a16="http://schemas.microsoft.com/office/drawing/2014/main" xmlns="" w="9525">
+                <a14:hiddenLine xmlns="" xmlns:a16="http://schemas.microsoft.com/office/drawing/2014/main" xmlns:a14="http://schemas.microsoft.com/office/drawing/2010/main" w="9525">
                   <a:solidFill>
                     <a:srgbClr val="000000"/>
                   </a:solidFill>
@@ -28164,7 +28161,7 @@
             </a:ln>
             <a:extLst>
               <a:ext uri="{91240B29-F687-4f45-9708-019B960494DF}">
-                <a14:hiddenLine xmlns:a14="http://schemas.microsoft.com/office/drawing/2010/main" xmlns:a16="http://schemas.microsoft.com/office/drawing/2014/main" xmlns="" w="9525">
+                <a14:hiddenLine xmlns="" xmlns:a16="http://schemas.microsoft.com/office/drawing/2014/main" xmlns:a14="http://schemas.microsoft.com/office/drawing/2010/main" w="9525">
                   <a:solidFill>
                     <a:srgbClr val="000000"/>
                   </a:solidFill>
@@ -28269,7 +28266,7 @@
             </a:ln>
             <a:extLst>
               <a:ext uri="{91240B29-F687-4f45-9708-019B960494DF}">
-                <a14:hiddenLine xmlns:a14="http://schemas.microsoft.com/office/drawing/2010/main" xmlns:a16="http://schemas.microsoft.com/office/drawing/2014/main" xmlns="" w="9525">
+                <a14:hiddenLine xmlns="" xmlns:a16="http://schemas.microsoft.com/office/drawing/2014/main" xmlns:a14="http://schemas.microsoft.com/office/drawing/2010/main" w="9525">
                   <a:solidFill>
                     <a:srgbClr val="000000"/>
                   </a:solidFill>
@@ -28340,7 +28337,7 @@
             </a:ln>
             <a:extLst>
               <a:ext uri="{91240B29-F687-4f45-9708-019B960494DF}">
-                <a14:hiddenLine xmlns:a14="http://schemas.microsoft.com/office/drawing/2010/main" xmlns:a16="http://schemas.microsoft.com/office/drawing/2014/main" xmlns="" w="9525">
+                <a14:hiddenLine xmlns="" xmlns:a16="http://schemas.microsoft.com/office/drawing/2014/main" xmlns:a14="http://schemas.microsoft.com/office/drawing/2010/main" w="9525">
                   <a:solidFill>
                     <a:srgbClr val="000000"/>
                   </a:solidFill>
@@ -28445,7 +28442,7 @@
             </a:ln>
             <a:extLst>
               <a:ext uri="{91240B29-F687-4f45-9708-019B960494DF}">
-                <a14:hiddenLine xmlns:a14="http://schemas.microsoft.com/office/drawing/2010/main" xmlns:a16="http://schemas.microsoft.com/office/drawing/2014/main" xmlns="" w="9525">
+                <a14:hiddenLine xmlns="" xmlns:a16="http://schemas.microsoft.com/office/drawing/2014/main" xmlns:a14="http://schemas.microsoft.com/office/drawing/2010/main" w="9525">
                   <a:solidFill>
                     <a:srgbClr val="000000"/>
                   </a:solidFill>
@@ -28528,7 +28525,7 @@
             </a:ln>
             <a:extLst>
               <a:ext uri="{91240B29-F687-4f45-9708-019B960494DF}">
-                <a14:hiddenLine xmlns:a14="http://schemas.microsoft.com/office/drawing/2010/main" xmlns:a16="http://schemas.microsoft.com/office/drawing/2014/main" xmlns="" w="9525">
+                <a14:hiddenLine xmlns="" xmlns:a16="http://schemas.microsoft.com/office/drawing/2014/main" xmlns:a14="http://schemas.microsoft.com/office/drawing/2010/main" w="9525">
                   <a:solidFill>
                     <a:srgbClr val="000000"/>
                   </a:solidFill>
@@ -28633,7 +28630,7 @@
             </a:ln>
             <a:extLst>
               <a:ext uri="{91240B29-F687-4f45-9708-019B960494DF}">
-                <a14:hiddenLine xmlns:a14="http://schemas.microsoft.com/office/drawing/2010/main" xmlns:a16="http://schemas.microsoft.com/office/drawing/2014/main" xmlns="" w="9525">
+                <a14:hiddenLine xmlns="" xmlns:a16="http://schemas.microsoft.com/office/drawing/2014/main" xmlns:a14="http://schemas.microsoft.com/office/drawing/2010/main" w="9525">
                   <a:solidFill>
                     <a:srgbClr val="000000"/>
                   </a:solidFill>
@@ -28716,7 +28713,7 @@
             </a:ln>
             <a:extLst>
               <a:ext uri="{91240B29-F687-4f45-9708-019B960494DF}">
-                <a14:hiddenLine xmlns:a14="http://schemas.microsoft.com/office/drawing/2010/main" xmlns:a16="http://schemas.microsoft.com/office/drawing/2014/main" xmlns="" w="9525">
+                <a14:hiddenLine xmlns="" xmlns:a16="http://schemas.microsoft.com/office/drawing/2014/main" xmlns:a14="http://schemas.microsoft.com/office/drawing/2010/main" w="9525">
                   <a:solidFill>
                     <a:srgbClr val="000000"/>
                   </a:solidFill>
@@ -28821,7 +28818,7 @@
             </a:ln>
             <a:extLst>
               <a:ext uri="{91240B29-F687-4f45-9708-019B960494DF}">
-                <a14:hiddenLine xmlns:a14="http://schemas.microsoft.com/office/drawing/2010/main" xmlns:a16="http://schemas.microsoft.com/office/drawing/2014/main" xmlns="" w="9525">
+                <a14:hiddenLine xmlns="" xmlns:a16="http://schemas.microsoft.com/office/drawing/2014/main" xmlns:a14="http://schemas.microsoft.com/office/drawing/2010/main" w="9525">
                   <a:solidFill>
                     <a:srgbClr val="000000"/>
                   </a:solidFill>
@@ -28870,7 +28867,7 @@
             </a:ln>
             <a:extLst>
               <a:ext uri="{91240B29-F687-4f45-9708-019B960494DF}">
-                <a14:hiddenLine xmlns:a14="http://schemas.microsoft.com/office/drawing/2010/main" xmlns:a16="http://schemas.microsoft.com/office/drawing/2014/main" xmlns="" w="9525">
+                <a14:hiddenLine xmlns="" xmlns:a16="http://schemas.microsoft.com/office/drawing/2014/main" xmlns:a14="http://schemas.microsoft.com/office/drawing/2010/main" w="9525">
                   <a:solidFill>
                     <a:srgbClr val="000000"/>
                   </a:solidFill>
@@ -28975,7 +28972,7 @@
             </a:ln>
             <a:extLst>
               <a:ext uri="{91240B29-F687-4f45-9708-019B960494DF}">
-                <a14:hiddenLine xmlns:a14="http://schemas.microsoft.com/office/drawing/2010/main" xmlns:a16="http://schemas.microsoft.com/office/drawing/2014/main" xmlns="" w="9525">
+                <a14:hiddenLine xmlns="" xmlns:a16="http://schemas.microsoft.com/office/drawing/2014/main" xmlns:a14="http://schemas.microsoft.com/office/drawing/2010/main" w="9525">
                   <a:solidFill>
                     <a:srgbClr val="000000"/>
                   </a:solidFill>
@@ -29052,7 +29049,7 @@
             </a:ln>
             <a:extLst>
               <a:ext uri="{91240B29-F687-4f45-9708-019B960494DF}">
-                <a14:hiddenLine xmlns:a14="http://schemas.microsoft.com/office/drawing/2010/main" xmlns:a16="http://schemas.microsoft.com/office/drawing/2014/main" xmlns="" w="9525">
+                <a14:hiddenLine xmlns="" xmlns:a16="http://schemas.microsoft.com/office/drawing/2014/main" xmlns:a14="http://schemas.microsoft.com/office/drawing/2010/main" w="9525">
                   <a:solidFill>
                     <a:srgbClr val="000000"/>
                   </a:solidFill>
@@ -29129,7 +29126,7 @@
             </a:ln>
             <a:extLst>
               <a:ext uri="{91240B29-F687-4f45-9708-019B960494DF}">
-                <a14:hiddenLine xmlns:a14="http://schemas.microsoft.com/office/drawing/2010/main" xmlns:a16="http://schemas.microsoft.com/office/drawing/2014/main" xmlns="" w="9525">
+                <a14:hiddenLine xmlns="" xmlns:a16="http://schemas.microsoft.com/office/drawing/2014/main" xmlns:a14="http://schemas.microsoft.com/office/drawing/2010/main" w="9525">
                   <a:solidFill>
                     <a:srgbClr val="000000"/>
                   </a:solidFill>
@@ -29234,7 +29231,7 @@
             </a:ln>
             <a:extLst>
               <a:ext uri="{91240B29-F687-4f45-9708-019B960494DF}">
-                <a14:hiddenLine xmlns:a14="http://schemas.microsoft.com/office/drawing/2010/main" xmlns:a16="http://schemas.microsoft.com/office/drawing/2014/main" xmlns="" w="9525">
+                <a14:hiddenLine xmlns="" xmlns:a16="http://schemas.microsoft.com/office/drawing/2014/main" xmlns:a14="http://schemas.microsoft.com/office/drawing/2010/main" w="9525">
                   <a:solidFill>
                     <a:srgbClr val="000000"/>
                   </a:solidFill>
@@ -29317,7 +29314,7 @@
             </a:ln>
             <a:extLst>
               <a:ext uri="{91240B29-F687-4f45-9708-019B960494DF}">
-                <a14:hiddenLine xmlns:a14="http://schemas.microsoft.com/office/drawing/2010/main" xmlns:a16="http://schemas.microsoft.com/office/drawing/2014/main" xmlns="" w="9525">
+                <a14:hiddenLine xmlns="" xmlns:a16="http://schemas.microsoft.com/office/drawing/2014/main" xmlns:a14="http://schemas.microsoft.com/office/drawing/2010/main" w="9525">
                   <a:solidFill>
                     <a:srgbClr val="000000"/>
                   </a:solidFill>
@@ -29394,7 +29391,7 @@
             </a:ln>
             <a:extLst>
               <a:ext uri="{91240B29-F687-4f45-9708-019B960494DF}">
-                <a14:hiddenLine xmlns:a14="http://schemas.microsoft.com/office/drawing/2010/main" xmlns:a16="http://schemas.microsoft.com/office/drawing/2014/main" xmlns="" w="9525">
+                <a14:hiddenLine xmlns="" xmlns:a16="http://schemas.microsoft.com/office/drawing/2014/main" xmlns:a14="http://schemas.microsoft.com/office/drawing/2010/main" w="9525">
                   <a:solidFill>
                     <a:srgbClr val="000000"/>
                   </a:solidFill>
@@ -29499,7 +29496,7 @@
             </a:ln>
             <a:extLst>
               <a:ext uri="{91240B29-F687-4f45-9708-019B960494DF}">
-                <a14:hiddenLine xmlns:a14="http://schemas.microsoft.com/office/drawing/2010/main" xmlns:a16="http://schemas.microsoft.com/office/drawing/2014/main" xmlns="" w="9525">
+                <a14:hiddenLine xmlns="" xmlns:a16="http://schemas.microsoft.com/office/drawing/2014/main" xmlns:a14="http://schemas.microsoft.com/office/drawing/2010/main" w="9525">
                   <a:solidFill>
                     <a:srgbClr val="000000"/>
                   </a:solidFill>
@@ -29576,7 +29573,7 @@
             </a:ln>
             <a:extLst>
               <a:ext uri="{91240B29-F687-4f45-9708-019B960494DF}">
-                <a14:hiddenLine xmlns:a14="http://schemas.microsoft.com/office/drawing/2010/main" xmlns:a16="http://schemas.microsoft.com/office/drawing/2014/main" xmlns="" w="9525">
+                <a14:hiddenLine xmlns="" xmlns:a16="http://schemas.microsoft.com/office/drawing/2014/main" xmlns:a14="http://schemas.microsoft.com/office/drawing/2010/main" w="9525">
                   <a:solidFill>
                     <a:srgbClr val="000000"/>
                   </a:solidFill>
@@ -29681,7 +29678,7 @@
             </a:ln>
             <a:extLst>
               <a:ext uri="{91240B29-F687-4f45-9708-019B960494DF}">
-                <a14:hiddenLine xmlns:a14="http://schemas.microsoft.com/office/drawing/2010/main" xmlns:a16="http://schemas.microsoft.com/office/drawing/2014/main" xmlns="" w="9525">
+                <a14:hiddenLine xmlns="" xmlns:a16="http://schemas.microsoft.com/office/drawing/2014/main" xmlns:a14="http://schemas.microsoft.com/office/drawing/2010/main" w="9525">
                   <a:solidFill>
                     <a:srgbClr val="000000"/>
                   </a:solidFill>
@@ -29758,7 +29755,7 @@
             </a:ln>
             <a:extLst>
               <a:ext uri="{91240B29-F687-4f45-9708-019B960494DF}">
-                <a14:hiddenLine xmlns:a14="http://schemas.microsoft.com/office/drawing/2010/main" xmlns:a16="http://schemas.microsoft.com/office/drawing/2014/main" xmlns="" w="9525">
+                <a14:hiddenLine xmlns="" xmlns:a16="http://schemas.microsoft.com/office/drawing/2014/main" xmlns:a14="http://schemas.microsoft.com/office/drawing/2010/main" w="9525">
                   <a:solidFill>
                     <a:srgbClr val="000000"/>
                   </a:solidFill>
@@ -29863,7 +29860,7 @@
             </a:ln>
             <a:extLst>
               <a:ext uri="{91240B29-F687-4f45-9708-019B960494DF}">
-                <a14:hiddenLine xmlns:a14="http://schemas.microsoft.com/office/drawing/2010/main" xmlns:a16="http://schemas.microsoft.com/office/drawing/2014/main" xmlns="" w="9525">
+                <a14:hiddenLine xmlns="" xmlns:a16="http://schemas.microsoft.com/office/drawing/2014/main" xmlns:a14="http://schemas.microsoft.com/office/drawing/2010/main" w="9525">
                   <a:solidFill>
                     <a:srgbClr val="000000"/>
                   </a:solidFill>
@@ -29912,7 +29909,7 @@
             </a:ln>
             <a:extLst>
               <a:ext uri="{91240B29-F687-4f45-9708-019B960494DF}">
-                <a14:hiddenLine xmlns:a14="http://schemas.microsoft.com/office/drawing/2010/main" xmlns:a16="http://schemas.microsoft.com/office/drawing/2014/main" xmlns="" w="9525">
+                <a14:hiddenLine xmlns="" xmlns:a16="http://schemas.microsoft.com/office/drawing/2014/main" xmlns:a14="http://schemas.microsoft.com/office/drawing/2010/main" w="9525">
                   <a:solidFill>
                     <a:srgbClr val="000000"/>
                   </a:solidFill>
@@ -29992,7 +29989,7 @@
             </a:ln>
             <a:extLst>
               <a:ext uri="{91240B29-F687-4f45-9708-019B960494DF}">
-                <a14:hiddenLine xmlns:a14="http://schemas.microsoft.com/office/drawing/2010/main" xmlns:a16="http://schemas.microsoft.com/office/drawing/2014/main" xmlns="" w="9525">
+                <a14:hiddenLine xmlns="" xmlns:a16="http://schemas.microsoft.com/office/drawing/2014/main" xmlns:a14="http://schemas.microsoft.com/office/drawing/2010/main" w="9525">
                   <a:solidFill>
                     <a:srgbClr val="000000"/>
                   </a:solidFill>
@@ -30097,7 +30094,7 @@
             </a:ln>
             <a:extLst>
               <a:ext uri="{91240B29-F687-4f45-9708-019B960494DF}">
-                <a14:hiddenLine xmlns:a14="http://schemas.microsoft.com/office/drawing/2010/main" xmlns:a16="http://schemas.microsoft.com/office/drawing/2014/main" xmlns="" w="9525">
+                <a14:hiddenLine xmlns="" xmlns:a16="http://schemas.microsoft.com/office/drawing/2014/main" xmlns:a14="http://schemas.microsoft.com/office/drawing/2010/main" w="9525">
                   <a:solidFill>
                     <a:srgbClr val="000000"/>
                   </a:solidFill>
@@ -30174,7 +30171,7 @@
             </a:ln>
             <a:extLst>
               <a:ext uri="{91240B29-F687-4f45-9708-019B960494DF}">
-                <a14:hiddenLine xmlns:a14="http://schemas.microsoft.com/office/drawing/2010/main" xmlns:a16="http://schemas.microsoft.com/office/drawing/2014/main" xmlns="" w="9525">
+                <a14:hiddenLine xmlns="" xmlns:a16="http://schemas.microsoft.com/office/drawing/2014/main" xmlns:a14="http://schemas.microsoft.com/office/drawing/2010/main" w="9525">
                   <a:solidFill>
                     <a:srgbClr val="000000"/>
                   </a:solidFill>
@@ -30279,7 +30276,7 @@
             </a:ln>
             <a:extLst>
               <a:ext uri="{91240B29-F687-4f45-9708-019B960494DF}">
-                <a14:hiddenLine xmlns:a14="http://schemas.microsoft.com/office/drawing/2010/main" xmlns:a16="http://schemas.microsoft.com/office/drawing/2014/main" xmlns="" w="9525">
+                <a14:hiddenLine xmlns="" xmlns:a16="http://schemas.microsoft.com/office/drawing/2014/main" xmlns:a14="http://schemas.microsoft.com/office/drawing/2010/main" w="9525">
                   <a:solidFill>
                     <a:srgbClr val="000000"/>
                   </a:solidFill>
@@ -30384,7 +30381,7 @@
             </a:ln>
             <a:extLst>
               <a:ext uri="{91240B29-F687-4f45-9708-019B960494DF}">
-                <a14:hiddenLine xmlns:a14="http://schemas.microsoft.com/office/drawing/2010/main" xmlns:a16="http://schemas.microsoft.com/office/drawing/2014/main" xmlns="" w="9525">
+                <a14:hiddenLine xmlns="" xmlns:a16="http://schemas.microsoft.com/office/drawing/2014/main" xmlns:a14="http://schemas.microsoft.com/office/drawing/2010/main" w="9525">
                   <a:solidFill>
                     <a:srgbClr val="000000"/>
                   </a:solidFill>
@@ -30464,7 +30461,7 @@
             </a:ln>
             <a:extLst>
               <a:ext uri="{91240B29-F687-4f45-9708-019B960494DF}">
-                <a14:hiddenLine xmlns:a14="http://schemas.microsoft.com/office/drawing/2010/main" xmlns:a16="http://schemas.microsoft.com/office/drawing/2014/main" xmlns="" w="9525">
+                <a14:hiddenLine xmlns="" xmlns:a16="http://schemas.microsoft.com/office/drawing/2014/main" xmlns:a14="http://schemas.microsoft.com/office/drawing/2010/main" w="9525">
                   <a:solidFill>
                     <a:srgbClr val="000000"/>
                   </a:solidFill>
@@ -30541,7 +30538,7 @@
             </a:ln>
             <a:extLst>
               <a:ext uri="{91240B29-F687-4f45-9708-019B960494DF}">
-                <a14:hiddenLine xmlns:a14="http://schemas.microsoft.com/office/drawing/2010/main" xmlns:a16="http://schemas.microsoft.com/office/drawing/2014/main" xmlns="" w="9525">
+                <a14:hiddenLine xmlns="" xmlns:a16="http://schemas.microsoft.com/office/drawing/2014/main" xmlns:a14="http://schemas.microsoft.com/office/drawing/2010/main" w="9525">
                   <a:solidFill>
                     <a:srgbClr val="000000"/>
                   </a:solidFill>
@@ -30646,7 +30643,7 @@
             </a:ln>
             <a:extLst>
               <a:ext uri="{91240B29-F687-4f45-9708-019B960494DF}">
-                <a14:hiddenLine xmlns:a14="http://schemas.microsoft.com/office/drawing/2010/main" xmlns:a16="http://schemas.microsoft.com/office/drawing/2014/main" xmlns="" w="9525">
+                <a14:hiddenLine xmlns="" xmlns:a16="http://schemas.microsoft.com/office/drawing/2014/main" xmlns:a14="http://schemas.microsoft.com/office/drawing/2010/main" w="9525">
                   <a:solidFill>
                     <a:srgbClr val="000000"/>
                   </a:solidFill>
@@ -30751,7 +30748,7 @@
             </a:ln>
             <a:extLst>
               <a:ext uri="{91240B29-F687-4f45-9708-019B960494DF}">
-                <a14:hiddenLine xmlns:a14="http://schemas.microsoft.com/office/drawing/2010/main" xmlns:a16="http://schemas.microsoft.com/office/drawing/2014/main" xmlns="" w="9525">
+                <a14:hiddenLine xmlns="" xmlns:a16="http://schemas.microsoft.com/office/drawing/2014/main" xmlns:a14="http://schemas.microsoft.com/office/drawing/2010/main" w="9525">
                   <a:solidFill>
                     <a:srgbClr val="000000"/>
                   </a:solidFill>
@@ -30828,7 +30825,7 @@
             </a:ln>
             <a:extLst>
               <a:ext uri="{91240B29-F687-4f45-9708-019B960494DF}">
-                <a14:hiddenLine xmlns:a14="http://schemas.microsoft.com/office/drawing/2010/main" xmlns:a16="http://schemas.microsoft.com/office/drawing/2014/main" xmlns="" w="9525">
+                <a14:hiddenLine xmlns="" xmlns:a16="http://schemas.microsoft.com/office/drawing/2014/main" xmlns:a14="http://schemas.microsoft.com/office/drawing/2010/main" w="9525">
                   <a:solidFill>
                     <a:srgbClr val="000000"/>
                   </a:solidFill>
@@ -30963,7 +30960,7 @@
             </a:ln>
             <a:extLst>
               <a:ext uri="{91240B29-F687-4f45-9708-019B960494DF}">
-                <a14:hiddenLine xmlns:a14="http://schemas.microsoft.com/office/drawing/2010/main" xmlns:a16="http://schemas.microsoft.com/office/drawing/2014/main" xmlns="" w="9525">
+                <a14:hiddenLine xmlns="" xmlns:a16="http://schemas.microsoft.com/office/drawing/2014/main" xmlns:a14="http://schemas.microsoft.com/office/drawing/2010/main" w="9525">
                   <a:solidFill>
                     <a:srgbClr val="000000"/>
                   </a:solidFill>
@@ -31046,7 +31043,7 @@
             </a:ln>
             <a:extLst>
               <a:ext uri="{91240B29-F687-4f45-9708-019B960494DF}">
-                <a14:hiddenLine xmlns:a14="http://schemas.microsoft.com/office/drawing/2010/main" xmlns:a16="http://schemas.microsoft.com/office/drawing/2014/main" xmlns="" w="9525">
+                <a14:hiddenLine xmlns="" xmlns:a16="http://schemas.microsoft.com/office/drawing/2014/main" xmlns:a14="http://schemas.microsoft.com/office/drawing/2010/main" w="9525">
                   <a:solidFill>
                     <a:srgbClr val="000000"/>
                   </a:solidFill>
@@ -31151,7 +31148,7 @@
             </a:ln>
             <a:extLst>
               <a:ext uri="{91240B29-F687-4f45-9708-019B960494DF}">
-                <a14:hiddenLine xmlns:a14="http://schemas.microsoft.com/office/drawing/2010/main" xmlns:a16="http://schemas.microsoft.com/office/drawing/2014/main" xmlns="" w="9525">
+                <a14:hiddenLine xmlns="" xmlns:a16="http://schemas.microsoft.com/office/drawing/2014/main" xmlns:a14="http://schemas.microsoft.com/office/drawing/2010/main" w="9525">
                   <a:solidFill>
                     <a:srgbClr val="000000"/>
                   </a:solidFill>
@@ -31298,7 +31295,7 @@
             </a:ln>
             <a:extLst>
               <a:ext uri="{91240B29-F687-4f45-9708-019B960494DF}">
-                <a14:hiddenLine xmlns:a14="http://schemas.microsoft.com/office/drawing/2010/main" xmlns:p14="http://schemas.microsoft.com/office/powerpoint/2010/main" xmlns:a16="http://schemas.microsoft.com/office/drawing/2014/main" xmlns="" w="9525">
+                <a14:hiddenLine xmlns="" xmlns:a16="http://schemas.microsoft.com/office/drawing/2014/main" xmlns:p14="http://schemas.microsoft.com/office/powerpoint/2010/main" xmlns:a14="http://schemas.microsoft.com/office/drawing/2010/main" w="9525">
                   <a:solidFill>
                     <a:srgbClr val="000000"/>
                   </a:solidFill>
@@ -31403,7 +31400,7 @@
             </a:ln>
             <a:extLst>
               <a:ext uri="{91240B29-F687-4f45-9708-019B960494DF}">
-                <a14:hiddenLine xmlns:a14="http://schemas.microsoft.com/office/drawing/2010/main" xmlns:p14="http://schemas.microsoft.com/office/powerpoint/2010/main" xmlns:a16="http://schemas.microsoft.com/office/drawing/2014/main" xmlns="" w="9525">
+                <a14:hiddenLine xmlns="" xmlns:a16="http://schemas.microsoft.com/office/drawing/2014/main" xmlns:p14="http://schemas.microsoft.com/office/powerpoint/2010/main" xmlns:a14="http://schemas.microsoft.com/office/drawing/2010/main" w="9525">
                   <a:solidFill>
                     <a:srgbClr val="000000"/>
                   </a:solidFill>
@@ -31508,7 +31505,7 @@
             </a:ln>
             <a:extLst>
               <a:ext uri="{91240B29-F687-4f45-9708-019B960494DF}">
-                <a14:hiddenLine xmlns:a14="http://schemas.microsoft.com/office/drawing/2010/main" xmlns:p14="http://schemas.microsoft.com/office/powerpoint/2010/main" xmlns:a16="http://schemas.microsoft.com/office/drawing/2014/main" xmlns="" w="9525">
+                <a14:hiddenLine xmlns="" xmlns:a16="http://schemas.microsoft.com/office/drawing/2014/main" xmlns:p14="http://schemas.microsoft.com/office/powerpoint/2010/main" xmlns:a14="http://schemas.microsoft.com/office/drawing/2010/main" w="9525">
                   <a:solidFill>
                     <a:srgbClr val="000000"/>
                   </a:solidFill>
@@ -31557,7 +31554,7 @@
             </a:ln>
             <a:extLst>
               <a:ext uri="{91240B29-F687-4f45-9708-019B960494DF}">
-                <a14:hiddenLine xmlns:a14="http://schemas.microsoft.com/office/drawing/2010/main" xmlns:p14="http://schemas.microsoft.com/office/powerpoint/2010/main" xmlns:a16="http://schemas.microsoft.com/office/drawing/2014/main" xmlns="" w="9525">
+                <a14:hiddenLine xmlns="" xmlns:a16="http://schemas.microsoft.com/office/drawing/2014/main" xmlns:p14="http://schemas.microsoft.com/office/powerpoint/2010/main" xmlns:a14="http://schemas.microsoft.com/office/drawing/2010/main" w="9525">
                   <a:solidFill>
                     <a:srgbClr val="000000"/>
                   </a:solidFill>
@@ -31662,7 +31659,7 @@
             </a:ln>
             <a:extLst>
               <a:ext uri="{91240B29-F687-4f45-9708-019B960494DF}">
-                <a14:hiddenLine xmlns:a14="http://schemas.microsoft.com/office/drawing/2010/main" xmlns:p14="http://schemas.microsoft.com/office/powerpoint/2010/main" xmlns:a16="http://schemas.microsoft.com/office/drawing/2014/main" xmlns="" w="9525">
+                <a14:hiddenLine xmlns="" xmlns:a16="http://schemas.microsoft.com/office/drawing/2014/main" xmlns:p14="http://schemas.microsoft.com/office/powerpoint/2010/main" xmlns:a14="http://schemas.microsoft.com/office/drawing/2010/main" w="9525">
                   <a:solidFill>
                     <a:srgbClr val="000000"/>
                   </a:solidFill>
@@ -31739,7 +31736,7 @@
             </a:ln>
             <a:extLst>
               <a:ext uri="{91240B29-F687-4f45-9708-019B960494DF}">
-                <a14:hiddenLine xmlns:a14="http://schemas.microsoft.com/office/drawing/2010/main" xmlns:p14="http://schemas.microsoft.com/office/powerpoint/2010/main" xmlns:a16="http://schemas.microsoft.com/office/drawing/2014/main" xmlns="" w="9525">
+                <a14:hiddenLine xmlns="" xmlns:a16="http://schemas.microsoft.com/office/drawing/2014/main" xmlns:p14="http://schemas.microsoft.com/office/powerpoint/2010/main" xmlns:a14="http://schemas.microsoft.com/office/drawing/2010/main" w="9525">
                   <a:solidFill>
                     <a:srgbClr val="000000"/>
                   </a:solidFill>
@@ -31816,7 +31813,7 @@
             </a:ln>
             <a:extLst>
               <a:ext uri="{91240B29-F687-4f45-9708-019B960494DF}">
-                <a14:hiddenLine xmlns:a14="http://schemas.microsoft.com/office/drawing/2010/main" xmlns:p14="http://schemas.microsoft.com/office/powerpoint/2010/main" xmlns:a16="http://schemas.microsoft.com/office/drawing/2014/main" xmlns="" w="9525">
+                <a14:hiddenLine xmlns="" xmlns:a16="http://schemas.microsoft.com/office/drawing/2014/main" xmlns:p14="http://schemas.microsoft.com/office/powerpoint/2010/main" xmlns:a14="http://schemas.microsoft.com/office/drawing/2010/main" w="9525">
                   <a:solidFill>
                     <a:srgbClr val="000000"/>
                   </a:solidFill>
@@ -31921,7 +31918,7 @@
             </a:ln>
             <a:extLst>
               <a:ext uri="{91240B29-F687-4f45-9708-019B960494DF}">
-                <a14:hiddenLine xmlns:a14="http://schemas.microsoft.com/office/drawing/2010/main" xmlns:p14="http://schemas.microsoft.com/office/powerpoint/2010/main" xmlns:a16="http://schemas.microsoft.com/office/drawing/2014/main" xmlns="" w="9525">
+                <a14:hiddenLine xmlns="" xmlns:a16="http://schemas.microsoft.com/office/drawing/2014/main" xmlns:p14="http://schemas.microsoft.com/office/powerpoint/2010/main" xmlns:a14="http://schemas.microsoft.com/office/drawing/2010/main" w="9525">
                   <a:solidFill>
                     <a:srgbClr val="000000"/>
                   </a:solidFill>
@@ -31998,7 +31995,7 @@
             </a:ln>
             <a:extLst>
               <a:ext uri="{91240B29-F687-4f45-9708-019B960494DF}">
-                <a14:hiddenLine xmlns:a14="http://schemas.microsoft.com/office/drawing/2010/main" xmlns:p14="http://schemas.microsoft.com/office/powerpoint/2010/main" xmlns:a16="http://schemas.microsoft.com/office/drawing/2014/main" xmlns="" w="9525">
+                <a14:hiddenLine xmlns="" xmlns:a16="http://schemas.microsoft.com/office/drawing/2014/main" xmlns:p14="http://schemas.microsoft.com/office/powerpoint/2010/main" xmlns:a14="http://schemas.microsoft.com/office/drawing/2010/main" w="9525">
                   <a:solidFill>
                     <a:srgbClr val="000000"/>
                   </a:solidFill>
@@ -32075,7 +32072,7 @@
             </a:ln>
             <a:extLst>
               <a:ext uri="{91240B29-F687-4f45-9708-019B960494DF}">
-                <a14:hiddenLine xmlns:a14="http://schemas.microsoft.com/office/drawing/2010/main" xmlns:p14="http://schemas.microsoft.com/office/powerpoint/2010/main" xmlns:a16="http://schemas.microsoft.com/office/drawing/2014/main" xmlns="" w="9525">
+                <a14:hiddenLine xmlns="" xmlns:a16="http://schemas.microsoft.com/office/drawing/2014/main" xmlns:p14="http://schemas.microsoft.com/office/powerpoint/2010/main" xmlns:a14="http://schemas.microsoft.com/office/drawing/2010/main" w="9525">
                   <a:solidFill>
                     <a:srgbClr val="000000"/>
                   </a:solidFill>
@@ -32180,7 +32177,7 @@
             </a:ln>
             <a:extLst>
               <a:ext uri="{91240B29-F687-4f45-9708-019B960494DF}">
-                <a14:hiddenLine xmlns:a14="http://schemas.microsoft.com/office/drawing/2010/main" xmlns:p14="http://schemas.microsoft.com/office/powerpoint/2010/main" xmlns:a16="http://schemas.microsoft.com/office/drawing/2014/main" xmlns="" w="9525">
+                <a14:hiddenLine xmlns="" xmlns:a16="http://schemas.microsoft.com/office/drawing/2014/main" xmlns:p14="http://schemas.microsoft.com/office/powerpoint/2010/main" xmlns:a14="http://schemas.microsoft.com/office/drawing/2010/main" w="9525">
                   <a:solidFill>
                     <a:srgbClr val="000000"/>
                   </a:solidFill>
@@ -32285,7 +32282,7 @@
             </a:ln>
             <a:extLst>
               <a:ext uri="{91240B29-F687-4f45-9708-019B960494DF}">
-                <a14:hiddenLine xmlns:a14="http://schemas.microsoft.com/office/drawing/2010/main" xmlns:p14="http://schemas.microsoft.com/office/powerpoint/2010/main" xmlns:a16="http://schemas.microsoft.com/office/drawing/2014/main" xmlns="" w="9525">
+                <a14:hiddenLine xmlns="" xmlns:a16="http://schemas.microsoft.com/office/drawing/2014/main" xmlns:p14="http://schemas.microsoft.com/office/powerpoint/2010/main" xmlns:a14="http://schemas.microsoft.com/office/drawing/2010/main" w="9525">
                   <a:solidFill>
                     <a:srgbClr val="000000"/>
                   </a:solidFill>
@@ -32362,7 +32359,7 @@
             </a:ln>
             <a:extLst>
               <a:ext uri="{91240B29-F687-4f45-9708-019B960494DF}">
-                <a14:hiddenLine xmlns:a14="http://schemas.microsoft.com/office/drawing/2010/main" xmlns:p14="http://schemas.microsoft.com/office/powerpoint/2010/main" xmlns:a16="http://schemas.microsoft.com/office/drawing/2014/main" xmlns="" w="9525">
+                <a14:hiddenLine xmlns="" xmlns:a16="http://schemas.microsoft.com/office/drawing/2014/main" xmlns:p14="http://schemas.microsoft.com/office/powerpoint/2010/main" xmlns:a14="http://schemas.microsoft.com/office/drawing/2010/main" w="9525">
                   <a:solidFill>
                     <a:srgbClr val="000000"/>
                   </a:solidFill>
@@ -32487,7 +32484,7 @@
             </a:ln>
             <a:extLst>
               <a:ext uri="{91240B29-F687-4f45-9708-019B960494DF}">
-                <a14:hiddenLine xmlns:a14="http://schemas.microsoft.com/office/drawing/2010/main" xmlns:p14="http://schemas.microsoft.com/office/powerpoint/2010/main" xmlns:a16="http://schemas.microsoft.com/office/drawing/2014/main" xmlns="" w="9525">
+                <a14:hiddenLine xmlns="" xmlns:a16="http://schemas.microsoft.com/office/drawing/2014/main" xmlns:p14="http://schemas.microsoft.com/office/powerpoint/2010/main" xmlns:a14="http://schemas.microsoft.com/office/drawing/2010/main" w="9525">
                   <a:solidFill>
                     <a:srgbClr val="000000"/>
                   </a:solidFill>
@@ -32564,7 +32561,7 @@
             </a:ln>
             <a:extLst>
               <a:ext uri="{91240B29-F687-4f45-9708-019B960494DF}">
-                <a14:hiddenLine xmlns:a14="http://schemas.microsoft.com/office/drawing/2010/main" xmlns:p14="http://schemas.microsoft.com/office/powerpoint/2010/main" xmlns:a16="http://schemas.microsoft.com/office/drawing/2014/main" xmlns="" w="9525">
+                <a14:hiddenLine xmlns="" xmlns:a16="http://schemas.microsoft.com/office/drawing/2014/main" xmlns:p14="http://schemas.microsoft.com/office/powerpoint/2010/main" xmlns:a14="http://schemas.microsoft.com/office/drawing/2010/main" w="9525">
                   <a:solidFill>
                     <a:srgbClr val="000000"/>
                   </a:solidFill>
@@ -32669,7 +32666,7 @@
             </a:ln>
             <a:extLst>
               <a:ext uri="{91240B29-F687-4f45-9708-019B960494DF}">
-                <a14:hiddenLine xmlns:a14="http://schemas.microsoft.com/office/drawing/2010/main" xmlns:p14="http://schemas.microsoft.com/office/powerpoint/2010/main" xmlns:a16="http://schemas.microsoft.com/office/drawing/2014/main" xmlns="" w="9525">
+                <a14:hiddenLine xmlns="" xmlns:a16="http://schemas.microsoft.com/office/drawing/2014/main" xmlns:p14="http://schemas.microsoft.com/office/powerpoint/2010/main" xmlns:a14="http://schemas.microsoft.com/office/drawing/2010/main" w="9525">
                   <a:solidFill>
                     <a:srgbClr val="000000"/>
                   </a:solidFill>
@@ -32774,7 +32771,7 @@
             </a:ln>
             <a:extLst>
               <a:ext uri="{91240B29-F687-4f45-9708-019B960494DF}">
-                <a14:hiddenLine xmlns:a14="http://schemas.microsoft.com/office/drawing/2010/main" xmlns:p14="http://schemas.microsoft.com/office/powerpoint/2010/main" xmlns:a16="http://schemas.microsoft.com/office/drawing/2014/main" xmlns="" w="9525">
+                <a14:hiddenLine xmlns="" xmlns:a16="http://schemas.microsoft.com/office/drawing/2014/main" xmlns:p14="http://schemas.microsoft.com/office/powerpoint/2010/main" xmlns:a14="http://schemas.microsoft.com/office/drawing/2010/main" w="9525">
                   <a:solidFill>
                     <a:srgbClr val="000000"/>
                   </a:solidFill>
@@ -32851,7 +32848,7 @@
             </a:ln>
             <a:extLst>
               <a:ext uri="{91240B29-F687-4f45-9708-019B960494DF}">
-                <a14:hiddenLine xmlns:a14="http://schemas.microsoft.com/office/drawing/2010/main" xmlns:p14="http://schemas.microsoft.com/office/powerpoint/2010/main" xmlns:a16="http://schemas.microsoft.com/office/drawing/2014/main" xmlns="" w="9525">
+                <a14:hiddenLine xmlns="" xmlns:a16="http://schemas.microsoft.com/office/drawing/2014/main" xmlns:p14="http://schemas.microsoft.com/office/powerpoint/2010/main" xmlns:a14="http://schemas.microsoft.com/office/drawing/2010/main" w="9525">
                   <a:solidFill>
                     <a:srgbClr val="000000"/>
                   </a:solidFill>
@@ -32956,7 +32953,7 @@
             </a:ln>
             <a:extLst>
               <a:ext uri="{91240B29-F687-4f45-9708-019B960494DF}">
-                <a14:hiddenLine xmlns:a14="http://schemas.microsoft.com/office/drawing/2010/main" xmlns:p14="http://schemas.microsoft.com/office/powerpoint/2010/main" xmlns:a16="http://schemas.microsoft.com/office/drawing/2014/main" xmlns="" w="9525">
+                <a14:hiddenLine xmlns="" xmlns:a16="http://schemas.microsoft.com/office/drawing/2014/main" xmlns:p14="http://schemas.microsoft.com/office/powerpoint/2010/main" xmlns:a14="http://schemas.microsoft.com/office/drawing/2010/main" w="9525">
                   <a:solidFill>
                     <a:srgbClr val="000000"/>
                   </a:solidFill>
@@ -33061,7 +33058,7 @@
             </a:ln>
             <a:extLst>
               <a:ext uri="{91240B29-F687-4f45-9708-019B960494DF}">
-                <a14:hiddenLine xmlns:a14="http://schemas.microsoft.com/office/drawing/2010/main" xmlns:p14="http://schemas.microsoft.com/office/powerpoint/2010/main" xmlns:a16="http://schemas.microsoft.com/office/drawing/2014/main" xmlns="" w="9525">
+                <a14:hiddenLine xmlns="" xmlns:a16="http://schemas.microsoft.com/office/drawing/2014/main" xmlns:p14="http://schemas.microsoft.com/office/powerpoint/2010/main" xmlns:a14="http://schemas.microsoft.com/office/drawing/2010/main" w="9525">
                   <a:solidFill>
                     <a:srgbClr val="000000"/>
                   </a:solidFill>
@@ -33132,7 +33129,7 @@
             </a:ln>
             <a:extLst>
               <a:ext uri="{91240B29-F687-4f45-9708-019B960494DF}">
-                <a14:hiddenLine xmlns:a14="http://schemas.microsoft.com/office/drawing/2010/main" xmlns:p14="http://schemas.microsoft.com/office/powerpoint/2010/main" xmlns:a16="http://schemas.microsoft.com/office/drawing/2014/main" xmlns="" w="9525">
+                <a14:hiddenLine xmlns="" xmlns:a16="http://schemas.microsoft.com/office/drawing/2014/main" xmlns:p14="http://schemas.microsoft.com/office/powerpoint/2010/main" xmlns:a14="http://schemas.microsoft.com/office/drawing/2010/main" w="9525">
                   <a:solidFill>
                     <a:srgbClr val="000000"/>
                   </a:solidFill>
@@ -33237,7 +33234,7 @@
             </a:ln>
             <a:extLst>
               <a:ext uri="{91240B29-F687-4f45-9708-019B960494DF}">
-                <a14:hiddenLine xmlns:a14="http://schemas.microsoft.com/office/drawing/2010/main" xmlns:p14="http://schemas.microsoft.com/office/powerpoint/2010/main" xmlns:a16="http://schemas.microsoft.com/office/drawing/2014/main" xmlns="" w="9525">
+                <a14:hiddenLine xmlns="" xmlns:a16="http://schemas.microsoft.com/office/drawing/2014/main" xmlns:p14="http://schemas.microsoft.com/office/powerpoint/2010/main" xmlns:a14="http://schemas.microsoft.com/office/drawing/2010/main" w="9525">
                   <a:solidFill>
                     <a:srgbClr val="000000"/>
                   </a:solidFill>
@@ -33308,7 +33305,7 @@
             </a:ln>
             <a:extLst>
               <a:ext uri="{91240B29-F687-4f45-9708-019B960494DF}">
-                <a14:hiddenLine xmlns:a14="http://schemas.microsoft.com/office/drawing/2010/main" xmlns:p14="http://schemas.microsoft.com/office/powerpoint/2010/main" xmlns:a16="http://schemas.microsoft.com/office/drawing/2014/main" xmlns="" w="9525">
+                <a14:hiddenLine xmlns="" xmlns:a16="http://schemas.microsoft.com/office/drawing/2014/main" xmlns:p14="http://schemas.microsoft.com/office/powerpoint/2010/main" xmlns:a14="http://schemas.microsoft.com/office/drawing/2010/main" w="9525">
                   <a:solidFill>
                     <a:srgbClr val="000000"/>
                   </a:solidFill>
@@ -33413,7 +33410,7 @@
             </a:ln>
             <a:extLst>
               <a:ext uri="{91240B29-F687-4f45-9708-019B960494DF}">
-                <a14:hiddenLine xmlns:a14="http://schemas.microsoft.com/office/drawing/2010/main" xmlns:p14="http://schemas.microsoft.com/office/powerpoint/2010/main" xmlns:a16="http://schemas.microsoft.com/office/drawing/2014/main" xmlns="" w="9525">
+                <a14:hiddenLine xmlns="" xmlns:a16="http://schemas.microsoft.com/office/drawing/2014/main" xmlns:p14="http://schemas.microsoft.com/office/powerpoint/2010/main" xmlns:a14="http://schemas.microsoft.com/office/drawing/2010/main" w="9525">
                   <a:solidFill>
                     <a:srgbClr val="000000"/>
                   </a:solidFill>
@@ -33496,7 +33493,7 @@
             </a:ln>
             <a:extLst>
               <a:ext uri="{91240B29-F687-4f45-9708-019B960494DF}">
-                <a14:hiddenLine xmlns:a14="http://schemas.microsoft.com/office/drawing/2010/main" xmlns:p14="http://schemas.microsoft.com/office/powerpoint/2010/main" xmlns:a16="http://schemas.microsoft.com/office/drawing/2014/main" xmlns="" w="9525">
+                <a14:hiddenLine xmlns="" xmlns:a16="http://schemas.microsoft.com/office/drawing/2014/main" xmlns:p14="http://schemas.microsoft.com/office/powerpoint/2010/main" xmlns:a14="http://schemas.microsoft.com/office/drawing/2010/main" w="9525">
                   <a:solidFill>
                     <a:srgbClr val="000000"/>
                   </a:solidFill>
@@ -33601,7 +33598,7 @@
             </a:ln>
             <a:extLst>
               <a:ext uri="{91240B29-F687-4f45-9708-019B960494DF}">
-                <a14:hiddenLine xmlns:a14="http://schemas.microsoft.com/office/drawing/2010/main" xmlns:p14="http://schemas.microsoft.com/office/powerpoint/2010/main" xmlns:a16="http://schemas.microsoft.com/office/drawing/2014/main" xmlns="" w="9525">
+                <a14:hiddenLine xmlns="" xmlns:a16="http://schemas.microsoft.com/office/drawing/2014/main" xmlns:p14="http://schemas.microsoft.com/office/powerpoint/2010/main" xmlns:a14="http://schemas.microsoft.com/office/drawing/2010/main" w="9525">
                   <a:solidFill>
                     <a:srgbClr val="000000"/>
                   </a:solidFill>
@@ -33684,7 +33681,7 @@
             </a:ln>
             <a:extLst>
               <a:ext uri="{91240B29-F687-4f45-9708-019B960494DF}">
-                <a14:hiddenLine xmlns:a14="http://schemas.microsoft.com/office/drawing/2010/main" xmlns:p14="http://schemas.microsoft.com/office/powerpoint/2010/main" xmlns:a16="http://schemas.microsoft.com/office/drawing/2014/main" xmlns="" w="9525">
+                <a14:hiddenLine xmlns="" xmlns:a16="http://schemas.microsoft.com/office/drawing/2014/main" xmlns:p14="http://schemas.microsoft.com/office/powerpoint/2010/main" xmlns:a14="http://schemas.microsoft.com/office/drawing/2010/main" w="9525">
                   <a:solidFill>
                     <a:srgbClr val="000000"/>
                   </a:solidFill>
@@ -33789,7 +33786,7 @@
             </a:ln>
             <a:extLst>
               <a:ext uri="{91240B29-F687-4f45-9708-019B960494DF}">
-                <a14:hiddenLine xmlns:a14="http://schemas.microsoft.com/office/drawing/2010/main" xmlns:p14="http://schemas.microsoft.com/office/powerpoint/2010/main" xmlns:a16="http://schemas.microsoft.com/office/drawing/2014/main" xmlns="" w="9525">
+                <a14:hiddenLine xmlns="" xmlns:a16="http://schemas.microsoft.com/office/drawing/2014/main" xmlns:p14="http://schemas.microsoft.com/office/powerpoint/2010/main" xmlns:a14="http://schemas.microsoft.com/office/drawing/2010/main" w="9525">
                   <a:solidFill>
                     <a:srgbClr val="000000"/>
                   </a:solidFill>
@@ -33838,7 +33835,7 @@
             </a:ln>
             <a:extLst>
               <a:ext uri="{91240B29-F687-4f45-9708-019B960494DF}">
-                <a14:hiddenLine xmlns:a14="http://schemas.microsoft.com/office/drawing/2010/main" xmlns:p14="http://schemas.microsoft.com/office/powerpoint/2010/main" xmlns:a16="http://schemas.microsoft.com/office/drawing/2014/main" xmlns="" w="9525">
+                <a14:hiddenLine xmlns="" xmlns:a16="http://schemas.microsoft.com/office/drawing/2014/main" xmlns:p14="http://schemas.microsoft.com/office/powerpoint/2010/main" xmlns:a14="http://schemas.microsoft.com/office/drawing/2010/main" w="9525">
                   <a:solidFill>
                     <a:srgbClr val="000000"/>
                   </a:solidFill>
@@ -33943,7 +33940,7 @@
             </a:ln>
             <a:extLst>
               <a:ext uri="{91240B29-F687-4f45-9708-019B960494DF}">
-                <a14:hiddenLine xmlns:a14="http://schemas.microsoft.com/office/drawing/2010/main" xmlns:p14="http://schemas.microsoft.com/office/powerpoint/2010/main" xmlns:a16="http://schemas.microsoft.com/office/drawing/2014/main" xmlns="" w="9525">
+                <a14:hiddenLine xmlns="" xmlns:a16="http://schemas.microsoft.com/office/drawing/2014/main" xmlns:p14="http://schemas.microsoft.com/office/powerpoint/2010/main" xmlns:a14="http://schemas.microsoft.com/office/drawing/2010/main" w="9525">
                   <a:solidFill>
                     <a:srgbClr val="000000"/>
                   </a:solidFill>
@@ -34020,7 +34017,7 @@
             </a:ln>
             <a:extLst>
               <a:ext uri="{91240B29-F687-4f45-9708-019B960494DF}">
-                <a14:hiddenLine xmlns:a14="http://schemas.microsoft.com/office/drawing/2010/main" xmlns:p14="http://schemas.microsoft.com/office/powerpoint/2010/main" xmlns:a16="http://schemas.microsoft.com/office/drawing/2014/main" xmlns="" w="9525">
+                <a14:hiddenLine xmlns="" xmlns:a16="http://schemas.microsoft.com/office/drawing/2014/main" xmlns:p14="http://schemas.microsoft.com/office/powerpoint/2010/main" xmlns:a14="http://schemas.microsoft.com/office/drawing/2010/main" w="9525">
                   <a:solidFill>
                     <a:srgbClr val="000000"/>
                   </a:solidFill>
@@ -34097,7 +34094,7 @@
             </a:ln>
             <a:extLst>
               <a:ext uri="{91240B29-F687-4f45-9708-019B960494DF}">
-                <a14:hiddenLine xmlns:a14="http://schemas.microsoft.com/office/drawing/2010/main" xmlns:p14="http://schemas.microsoft.com/office/powerpoint/2010/main" xmlns:a16="http://schemas.microsoft.com/office/drawing/2014/main" xmlns="" w="9525">
+                <a14:hiddenLine xmlns="" xmlns:a16="http://schemas.microsoft.com/office/drawing/2014/main" xmlns:p14="http://schemas.microsoft.com/office/powerpoint/2010/main" xmlns:a14="http://schemas.microsoft.com/office/drawing/2010/main" w="9525">
                   <a:solidFill>
                     <a:srgbClr val="000000"/>
                   </a:solidFill>
@@ -34202,7 +34199,7 @@
             </a:ln>
             <a:extLst>
               <a:ext uri="{91240B29-F687-4f45-9708-019B960494DF}">
-                <a14:hiddenLine xmlns:a14="http://schemas.microsoft.com/office/drawing/2010/main" xmlns:p14="http://schemas.microsoft.com/office/powerpoint/2010/main" xmlns:a16="http://schemas.microsoft.com/office/drawing/2014/main" xmlns="" w="9525">
+                <a14:hiddenLine xmlns="" xmlns:a16="http://schemas.microsoft.com/office/drawing/2014/main" xmlns:p14="http://schemas.microsoft.com/office/powerpoint/2010/main" xmlns:a14="http://schemas.microsoft.com/office/drawing/2010/main" w="9525">
                   <a:solidFill>
                     <a:srgbClr val="000000"/>
                   </a:solidFill>
@@ -34285,7 +34282,7 @@
             </a:ln>
             <a:extLst>
               <a:ext uri="{91240B29-F687-4f45-9708-019B960494DF}">
-                <a14:hiddenLine xmlns:a14="http://schemas.microsoft.com/office/drawing/2010/main" xmlns:p14="http://schemas.microsoft.com/office/powerpoint/2010/main" xmlns:a16="http://schemas.microsoft.com/office/drawing/2014/main" xmlns="" w="9525">
+                <a14:hiddenLine xmlns="" xmlns:a16="http://schemas.microsoft.com/office/drawing/2014/main" xmlns:p14="http://schemas.microsoft.com/office/powerpoint/2010/main" xmlns:a14="http://schemas.microsoft.com/office/drawing/2010/main" w="9525">
                   <a:solidFill>
                     <a:srgbClr val="000000"/>
                   </a:solidFill>
@@ -34362,7 +34359,7 @@
             </a:ln>
             <a:extLst>
               <a:ext uri="{91240B29-F687-4f45-9708-019B960494DF}">
-                <a14:hiddenLine xmlns:a14="http://schemas.microsoft.com/office/drawing/2010/main" xmlns:p14="http://schemas.microsoft.com/office/powerpoint/2010/main" xmlns:a16="http://schemas.microsoft.com/office/drawing/2014/main" xmlns="" w="9525">
+                <a14:hiddenLine xmlns="" xmlns:a16="http://schemas.microsoft.com/office/drawing/2014/main" xmlns:p14="http://schemas.microsoft.com/office/powerpoint/2010/main" xmlns:a14="http://schemas.microsoft.com/office/drawing/2010/main" w="9525">
                   <a:solidFill>
                     <a:srgbClr val="000000"/>
                   </a:solidFill>
@@ -34467,7 +34464,7 @@
             </a:ln>
             <a:extLst>
               <a:ext uri="{91240B29-F687-4f45-9708-019B960494DF}">
-                <a14:hiddenLine xmlns:a14="http://schemas.microsoft.com/office/drawing/2010/main" xmlns:p14="http://schemas.microsoft.com/office/powerpoint/2010/main" xmlns:a16="http://schemas.microsoft.com/office/drawing/2014/main" xmlns="" w="9525">
+                <a14:hiddenLine xmlns="" xmlns:a16="http://schemas.microsoft.com/office/drawing/2014/main" xmlns:p14="http://schemas.microsoft.com/office/powerpoint/2010/main" xmlns:a14="http://schemas.microsoft.com/office/drawing/2010/main" w="9525">
                   <a:solidFill>
                     <a:srgbClr val="000000"/>
                   </a:solidFill>
@@ -34544,7 +34541,7 @@
             </a:ln>
             <a:extLst>
               <a:ext uri="{91240B29-F687-4f45-9708-019B960494DF}">
-                <a14:hiddenLine xmlns:a14="http://schemas.microsoft.com/office/drawing/2010/main" xmlns:p14="http://schemas.microsoft.com/office/powerpoint/2010/main" xmlns:a16="http://schemas.microsoft.com/office/drawing/2014/main" xmlns="" w="9525">
+                <a14:hiddenLine xmlns="" xmlns:a16="http://schemas.microsoft.com/office/drawing/2014/main" xmlns:p14="http://schemas.microsoft.com/office/powerpoint/2010/main" xmlns:a14="http://schemas.microsoft.com/office/drawing/2010/main" w="9525">
                   <a:solidFill>
                     <a:srgbClr val="000000"/>
                   </a:solidFill>
@@ -34649,7 +34646,7 @@
             </a:ln>
             <a:extLst>
               <a:ext uri="{91240B29-F687-4f45-9708-019B960494DF}">
-                <a14:hiddenLine xmlns:a14="http://schemas.microsoft.com/office/drawing/2010/main" xmlns:p14="http://schemas.microsoft.com/office/powerpoint/2010/main" xmlns:a16="http://schemas.microsoft.com/office/drawing/2014/main" xmlns="" w="9525">
+                <a14:hiddenLine xmlns="" xmlns:a16="http://schemas.microsoft.com/office/drawing/2014/main" xmlns:p14="http://schemas.microsoft.com/office/powerpoint/2010/main" xmlns:a14="http://schemas.microsoft.com/office/drawing/2010/main" w="9525">
                   <a:solidFill>
                     <a:srgbClr val="000000"/>
                   </a:solidFill>
@@ -34726,7 +34723,7 @@
             </a:ln>
             <a:extLst>
               <a:ext uri="{91240B29-F687-4f45-9708-019B960494DF}">
-                <a14:hiddenLine xmlns:a14="http://schemas.microsoft.com/office/drawing/2010/main" xmlns:p14="http://schemas.microsoft.com/office/powerpoint/2010/main" xmlns:a16="http://schemas.microsoft.com/office/drawing/2014/main" xmlns="" w="9525">
+                <a14:hiddenLine xmlns="" xmlns:a16="http://schemas.microsoft.com/office/drawing/2014/main" xmlns:p14="http://schemas.microsoft.com/office/powerpoint/2010/main" xmlns:a14="http://schemas.microsoft.com/office/drawing/2010/main" w="9525">
                   <a:solidFill>
                     <a:srgbClr val="000000"/>
                   </a:solidFill>
@@ -34831,7 +34828,7 @@
             </a:ln>
             <a:extLst>
               <a:ext uri="{91240B29-F687-4f45-9708-019B960494DF}">
-                <a14:hiddenLine xmlns:a14="http://schemas.microsoft.com/office/drawing/2010/main" xmlns:p14="http://schemas.microsoft.com/office/powerpoint/2010/main" xmlns:a16="http://schemas.microsoft.com/office/drawing/2014/main" xmlns="" w="9525">
+                <a14:hiddenLine xmlns="" xmlns:a16="http://schemas.microsoft.com/office/drawing/2014/main" xmlns:p14="http://schemas.microsoft.com/office/powerpoint/2010/main" xmlns:a14="http://schemas.microsoft.com/office/drawing/2010/main" w="9525">
                   <a:solidFill>
                     <a:srgbClr val="000000"/>
                   </a:solidFill>
@@ -34880,7 +34877,7 @@
             </a:ln>
             <a:extLst>
               <a:ext uri="{91240B29-F687-4f45-9708-019B960494DF}">
-                <a14:hiddenLine xmlns:a14="http://schemas.microsoft.com/office/drawing/2010/main" xmlns:p14="http://schemas.microsoft.com/office/powerpoint/2010/main" xmlns:a16="http://schemas.microsoft.com/office/drawing/2014/main" xmlns="" w="9525">
+                <a14:hiddenLine xmlns="" xmlns:a16="http://schemas.microsoft.com/office/drawing/2014/main" xmlns:p14="http://schemas.microsoft.com/office/powerpoint/2010/main" xmlns:a14="http://schemas.microsoft.com/office/drawing/2010/main" w="9525">
                   <a:solidFill>
                     <a:srgbClr val="000000"/>
                   </a:solidFill>
@@ -34960,7 +34957,7 @@
             </a:ln>
             <a:extLst>
               <a:ext uri="{91240B29-F687-4f45-9708-019B960494DF}">
-                <a14:hiddenLine xmlns:a14="http://schemas.microsoft.com/office/drawing/2010/main" xmlns:p14="http://schemas.microsoft.com/office/powerpoint/2010/main" xmlns:a16="http://schemas.microsoft.com/office/drawing/2014/main" xmlns="" w="9525">
+                <a14:hiddenLine xmlns="" xmlns:a16="http://schemas.microsoft.com/office/drawing/2014/main" xmlns:p14="http://schemas.microsoft.com/office/powerpoint/2010/main" xmlns:a14="http://schemas.microsoft.com/office/drawing/2010/main" w="9525">
                   <a:solidFill>
                     <a:srgbClr val="000000"/>
                   </a:solidFill>
@@ -35065,7 +35062,7 @@
             </a:ln>
             <a:extLst>
               <a:ext uri="{91240B29-F687-4f45-9708-019B960494DF}">
-                <a14:hiddenLine xmlns:a14="http://schemas.microsoft.com/office/drawing/2010/main" xmlns:p14="http://schemas.microsoft.com/office/powerpoint/2010/main" xmlns:a16="http://schemas.microsoft.com/office/drawing/2014/main" xmlns="" w="9525">
+                <a14:hiddenLine xmlns="" xmlns:a16="http://schemas.microsoft.com/office/drawing/2014/main" xmlns:p14="http://schemas.microsoft.com/office/powerpoint/2010/main" xmlns:a14="http://schemas.microsoft.com/office/drawing/2010/main" w="9525">
                   <a:solidFill>
                     <a:srgbClr val="000000"/>
                   </a:solidFill>
@@ -35142,7 +35139,7 @@
             </a:ln>
             <a:extLst>
               <a:ext uri="{91240B29-F687-4f45-9708-019B960494DF}">
-                <a14:hiddenLine xmlns:a14="http://schemas.microsoft.com/office/drawing/2010/main" xmlns:p14="http://schemas.microsoft.com/office/powerpoint/2010/main" xmlns:a16="http://schemas.microsoft.com/office/drawing/2014/main" xmlns="" w="9525">
+                <a14:hiddenLine xmlns="" xmlns:a16="http://schemas.microsoft.com/office/drawing/2014/main" xmlns:p14="http://schemas.microsoft.com/office/powerpoint/2010/main" xmlns:a14="http://schemas.microsoft.com/office/drawing/2010/main" w="9525">
                   <a:solidFill>
                     <a:srgbClr val="000000"/>
                   </a:solidFill>
@@ -35247,7 +35244,7 @@
             </a:ln>
             <a:extLst>
               <a:ext uri="{91240B29-F687-4f45-9708-019B960494DF}">
-                <a14:hiddenLine xmlns:a14="http://schemas.microsoft.com/office/drawing/2010/main" xmlns:p14="http://schemas.microsoft.com/office/powerpoint/2010/main" xmlns:a16="http://schemas.microsoft.com/office/drawing/2014/main" xmlns="" w="9525">
+                <a14:hiddenLine xmlns="" xmlns:a16="http://schemas.microsoft.com/office/drawing/2014/main" xmlns:p14="http://schemas.microsoft.com/office/powerpoint/2010/main" xmlns:a14="http://schemas.microsoft.com/office/drawing/2010/main" w="9525">
                   <a:solidFill>
                     <a:srgbClr val="000000"/>
                   </a:solidFill>
@@ -35352,7 +35349,7 @@
             </a:ln>
             <a:extLst>
               <a:ext uri="{91240B29-F687-4f45-9708-019B960494DF}">
-                <a14:hiddenLine xmlns:a14="http://schemas.microsoft.com/office/drawing/2010/main" xmlns:p14="http://schemas.microsoft.com/office/powerpoint/2010/main" xmlns:a16="http://schemas.microsoft.com/office/drawing/2014/main" xmlns="" w="9525">
+                <a14:hiddenLine xmlns="" xmlns:a16="http://schemas.microsoft.com/office/drawing/2014/main" xmlns:p14="http://schemas.microsoft.com/office/powerpoint/2010/main" xmlns:a14="http://schemas.microsoft.com/office/drawing/2010/main" w="9525">
                   <a:solidFill>
                     <a:srgbClr val="000000"/>
                   </a:solidFill>
@@ -35432,7 +35429,7 @@
             </a:ln>
             <a:extLst>
               <a:ext uri="{91240B29-F687-4f45-9708-019B960494DF}">
-                <a14:hiddenLine xmlns:a14="http://schemas.microsoft.com/office/drawing/2010/main" xmlns:p14="http://schemas.microsoft.com/office/powerpoint/2010/main" xmlns:a16="http://schemas.microsoft.com/office/drawing/2014/main" xmlns="" w="9525">
+                <a14:hiddenLine xmlns="" xmlns:a16="http://schemas.microsoft.com/office/drawing/2014/main" xmlns:p14="http://schemas.microsoft.com/office/powerpoint/2010/main" xmlns:a14="http://schemas.microsoft.com/office/drawing/2010/main" w="9525">
                   <a:solidFill>
                     <a:srgbClr val="000000"/>
                   </a:solidFill>
@@ -35509,7 +35506,7 @@
             </a:ln>
             <a:extLst>
               <a:ext uri="{91240B29-F687-4f45-9708-019B960494DF}">
-                <a14:hiddenLine xmlns:a14="http://schemas.microsoft.com/office/drawing/2010/main" xmlns:p14="http://schemas.microsoft.com/office/powerpoint/2010/main" xmlns:a16="http://schemas.microsoft.com/office/drawing/2014/main" xmlns="" w="9525">
+                <a14:hiddenLine xmlns="" xmlns:a16="http://schemas.microsoft.com/office/drawing/2014/main" xmlns:p14="http://schemas.microsoft.com/office/powerpoint/2010/main" xmlns:a14="http://schemas.microsoft.com/office/drawing/2010/main" w="9525">
                   <a:solidFill>
                     <a:srgbClr val="000000"/>
                   </a:solidFill>
@@ -35614,7 +35611,7 @@
             </a:ln>
             <a:extLst>
               <a:ext uri="{91240B29-F687-4f45-9708-019B960494DF}">
-                <a14:hiddenLine xmlns:a14="http://schemas.microsoft.com/office/drawing/2010/main" xmlns:p14="http://schemas.microsoft.com/office/powerpoint/2010/main" xmlns:a16="http://schemas.microsoft.com/office/drawing/2014/main" xmlns="" w="9525">
+                <a14:hiddenLine xmlns="" xmlns:a16="http://schemas.microsoft.com/office/drawing/2014/main" xmlns:p14="http://schemas.microsoft.com/office/powerpoint/2010/main" xmlns:a14="http://schemas.microsoft.com/office/drawing/2010/main" w="9525">
                   <a:solidFill>
                     <a:srgbClr val="000000"/>
                   </a:solidFill>
@@ -35719,7 +35716,7 @@
             </a:ln>
             <a:extLst>
               <a:ext uri="{91240B29-F687-4f45-9708-019B960494DF}">
-                <a14:hiddenLine xmlns:a14="http://schemas.microsoft.com/office/drawing/2010/main" xmlns:p14="http://schemas.microsoft.com/office/powerpoint/2010/main" xmlns:a16="http://schemas.microsoft.com/office/drawing/2014/main" xmlns="" w="9525">
+                <a14:hiddenLine xmlns="" xmlns:a16="http://schemas.microsoft.com/office/drawing/2014/main" xmlns:p14="http://schemas.microsoft.com/office/powerpoint/2010/main" xmlns:a14="http://schemas.microsoft.com/office/drawing/2010/main" w="9525">
                   <a:solidFill>
                     <a:srgbClr val="000000"/>
                   </a:solidFill>
@@ -35796,7 +35793,7 @@
             </a:ln>
             <a:extLst>
               <a:ext uri="{91240B29-F687-4f45-9708-019B960494DF}">
-                <a14:hiddenLine xmlns:a14="http://schemas.microsoft.com/office/drawing/2010/main" xmlns:p14="http://schemas.microsoft.com/office/powerpoint/2010/main" xmlns:a16="http://schemas.microsoft.com/office/drawing/2014/main" xmlns="" w="9525">
+                <a14:hiddenLine xmlns="" xmlns:a16="http://schemas.microsoft.com/office/drawing/2014/main" xmlns:p14="http://schemas.microsoft.com/office/powerpoint/2010/main" xmlns:a14="http://schemas.microsoft.com/office/drawing/2010/main" w="9525">
                   <a:solidFill>
                     <a:srgbClr val="000000"/>
                   </a:solidFill>
@@ -35931,7 +35928,7 @@
             </a:ln>
             <a:extLst>
               <a:ext uri="{91240B29-F687-4f45-9708-019B960494DF}">
-                <a14:hiddenLine xmlns:a14="http://schemas.microsoft.com/office/drawing/2010/main" xmlns:p14="http://schemas.microsoft.com/office/powerpoint/2010/main" xmlns:a16="http://schemas.microsoft.com/office/drawing/2014/main" xmlns="" w="9525">
+                <a14:hiddenLine xmlns="" xmlns:a16="http://schemas.microsoft.com/office/drawing/2014/main" xmlns:p14="http://schemas.microsoft.com/office/powerpoint/2010/main" xmlns:a14="http://schemas.microsoft.com/office/drawing/2010/main" w="9525">
                   <a:solidFill>
                     <a:srgbClr val="000000"/>
                   </a:solidFill>
@@ -36014,7 +36011,7 @@
             </a:ln>
             <a:extLst>
               <a:ext uri="{91240B29-F687-4f45-9708-019B960494DF}">
-                <a14:hiddenLine xmlns:a14="http://schemas.microsoft.com/office/drawing/2010/main" xmlns:p14="http://schemas.microsoft.com/office/powerpoint/2010/main" xmlns:a16="http://schemas.microsoft.com/office/drawing/2014/main" xmlns="" w="9525">
+                <a14:hiddenLine xmlns="" xmlns:a16="http://schemas.microsoft.com/office/drawing/2014/main" xmlns:p14="http://schemas.microsoft.com/office/powerpoint/2010/main" xmlns:a14="http://schemas.microsoft.com/office/drawing/2010/main" w="9525">
                   <a:solidFill>
                     <a:srgbClr val="000000"/>
                   </a:solidFill>
@@ -36119,7 +36116,7 @@
             </a:ln>
             <a:extLst>
               <a:ext uri="{91240B29-F687-4f45-9708-019B960494DF}">
-                <a14:hiddenLine xmlns:a14="http://schemas.microsoft.com/office/drawing/2010/main" xmlns:p14="http://schemas.microsoft.com/office/powerpoint/2010/main" xmlns:a16="http://schemas.microsoft.com/office/drawing/2014/main" xmlns="" w="9525">
+                <a14:hiddenLine xmlns="" xmlns:a16="http://schemas.microsoft.com/office/drawing/2014/main" xmlns:p14="http://schemas.microsoft.com/office/powerpoint/2010/main" xmlns:a14="http://schemas.microsoft.com/office/drawing/2010/main" w="9525">
                   <a:solidFill>
                     <a:srgbClr val="000000"/>
                   </a:solidFill>
@@ -36187,7 +36184,7 @@
           <a:noFill/>
           <a:extLst>
             <a:ext uri="{909E8E84-426E-40dd-AFC4-6F175D3DCCD1}">
-              <a14:hiddenFill xmlns:a14="http://schemas.microsoft.com/office/drawing/2010/main" xmlns:p14="http://schemas.microsoft.com/office/powerpoint/2010/main" xmlns:a16="http://schemas.microsoft.com/office/drawing/2014/main" xmlns="">
+              <a14:hiddenFill xmlns="" xmlns:a16="http://schemas.microsoft.com/office/drawing/2014/main" xmlns:p14="http://schemas.microsoft.com/office/powerpoint/2010/main" xmlns:a14="http://schemas.microsoft.com/office/drawing/2010/main">
                 <a:solidFill>
                   <a:srgbClr val="FFFFFF"/>
                 </a:solidFill>
